--- a/Proposal_Latex/Defense of Project Slides.pptx
+++ b/Proposal_Latex/Defense of Project Slides.pptx
@@ -11,28 +11,28 @@
     <p:sldId id="256" r:id="rId2"/>
     <p:sldId id="268" r:id="rId3"/>
     <p:sldId id="258" r:id="rId4"/>
-    <p:sldId id="257" r:id="rId5"/>
-    <p:sldId id="259" r:id="rId6"/>
-    <p:sldId id="260" r:id="rId7"/>
-    <p:sldId id="270" r:id="rId8"/>
-    <p:sldId id="262" r:id="rId9"/>
-    <p:sldId id="272" r:id="rId10"/>
-    <p:sldId id="267" r:id="rId11"/>
-    <p:sldId id="280" r:id="rId12"/>
-    <p:sldId id="278" r:id="rId13"/>
-    <p:sldId id="263" r:id="rId14"/>
-    <p:sldId id="271" r:id="rId15"/>
-    <p:sldId id="261" r:id="rId16"/>
-    <p:sldId id="269" r:id="rId17"/>
-    <p:sldId id="273" r:id="rId18"/>
-    <p:sldId id="274" r:id="rId19"/>
-    <p:sldId id="275" r:id="rId20"/>
-    <p:sldId id="264" r:id="rId21"/>
-    <p:sldId id="276" r:id="rId22"/>
-    <p:sldId id="277" r:id="rId23"/>
-    <p:sldId id="279" r:id="rId24"/>
-    <p:sldId id="266" r:id="rId25"/>
-    <p:sldId id="265" r:id="rId26"/>
+    <p:sldId id="259" r:id="rId5"/>
+    <p:sldId id="260" r:id="rId6"/>
+    <p:sldId id="270" r:id="rId7"/>
+    <p:sldId id="281" r:id="rId8"/>
+    <p:sldId id="257" r:id="rId9"/>
+    <p:sldId id="267" r:id="rId10"/>
+    <p:sldId id="278" r:id="rId11"/>
+    <p:sldId id="261" r:id="rId12"/>
+    <p:sldId id="269" r:id="rId13"/>
+    <p:sldId id="264" r:id="rId14"/>
+    <p:sldId id="283" r:id="rId15"/>
+    <p:sldId id="272" r:id="rId16"/>
+    <p:sldId id="275" r:id="rId17"/>
+    <p:sldId id="284" r:id="rId18"/>
+    <p:sldId id="285" r:id="rId19"/>
+    <p:sldId id="288" r:id="rId20"/>
+    <p:sldId id="289" r:id="rId21"/>
+    <p:sldId id="290" r:id="rId22"/>
+    <p:sldId id="287" r:id="rId23"/>
+    <p:sldId id="277" r:id="rId24"/>
+    <p:sldId id="279" r:id="rId25"/>
+    <p:sldId id="266" r:id="rId26"/>
   </p:sldIdLst>
   <p:sldSz cx="12192000" cy="6858000"/>
   <p:notesSz cx="6858000" cy="9144000"/>
@@ -221,7 +221,7 @@
           <a:p>
             <a:fld id="{D504451B-3959-43AA-A567-40519660A860}" type="datetimeFigureOut">
               <a:rPr lang="en-US" smtClean="0"/>
-              <a:t>6/11/2023</a:t>
+              <a:t>8/23/2023</a:t>
             </a:fld>
             <a:endParaRPr lang="en-US"/>
           </a:p>
@@ -554,7 +554,7 @@
           <a:p>
             <a:fld id="{455E767D-84BD-43FE-B3CC-2CA97AFE0A47}" type="slidenum">
               <a:rPr lang="en-US" smtClean="0"/>
-              <a:t>9</a:t>
+              <a:t>8</a:t>
             </a:fld>
             <a:endParaRPr lang="en-US"/>
           </a:p>
@@ -704,7 +704,7 @@
           <a:p>
             <a:fld id="{6961250F-E74E-4C6E-94DF-871491231E31}" type="datetime1">
               <a:rPr lang="en-US" smtClean="0"/>
-              <a:t>6/11/2023</a:t>
+              <a:t>8/23/2023</a:t>
             </a:fld>
             <a:endParaRPr lang="en-US"/>
           </a:p>
@@ -874,7 +874,7 @@
           <a:p>
             <a:fld id="{8AF071B4-BA90-4083-81AC-C9DDE0183C19}" type="datetime1">
               <a:rPr lang="en-US" smtClean="0"/>
-              <a:t>6/11/2023</a:t>
+              <a:t>8/23/2023</a:t>
             </a:fld>
             <a:endParaRPr lang="en-US"/>
           </a:p>
@@ -1054,7 +1054,7 @@
           <a:p>
             <a:fld id="{8F60AFFC-712D-496B-B61B-859F25DC161E}" type="datetime1">
               <a:rPr lang="en-US" smtClean="0"/>
-              <a:t>6/11/2023</a:t>
+              <a:t>8/23/2023</a:t>
             </a:fld>
             <a:endParaRPr lang="en-US"/>
           </a:p>
@@ -1224,7 +1224,7 @@
           <a:p>
             <a:fld id="{61066859-9ABD-47EE-A13A-7683241B4E0D}" type="datetime1">
               <a:rPr lang="en-US" smtClean="0"/>
-              <a:t>6/11/2023</a:t>
+              <a:t>8/23/2023</a:t>
             </a:fld>
             <a:endParaRPr lang="en-US"/>
           </a:p>
@@ -1470,7 +1470,7 @@
           <a:p>
             <a:fld id="{3269892B-84AD-4139-B130-65EF41FFFCFC}" type="datetime1">
               <a:rPr lang="en-US" smtClean="0"/>
-              <a:t>6/11/2023</a:t>
+              <a:t>8/23/2023</a:t>
             </a:fld>
             <a:endParaRPr lang="en-US"/>
           </a:p>
@@ -1702,7 +1702,7 @@
           <a:p>
             <a:fld id="{5610E6AA-6CD9-458C-8E68-557B8A7FD425}" type="datetime1">
               <a:rPr lang="en-US" smtClean="0"/>
-              <a:t>6/11/2023</a:t>
+              <a:t>8/23/2023</a:t>
             </a:fld>
             <a:endParaRPr lang="en-US"/>
           </a:p>
@@ -2069,7 +2069,7 @@
           <a:p>
             <a:fld id="{FB80FD5D-14B9-4166-B2D1-4950F7E6B3ED}" type="datetime1">
               <a:rPr lang="en-US" smtClean="0"/>
-              <a:t>6/11/2023</a:t>
+              <a:t>8/23/2023</a:t>
             </a:fld>
             <a:endParaRPr lang="en-US"/>
           </a:p>
@@ -2187,7 +2187,7 @@
           <a:p>
             <a:fld id="{6F03DCA8-244E-4222-8624-68DD0D09C383}" type="datetime1">
               <a:rPr lang="en-US" smtClean="0"/>
-              <a:t>6/11/2023</a:t>
+              <a:t>8/23/2023</a:t>
             </a:fld>
             <a:endParaRPr lang="en-US"/>
           </a:p>
@@ -2282,7 +2282,7 @@
           <a:p>
             <a:fld id="{9AC1DFE2-D31E-40D3-892C-61D3D11978F4}" type="datetime1">
               <a:rPr lang="en-US" smtClean="0"/>
-              <a:t>6/11/2023</a:t>
+              <a:t>8/23/2023</a:t>
             </a:fld>
             <a:endParaRPr lang="en-US"/>
           </a:p>
@@ -2559,7 +2559,7 @@
           <a:p>
             <a:fld id="{9648D72A-9B60-4D77-92AF-3A2AFA679832}" type="datetime1">
               <a:rPr lang="en-US" smtClean="0"/>
-              <a:t>6/11/2023</a:t>
+              <a:t>8/23/2023</a:t>
             </a:fld>
             <a:endParaRPr lang="en-US"/>
           </a:p>
@@ -2812,7 +2812,7 @@
           <a:p>
             <a:fld id="{53FF2DE8-95CC-4CC4-8122-7CF4CDF6E147}" type="datetime1">
               <a:rPr lang="en-US" smtClean="0"/>
-              <a:t>6/11/2023</a:t>
+              <a:t>8/23/2023</a:t>
             </a:fld>
             <a:endParaRPr lang="en-US"/>
           </a:p>
@@ -3025,7 +3025,7 @@
           <a:p>
             <a:fld id="{6ED01A26-2140-4065-AC2F-5ABABACBD2CD}" type="datetime1">
               <a:rPr lang="en-US" smtClean="0"/>
-              <a:t>6/11/2023</a:t>
+              <a:t>8/23/2023</a:t>
             </a:fld>
             <a:endParaRPr lang="en-US"/>
           </a:p>
@@ -3478,22 +3478,13 @@
               <a:buNone/>
             </a:pPr>
             <a:r>
-              <a:rPr lang="en-US" sz="5000" smtClean="0">
+              <a:rPr lang="en-US" sz="5000" dirty="0" smtClean="0">
                 <a:latin typeface="Times New Roman"/>
                 <a:ea typeface="Times New Roman"/>
                 <a:cs typeface="Times New Roman"/>
                 <a:sym typeface="Times New Roman"/>
               </a:rPr>
-              <a:t>Proposal</a:t>
-            </a:r>
-            <a:r>
-              <a:rPr lang="en-US" sz="5000" smtClean="0">
-                <a:latin typeface="Times New Roman"/>
-                <a:ea typeface="Times New Roman"/>
-                <a:cs typeface="Times New Roman"/>
-                <a:sym typeface="Times New Roman"/>
-              </a:rPr>
-              <a:t> </a:t>
+              <a:t>Mid Term </a:t>
             </a:r>
             <a:r>
               <a:rPr lang="en-US" sz="5000" dirty="0">
@@ -3820,7 +3811,7 @@
                 <a:cs typeface="Times New Roman"/>
                 <a:sym typeface="Times New Roman"/>
               </a:rPr>
-              <a:t>2023/06/3</a:t>
+              <a:t>2023/08/23</a:t>
             </a:r>
             <a:endParaRPr sz="2000" dirty="0">
               <a:solidFill>
@@ -3843,7 +3834,7 @@
         <p:spPr>
           <a:xfrm>
             <a:off x="8149325" y="4613300"/>
-            <a:ext cx="3449700" cy="1693200"/>
+            <a:ext cx="3449700" cy="1415742"/>
           </a:xfrm>
           <a:prstGeom prst="rect">
             <a:avLst/>
@@ -3859,70 +3850,6 @@
           </a:bodyPr>
           <a:lstStyle/>
           <a:p>
-            <a:pPr marL="0" lvl="0" indent="0" algn="just" rtl="0">
-              <a:lnSpc>
-                <a:spcPct val="90000"/>
-              </a:lnSpc>
-              <a:spcBef>
-                <a:spcPts val="0"/>
-              </a:spcBef>
-              <a:spcAft>
-                <a:spcPts val="0"/>
-              </a:spcAft>
-              <a:buClr>
-                <a:schemeClr val="dk1"/>
-              </a:buClr>
-              <a:buSzPts val="2000"/>
-              <a:buFont typeface="Arial"/>
-              <a:buNone/>
-            </a:pPr>
-            <a:r>
-              <a:rPr lang="en-US" sz="2000" dirty="0" err="1">
-                <a:solidFill>
-                  <a:schemeClr val="dk1"/>
-                </a:solidFill>
-                <a:latin typeface="Times New Roman"/>
-                <a:ea typeface="Times New Roman"/>
-                <a:cs typeface="Times New Roman"/>
-                <a:sym typeface="Times New Roman"/>
-              </a:rPr>
-              <a:t>Bishika</a:t>
-            </a:r>
-            <a:r>
-              <a:rPr lang="en-US" sz="2000" dirty="0">
-                <a:solidFill>
-                  <a:schemeClr val="dk1"/>
-                </a:solidFill>
-                <a:latin typeface="Times New Roman"/>
-                <a:ea typeface="Times New Roman"/>
-                <a:cs typeface="Times New Roman"/>
-                <a:sym typeface="Times New Roman"/>
-              </a:rPr>
-              <a:t> </a:t>
-            </a:r>
-            <a:r>
-              <a:rPr lang="en-US" sz="2000" dirty="0" err="1">
-                <a:solidFill>
-                  <a:schemeClr val="dk1"/>
-                </a:solidFill>
-                <a:latin typeface="Times New Roman"/>
-                <a:ea typeface="Times New Roman"/>
-                <a:cs typeface="Times New Roman"/>
-                <a:sym typeface="Times New Roman"/>
-              </a:rPr>
-              <a:t>Subedi</a:t>
-            </a:r>
-            <a:endParaRPr sz="2000" dirty="0">
-              <a:solidFill>
-                <a:schemeClr val="dk1"/>
-              </a:solidFill>
-              <a:latin typeface="Times New Roman"/>
-              <a:ea typeface="Times New Roman"/>
-              <a:cs typeface="Times New Roman"/>
-              <a:sym typeface="Times New Roman"/>
-            </a:endParaRPr>
-          </a:p>
-          <a:p>
             <a:pPr marL="0" lvl="0" indent="0" algn="l" rtl="0">
               <a:spcBef>
                 <a:spcPts val="0"/>
@@ -3933,20 +3860,14 @@
               <a:buNone/>
             </a:pPr>
             <a:r>
-              <a:rPr lang="en-US" sz="2000" dirty="0">
+              <a:rPr lang="en-US" sz="2000" dirty="0" smtClean="0">
                 <a:latin typeface="Times New Roman"/>
                 <a:ea typeface="Times New Roman"/>
                 <a:cs typeface="Times New Roman"/>
                 <a:sym typeface="Times New Roman"/>
               </a:rPr>
-              <a:t>Project Coordinator</a:t>
-            </a:r>
-            <a:endParaRPr sz="2000" dirty="0">
-              <a:latin typeface="Times New Roman"/>
-              <a:ea typeface="Times New Roman"/>
-              <a:cs typeface="Times New Roman"/>
-              <a:sym typeface="Times New Roman"/>
-            </a:endParaRPr>
+              <a:t>Submitted To:</a:t>
+            </a:r>
           </a:p>
           <a:p>
             <a:pPr marL="0" lvl="0" indent="0" algn="l" rtl="0">
@@ -3959,13 +3880,22 @@
               <a:buNone/>
             </a:pPr>
             <a:r>
+              <a:rPr lang="en-US" sz="2000" dirty="0" smtClean="0">
+                <a:latin typeface="Times New Roman"/>
+                <a:ea typeface="Times New Roman"/>
+                <a:cs typeface="Times New Roman"/>
+                <a:sym typeface="Times New Roman"/>
+              </a:rPr>
+              <a:t>Department </a:t>
+            </a:r>
+            <a:r>
               <a:rPr lang="en-US" sz="2000" dirty="0">
                 <a:latin typeface="Times New Roman"/>
                 <a:ea typeface="Times New Roman"/>
                 <a:cs typeface="Times New Roman"/>
                 <a:sym typeface="Times New Roman"/>
               </a:rPr>
-              <a:t>Department of Computer</a:t>
+              <a:t>of Computer</a:t>
             </a:r>
             <a:endParaRPr sz="2000" dirty="0">
               <a:latin typeface="Times New Roman"/>
@@ -4199,7 +4129,7 @@
                 <a:latin typeface="Times New Roman" panose="02020603050405020304" pitchFamily="18" charset="0"/>
                 <a:cs typeface="Times New Roman" panose="02020603050405020304" pitchFamily="18" charset="0"/>
               </a:rPr>
-              <a:t>Literature Review</a:t>
+              <a:t>Contd..</a:t>
             </a:r>
             <a:endParaRPr lang="en-US" dirty="0">
               <a:latin typeface="Times New Roman" panose="02020603050405020304" pitchFamily="18" charset="0"/>
@@ -4220,25 +4150,34 @@
         </p:nvSpPr>
         <p:spPr/>
         <p:txBody>
-          <a:bodyPr>
-            <a:normAutofit/>
-          </a:bodyPr>
-          <a:lstStyle/>
-          <a:p>
+          <a:bodyPr/>
+          <a:lstStyle/>
+          <a:p>
+            <a:r>
+              <a:rPr lang="en-US" dirty="0" smtClean="0">
+                <a:latin typeface="Times New Roman" panose="02020603050405020304" pitchFamily="18" charset="0"/>
+                <a:cs typeface="Times New Roman" panose="02020603050405020304" pitchFamily="18" charset="0"/>
+              </a:rPr>
+              <a:t>Higher </a:t>
+            </a:r>
             <a:r>
               <a:rPr lang="en-US" dirty="0">
                 <a:latin typeface="Times New Roman" panose="02020603050405020304" pitchFamily="18" charset="0"/>
                 <a:cs typeface="Times New Roman" panose="02020603050405020304" pitchFamily="18" charset="0"/>
               </a:rPr>
-              <a:t>Social networks are like groups of people who know each other and interact with each other</a:t>
+              <a:t>Reputation means Higher Exposure</a:t>
             </a:r>
             <a:r>
               <a:rPr lang="en-US" dirty="0" smtClean="0">
                 <a:latin typeface="Times New Roman" panose="02020603050405020304" pitchFamily="18" charset="0"/>
                 <a:cs typeface="Times New Roman" panose="02020603050405020304" pitchFamily="18" charset="0"/>
               </a:rPr>
-              <a:t>.[1] </a:t>
-            </a:r>
+              <a:t>.[4]</a:t>
+            </a:r>
+            <a:endParaRPr lang="en-US" dirty="0">
+              <a:latin typeface="Times New Roman" panose="02020603050405020304" pitchFamily="18" charset="0"/>
+              <a:cs typeface="Times New Roman" panose="02020603050405020304" pitchFamily="18" charset="0"/>
+            </a:endParaRPr>
           </a:p>
           <a:p>
             <a:r>
@@ -4246,45 +4185,51 @@
                 <a:latin typeface="Times New Roman" panose="02020603050405020304" pitchFamily="18" charset="0"/>
                 <a:cs typeface="Times New Roman" panose="02020603050405020304" pitchFamily="18" charset="0"/>
               </a:rPr>
-              <a:t>LinkedIn is the preferred social media platform for recruiters, while Twitter and Facebook are less</a:t>
+              <a:t>GitHub Discussions faces challenges due to topic duplication with Issues, leading to confusion and redundancy</a:t>
             </a:r>
             <a:r>
               <a:rPr lang="en-US" dirty="0" smtClean="0">
                 <a:latin typeface="Times New Roman" panose="02020603050405020304" pitchFamily="18" charset="0"/>
                 <a:cs typeface="Times New Roman" panose="02020603050405020304" pitchFamily="18" charset="0"/>
               </a:rPr>
-              <a:t>.[2]</a:t>
-            </a:r>
-          </a:p>
-          <a:p>
+              <a:t>.[5]</a:t>
+            </a:r>
+          </a:p>
+          <a:p>
+            <a:r>
+              <a:rPr lang="en-US" dirty="0"/>
+              <a:t>Ajax enables seamless, asynchronous server requests from the client-side, enhancing webpage performance and user experience by updating specific parts without full reloads</a:t>
+            </a:r>
+            <a:r>
+              <a:rPr lang="en-US" dirty="0" smtClean="0"/>
+              <a:t>.</a:t>
+            </a:r>
             <a:r>
               <a:rPr lang="en-US" dirty="0">
                 <a:latin typeface="Times New Roman" panose="02020603050405020304" pitchFamily="18" charset="0"/>
                 <a:cs typeface="Times New Roman" panose="02020603050405020304" pitchFamily="18" charset="0"/>
               </a:rPr>
-              <a:t>Complete profiles in Stack Overflow lead to </a:t>
+              <a:t> </a:t>
             </a:r>
             <a:r>
               <a:rPr lang="en-US" dirty="0" smtClean="0">
                 <a:latin typeface="Times New Roman" panose="02020603050405020304" pitchFamily="18" charset="0"/>
                 <a:cs typeface="Times New Roman" panose="02020603050405020304" pitchFamily="18" charset="0"/>
               </a:rPr>
-              <a:t>better </a:t>
-            </a:r>
-            <a:r>
-              <a:rPr lang="en-US" dirty="0">
-                <a:latin typeface="Times New Roman" panose="02020603050405020304" pitchFamily="18" charset="0"/>
-                <a:cs typeface="Times New Roman" panose="02020603050405020304" pitchFamily="18" charset="0"/>
-              </a:rPr>
-              <a:t>quality posts</a:t>
-            </a:r>
-            <a:r>
-              <a:rPr lang="en-US" dirty="0" smtClean="0">
-                <a:latin typeface="Times New Roman" panose="02020603050405020304" pitchFamily="18" charset="0"/>
-                <a:cs typeface="Times New Roman" panose="02020603050405020304" pitchFamily="18" charset="0"/>
-              </a:rPr>
-              <a:t>.[3]</a:t>
-            </a:r>
+              <a:t>[6]</a:t>
+            </a:r>
+          </a:p>
+          <a:p>
+            <a:endParaRPr lang="en-US" dirty="0">
+              <a:latin typeface="Times New Roman" panose="02020603050405020304" pitchFamily="18" charset="0"/>
+              <a:cs typeface="Times New Roman" panose="02020603050405020304" pitchFamily="18" charset="0"/>
+            </a:endParaRPr>
+          </a:p>
+          <a:p>
+            <a:endParaRPr lang="en-US" dirty="0">
+              <a:latin typeface="Times New Roman" panose="02020603050405020304" pitchFamily="18" charset="0"/>
+              <a:cs typeface="Times New Roman" panose="02020603050405020304" pitchFamily="18" charset="0"/>
+            </a:endParaRPr>
           </a:p>
         </p:txBody>
       </p:sp>
@@ -4305,7 +4250,7 @@
           <a:p>
             <a:fld id="{61066859-9ABD-47EE-A13A-7683241B4E0D}" type="datetime1">
               <a:rPr lang="en-US" smtClean="0"/>
-              <a:t>6/11/2023</a:t>
+              <a:t>8/23/2023</a:t>
             </a:fld>
             <a:endParaRPr lang="en-US"/>
           </a:p>
@@ -4337,7 +4282,7 @@
     </p:spTree>
     <p:extLst>
       <p:ext uri="{BB962C8B-B14F-4D97-AF65-F5344CB8AC3E}">
-        <p14:creationId xmlns:p14="http://schemas.microsoft.com/office/powerpoint/2010/main" val="41453864"/>
+        <p14:creationId xmlns:p14="http://schemas.microsoft.com/office/powerpoint/2010/main" val="2787508002"/>
       </p:ext>
     </p:extLst>
   </p:cSld>
@@ -4386,13 +4331,12 @@
           <a:bodyPr/>
           <a:lstStyle/>
           <a:p>
-            <a:pPr algn="ctr"/>
             <a:r>
               <a:rPr lang="en-US" dirty="0" smtClean="0">
                 <a:latin typeface="Times New Roman" panose="02020603050405020304" pitchFamily="18" charset="0"/>
                 <a:cs typeface="Times New Roman" panose="02020603050405020304" pitchFamily="18" charset="0"/>
               </a:rPr>
-              <a:t>Real World problem</a:t>
+              <a:t>Functional Requirements</a:t>
             </a:r>
             <a:endParaRPr lang="en-US" dirty="0">
               <a:latin typeface="Times New Roman" panose="02020603050405020304" pitchFamily="18" charset="0"/>
@@ -4401,35 +4345,223 @@
           </a:p>
         </p:txBody>
       </p:sp>
-      <p:pic>
-        <p:nvPicPr>
-          <p:cNvPr id="7" name="Content Placeholder 6"/>
-          <p:cNvPicPr>
-            <a:picLocks noGrp="1" noChangeAspect="1"/>
-          </p:cNvPicPr>
+      <p:sp>
+        <p:nvSpPr>
+          <p:cNvPr id="3" name="Content Placeholder 2"/>
+          <p:cNvSpPr>
+            <a:spLocks noGrp="1"/>
+          </p:cNvSpPr>
           <p:nvPr>
             <p:ph idx="1"/>
           </p:nvPr>
-        </p:nvPicPr>
-        <p:blipFill>
-          <a:blip r:embed="rId2">
-            <a:extLst>
-              <a:ext uri="{28A0092B-C50C-407E-A947-70E740481C1C}">
-                <a14:useLocalDpi xmlns:a14="http://schemas.microsoft.com/office/drawing/2010/main" val="0"/>
-              </a:ext>
-            </a:extLst>
-          </a:blip>
-          <a:stretch>
-            <a:fillRect/>
-          </a:stretch>
-        </p:blipFill>
+        </p:nvSpPr>
         <p:spPr>
           <a:xfrm>
-            <a:off x="1029593" y="2879354"/>
-            <a:ext cx="4084674" cy="1691787"/>
+            <a:off x="838200" y="1690688"/>
+            <a:ext cx="10515600" cy="4351338"/>
           </a:xfrm>
         </p:spPr>
-      </p:pic>
+        <p:txBody>
+          <a:bodyPr>
+            <a:normAutofit/>
+          </a:bodyPr>
+          <a:lstStyle/>
+          <a:p>
+            <a:pPr marL="457200" lvl="0" indent="-368300">
+              <a:buSzPts val="2200"/>
+              <a:buFont typeface="Times New Roman"/>
+              <a:buChar char="•"/>
+            </a:pPr>
+            <a:r>
+              <a:rPr lang="en-US" dirty="0">
+                <a:latin typeface="Times New Roman"/>
+                <a:ea typeface="Times New Roman"/>
+                <a:cs typeface="Times New Roman"/>
+                <a:sym typeface="Times New Roman"/>
+              </a:rPr>
+              <a:t>User Registration/Login</a:t>
+            </a:r>
+          </a:p>
+          <a:p>
+            <a:pPr marL="457200" lvl="0" indent="-368300">
+              <a:spcBef>
+                <a:spcPts val="0"/>
+              </a:spcBef>
+              <a:buSzPts val="2200"/>
+              <a:buFont typeface="Times New Roman"/>
+              <a:buChar char="•"/>
+            </a:pPr>
+            <a:r>
+              <a:rPr lang="en-US" dirty="0" smtClean="0">
+                <a:latin typeface="Times New Roman"/>
+                <a:ea typeface="Times New Roman"/>
+                <a:cs typeface="Times New Roman"/>
+                <a:sym typeface="Times New Roman"/>
+              </a:rPr>
+              <a:t>User </a:t>
+            </a:r>
+            <a:r>
+              <a:rPr lang="en-US" dirty="0">
+                <a:latin typeface="Times New Roman"/>
+                <a:ea typeface="Times New Roman"/>
+                <a:cs typeface="Times New Roman"/>
+                <a:sym typeface="Times New Roman"/>
+              </a:rPr>
+              <a:t>Profile Management</a:t>
+            </a:r>
+          </a:p>
+          <a:p>
+            <a:pPr marL="457200" lvl="0" indent="-368300">
+              <a:spcBef>
+                <a:spcPts val="0"/>
+              </a:spcBef>
+              <a:buSzPts val="2200"/>
+              <a:buFont typeface="Times New Roman"/>
+              <a:buChar char="•"/>
+            </a:pPr>
+            <a:r>
+              <a:rPr lang="en-US" dirty="0" smtClean="0">
+                <a:latin typeface="Times New Roman"/>
+                <a:ea typeface="Times New Roman"/>
+                <a:cs typeface="Times New Roman"/>
+                <a:sym typeface="Times New Roman"/>
+              </a:rPr>
+              <a:t>Connection </a:t>
+            </a:r>
+            <a:r>
+              <a:rPr lang="en-US" dirty="0">
+                <a:latin typeface="Times New Roman"/>
+                <a:ea typeface="Times New Roman"/>
+                <a:cs typeface="Times New Roman"/>
+                <a:sym typeface="Times New Roman"/>
+              </a:rPr>
+              <a:t>Management</a:t>
+            </a:r>
+          </a:p>
+          <a:p>
+            <a:pPr marL="457200" lvl="0" indent="-368300">
+              <a:spcBef>
+                <a:spcPts val="0"/>
+              </a:spcBef>
+              <a:buSzPts val="2200"/>
+              <a:buFont typeface="Times New Roman"/>
+              <a:buChar char="•"/>
+            </a:pPr>
+            <a:r>
+              <a:rPr lang="en-US" dirty="0" smtClean="0">
+                <a:latin typeface="Times New Roman"/>
+                <a:ea typeface="Times New Roman"/>
+                <a:cs typeface="Times New Roman"/>
+                <a:sym typeface="Times New Roman"/>
+              </a:rPr>
+              <a:t>Discussion/News </a:t>
+            </a:r>
+            <a:r>
+              <a:rPr lang="en-US" dirty="0">
+                <a:latin typeface="Times New Roman"/>
+                <a:ea typeface="Times New Roman"/>
+                <a:cs typeface="Times New Roman"/>
+                <a:sym typeface="Times New Roman"/>
+              </a:rPr>
+              <a:t>Feed</a:t>
+            </a:r>
+          </a:p>
+          <a:p>
+            <a:pPr marL="457200" lvl="0" indent="-368300">
+              <a:spcBef>
+                <a:spcPts val="0"/>
+              </a:spcBef>
+              <a:buSzPts val="2200"/>
+              <a:buFont typeface="Times New Roman"/>
+              <a:buChar char="•"/>
+            </a:pPr>
+            <a:r>
+              <a:rPr lang="en-US" dirty="0" smtClean="0">
+                <a:latin typeface="Times New Roman"/>
+                <a:ea typeface="Times New Roman"/>
+                <a:cs typeface="Times New Roman"/>
+                <a:sym typeface="Times New Roman"/>
+              </a:rPr>
+              <a:t>Messaging</a:t>
+            </a:r>
+            <a:endParaRPr lang="en-US" dirty="0">
+              <a:latin typeface="Times New Roman"/>
+              <a:ea typeface="Times New Roman"/>
+              <a:cs typeface="Times New Roman"/>
+              <a:sym typeface="Times New Roman"/>
+            </a:endParaRPr>
+          </a:p>
+          <a:p>
+            <a:pPr marL="457200" lvl="0" indent="-368300">
+              <a:spcBef>
+                <a:spcPts val="0"/>
+              </a:spcBef>
+              <a:buSzPts val="2200"/>
+              <a:buFont typeface="Times New Roman"/>
+              <a:buChar char="•"/>
+            </a:pPr>
+            <a:r>
+              <a:rPr lang="en-US" dirty="0" smtClean="0">
+                <a:latin typeface="Times New Roman"/>
+                <a:ea typeface="Times New Roman"/>
+                <a:cs typeface="Times New Roman"/>
+                <a:sym typeface="Times New Roman"/>
+              </a:rPr>
+              <a:t>Notifications</a:t>
+            </a:r>
+            <a:endParaRPr lang="en-US" dirty="0">
+              <a:latin typeface="Times New Roman"/>
+              <a:ea typeface="Times New Roman"/>
+              <a:cs typeface="Times New Roman"/>
+              <a:sym typeface="Times New Roman"/>
+            </a:endParaRPr>
+          </a:p>
+          <a:p>
+            <a:pPr marL="0" lvl="0" indent="0">
+              <a:buClr>
+                <a:schemeClr val="dk1"/>
+              </a:buClr>
+              <a:buSzPts val="1100"/>
+              <a:buNone/>
+            </a:pPr>
+            <a:endParaRPr lang="en-US" dirty="0">
+              <a:latin typeface="Times New Roman"/>
+              <a:ea typeface="Times New Roman"/>
+              <a:cs typeface="Times New Roman"/>
+              <a:sym typeface="Times New Roman"/>
+            </a:endParaRPr>
+          </a:p>
+          <a:p>
+            <a:pPr marL="0" lvl="0" indent="0">
+              <a:buClr>
+                <a:schemeClr val="dk1"/>
+              </a:buClr>
+              <a:buSzPts val="1100"/>
+              <a:buNone/>
+            </a:pPr>
+            <a:endParaRPr lang="en-US" dirty="0">
+              <a:latin typeface="Times New Roman"/>
+              <a:ea typeface="Times New Roman"/>
+              <a:cs typeface="Times New Roman"/>
+              <a:sym typeface="Times New Roman"/>
+            </a:endParaRPr>
+          </a:p>
+          <a:p>
+            <a:pPr marL="0" lvl="0" indent="0">
+              <a:buNone/>
+            </a:pPr>
+            <a:endParaRPr lang="en-US" dirty="0">
+              <a:latin typeface="Times New Roman"/>
+              <a:ea typeface="Times New Roman"/>
+              <a:cs typeface="Times New Roman"/>
+              <a:sym typeface="Times New Roman"/>
+            </a:endParaRPr>
+          </a:p>
+          <a:p>
+            <a:endParaRPr lang="en-US" sz="3600" dirty="0"/>
+          </a:p>
+        </p:txBody>
+      </p:sp>
       <p:sp>
         <p:nvSpPr>
           <p:cNvPr id="4" name="Date Placeholder 3"/>
@@ -4447,7 +4579,7 @@
           <a:p>
             <a:fld id="{61066859-9ABD-47EE-A13A-7683241B4E0D}" type="datetime1">
               <a:rPr lang="en-US" smtClean="0"/>
-              <a:t>6/11/2023</a:t>
+              <a:t>8/23/2023</a:t>
             </a:fld>
             <a:endParaRPr lang="en-US"/>
           </a:p>
@@ -4473,98 +4605,26 @@
               <a:t>10</a:t>
             </a:fld>
             <a:endParaRPr lang="en-US"/>
-          </a:p>
-        </p:txBody>
-      </p:sp>
-      <p:pic>
-        <p:nvPicPr>
-          <p:cNvPr id="8" name="Picture 7"/>
-          <p:cNvPicPr>
-            <a:picLocks noChangeAspect="1"/>
-          </p:cNvPicPr>
-          <p:nvPr/>
-        </p:nvPicPr>
-        <p:blipFill>
-          <a:blip r:embed="rId3"/>
-          <a:stretch>
-            <a:fillRect/>
-          </a:stretch>
-        </p:blipFill>
-        <p:spPr>
-          <a:xfrm>
-            <a:off x="6096000" y="1812257"/>
-            <a:ext cx="4670006" cy="3124029"/>
-          </a:xfrm>
-          <a:prstGeom prst="rect">
-            <a:avLst/>
-          </a:prstGeom>
-        </p:spPr>
-      </p:pic>
-      <p:sp>
-        <p:nvSpPr>
-          <p:cNvPr id="9" name="Title 1"/>
-          <p:cNvSpPr txBox="1">
-            <a:spLocks/>
-          </p:cNvSpPr>
-          <p:nvPr/>
-        </p:nvSpPr>
-        <p:spPr>
-          <a:xfrm>
-            <a:off x="1232139" y="4692710"/>
-            <a:ext cx="10515600" cy="1325563"/>
-          </a:xfrm>
-          <a:prstGeom prst="rect">
-            <a:avLst/>
-          </a:prstGeom>
-        </p:spPr>
-        <p:txBody>
-          <a:bodyPr vert="horz" lIns="91440" tIns="45720" rIns="91440" bIns="45720" rtlCol="0" anchor="ctr">
-            <a:normAutofit/>
-          </a:bodyPr>
-          <a:lstStyle>
-            <a:lvl1pPr algn="l" defTabSz="914400" rtl="0" eaLnBrk="1" latinLnBrk="0" hangingPunct="1">
-              <a:lnSpc>
-                <a:spcPct val="90000"/>
-              </a:lnSpc>
-              <a:spcBef>
-                <a:spcPct val="0"/>
-              </a:spcBef>
-              <a:buNone/>
-              <a:defRPr sz="4400" kern="1200">
-                <a:solidFill>
-                  <a:schemeClr val="tx1"/>
-                </a:solidFill>
-                <a:latin typeface="+mj-lt"/>
-                <a:ea typeface="+mj-ea"/>
-                <a:cs typeface="+mj-cs"/>
-              </a:defRPr>
-            </a:lvl1pPr>
-          </a:lstStyle>
-          <a:p>
-            <a:r>
-              <a:rPr lang="en-US" sz="2800" dirty="0" smtClean="0">
-                <a:latin typeface="Times New Roman" panose="02020603050405020304" pitchFamily="18" charset="0"/>
-                <a:cs typeface="Times New Roman" panose="02020603050405020304" pitchFamily="18" charset="0"/>
-              </a:rPr>
-              <a:t>Messenger					Proposed system</a:t>
-            </a:r>
-            <a:endParaRPr lang="en-US" sz="2800" dirty="0">
-              <a:latin typeface="Times New Roman" panose="02020603050405020304" pitchFamily="18" charset="0"/>
-              <a:cs typeface="Times New Roman" panose="02020603050405020304" pitchFamily="18" charset="0"/>
-            </a:endParaRPr>
           </a:p>
         </p:txBody>
       </p:sp>
     </p:spTree>
     <p:extLst>
       <p:ext uri="{BB962C8B-B14F-4D97-AF65-F5344CB8AC3E}">
-        <p14:creationId xmlns:p14="http://schemas.microsoft.com/office/powerpoint/2010/main" val="3890765014"/>
+        <p14:creationId xmlns:p14="http://schemas.microsoft.com/office/powerpoint/2010/main" val="1200180017"/>
       </p:ext>
     </p:extLst>
   </p:cSld>
   <p:clrMapOvr>
     <a:masterClrMapping/>
   </p:clrMapOvr>
+  <p:timing>
+    <p:tnLst>
+      <p:par>
+        <p:cTn id="1" dur="indefinite" restart="never" nodeType="tmRoot"/>
+      </p:par>
+    </p:tnLst>
+  </p:timing>
 </p:sld>
 </file>
 
@@ -4602,79 +4662,82 @@
           <a:p>
             <a:r>
               <a:rPr lang="en-US" dirty="0" smtClean="0">
-                <a:latin typeface="Times New Roman" panose="02020603050405020304" pitchFamily="18" charset="0"/>
-                <a:cs typeface="Times New Roman" panose="02020603050405020304" pitchFamily="18" charset="0"/>
-              </a:rPr>
-              <a:t>Contd..</a:t>
+                <a:latin typeface="Times New Roman"/>
+                <a:ea typeface="Times New Roman"/>
+                <a:cs typeface="Times New Roman"/>
+                <a:sym typeface="Times New Roman"/>
+              </a:rPr>
+              <a:t>Non Functional Requirements</a:t>
+            </a:r>
+            <a:endParaRPr lang="en-US" dirty="0"/>
+          </a:p>
+        </p:txBody>
+      </p:sp>
+      <p:sp>
+        <p:nvSpPr>
+          <p:cNvPr id="3" name="Content Placeholder 2"/>
+          <p:cNvSpPr>
+            <a:spLocks noGrp="1"/>
+          </p:cNvSpPr>
+          <p:nvPr>
+            <p:ph idx="1"/>
+          </p:nvPr>
+        </p:nvSpPr>
+        <p:spPr>
+          <a:xfrm>
+            <a:off x="838200" y="1690688"/>
+            <a:ext cx="10515600" cy="4351338"/>
+          </a:xfrm>
+        </p:spPr>
+        <p:txBody>
+          <a:bodyPr>
+            <a:normAutofit/>
+          </a:bodyPr>
+          <a:lstStyle/>
+          <a:p>
+            <a:r>
+              <a:rPr lang="en-US" dirty="0" smtClean="0">
+                <a:latin typeface="Times New Roman" panose="02020603050405020304" pitchFamily="18" charset="0"/>
+                <a:cs typeface="Times New Roman" panose="02020603050405020304" pitchFamily="18" charset="0"/>
+              </a:rPr>
+              <a:t>Performance</a:t>
+            </a:r>
+          </a:p>
+          <a:p>
+            <a:r>
+              <a:rPr lang="en-US" dirty="0" smtClean="0">
+                <a:latin typeface="Times New Roman" panose="02020603050405020304" pitchFamily="18" charset="0"/>
+                <a:cs typeface="Times New Roman" panose="02020603050405020304" pitchFamily="18" charset="0"/>
+              </a:rPr>
+              <a:t>Authentication Security</a:t>
             </a:r>
             <a:endParaRPr lang="en-US" dirty="0">
               <a:latin typeface="Times New Roman" panose="02020603050405020304" pitchFamily="18" charset="0"/>
               <a:cs typeface="Times New Roman" panose="02020603050405020304" pitchFamily="18" charset="0"/>
             </a:endParaRPr>
           </a:p>
-        </p:txBody>
-      </p:sp>
-      <p:sp>
-        <p:nvSpPr>
-          <p:cNvPr id="3" name="Content Placeholder 2"/>
-          <p:cNvSpPr>
-            <a:spLocks noGrp="1"/>
-          </p:cNvSpPr>
-          <p:nvPr>
-            <p:ph idx="1"/>
-          </p:nvPr>
-        </p:nvSpPr>
-        <p:spPr/>
-        <p:txBody>
-          <a:bodyPr/>
-          <a:lstStyle/>
           <a:p>
             <a:r>
               <a:rPr lang="en-US" dirty="0" smtClean="0">
                 <a:latin typeface="Times New Roman" panose="02020603050405020304" pitchFamily="18" charset="0"/>
                 <a:cs typeface="Times New Roman" panose="02020603050405020304" pitchFamily="18" charset="0"/>
               </a:rPr>
-              <a:t>Higher </a:t>
-            </a:r>
-            <a:r>
-              <a:rPr lang="en-US" dirty="0">
-                <a:latin typeface="Times New Roman" panose="02020603050405020304" pitchFamily="18" charset="0"/>
-                <a:cs typeface="Times New Roman" panose="02020603050405020304" pitchFamily="18" charset="0"/>
-              </a:rPr>
-              <a:t>Reputation means Higher Exposure</a:t>
-            </a:r>
+              <a:t>Better UX design</a:t>
+            </a:r>
+          </a:p>
+          <a:p>
             <a:r>
               <a:rPr lang="en-US" dirty="0" smtClean="0">
                 <a:latin typeface="Times New Roman" panose="02020603050405020304" pitchFamily="18" charset="0"/>
                 <a:cs typeface="Times New Roman" panose="02020603050405020304" pitchFamily="18" charset="0"/>
               </a:rPr>
-              <a:t>.[4]</a:t>
+              <a:t>Responsive Site</a:t>
             </a:r>
             <a:endParaRPr lang="en-US" dirty="0">
               <a:latin typeface="Times New Roman" panose="02020603050405020304" pitchFamily="18" charset="0"/>
               <a:cs typeface="Times New Roman" panose="02020603050405020304" pitchFamily="18" charset="0"/>
             </a:endParaRPr>
           </a:p>
-          <a:p>
-            <a:r>
-              <a:rPr lang="en-US" dirty="0">
-                <a:latin typeface="Times New Roman" panose="02020603050405020304" pitchFamily="18" charset="0"/>
-                <a:cs typeface="Times New Roman" panose="02020603050405020304" pitchFamily="18" charset="0"/>
-              </a:rPr>
-              <a:t>GitHub Discussions faces challenges due to topic duplication with Issues, leading to confusion and redundancy</a:t>
-            </a:r>
-            <a:r>
-              <a:rPr lang="en-US" dirty="0" smtClean="0">
-                <a:latin typeface="Times New Roman" panose="02020603050405020304" pitchFamily="18" charset="0"/>
-                <a:cs typeface="Times New Roman" panose="02020603050405020304" pitchFamily="18" charset="0"/>
-              </a:rPr>
-              <a:t>.[5]</a:t>
-            </a:r>
-            <a:endParaRPr lang="en-US" dirty="0">
-              <a:latin typeface="Times New Roman" panose="02020603050405020304" pitchFamily="18" charset="0"/>
-              <a:cs typeface="Times New Roman" panose="02020603050405020304" pitchFamily="18" charset="0"/>
-            </a:endParaRPr>
-          </a:p>
         </p:txBody>
       </p:sp>
       <p:sp>
@@ -4694,7 +4757,7 @@
           <a:p>
             <a:fld id="{61066859-9ABD-47EE-A13A-7683241B4E0D}" type="datetime1">
               <a:rPr lang="en-US" smtClean="0"/>
-              <a:t>6/11/2023</a:t>
+              <a:t>8/23/2023</a:t>
             </a:fld>
             <a:endParaRPr lang="en-US"/>
           </a:p>
@@ -4726,7 +4789,7 @@
     </p:spTree>
     <p:extLst>
       <p:ext uri="{BB962C8B-B14F-4D97-AF65-F5344CB8AC3E}">
-        <p14:creationId xmlns:p14="http://schemas.microsoft.com/office/powerpoint/2010/main" val="2787508002"/>
+        <p14:creationId xmlns:p14="http://schemas.microsoft.com/office/powerpoint/2010/main" val="765413004"/>
       </p:ext>
     </p:extLst>
   </p:cSld>
@@ -4780,7 +4843,7 @@
                 <a:latin typeface="Times New Roman" panose="02020603050405020304" pitchFamily="18" charset="0"/>
                 <a:cs typeface="Times New Roman" panose="02020603050405020304" pitchFamily="18" charset="0"/>
               </a:rPr>
-              <a:t>Proposed Methodology</a:t>
+              <a:t>Implementation</a:t>
             </a:r>
             <a:endParaRPr lang="en-US" dirty="0">
               <a:latin typeface="Times New Roman" panose="02020603050405020304" pitchFamily="18" charset="0"/>
@@ -4807,719 +4870,105 @@
           <a:lstStyle/>
           <a:p>
             <a:r>
-              <a:rPr lang="en-US" sz="3200" dirty="0" smtClean="0">
-                <a:latin typeface="Times New Roman" panose="02020603050405020304" pitchFamily="18" charset="0"/>
-                <a:cs typeface="Times New Roman" panose="02020603050405020304" pitchFamily="18" charset="0"/>
-              </a:rPr>
-              <a:t>Feasibility Study</a:t>
-            </a:r>
-          </a:p>
-          <a:p>
-            <a:pPr lvl="1"/>
-            <a:r>
-              <a:rPr lang="en-US" sz="2800" dirty="0" smtClean="0">
-                <a:latin typeface="Times New Roman" panose="02020603050405020304" pitchFamily="18" charset="0"/>
-                <a:cs typeface="Times New Roman" panose="02020603050405020304" pitchFamily="18" charset="0"/>
-              </a:rPr>
-              <a:t>Economic </a:t>
-            </a:r>
-            <a:r>
-              <a:rPr lang="en-US" sz="2800" dirty="0">
-                <a:latin typeface="Times New Roman" panose="02020603050405020304" pitchFamily="18" charset="0"/>
-                <a:cs typeface="Times New Roman" panose="02020603050405020304" pitchFamily="18" charset="0"/>
-              </a:rPr>
-              <a:t>Feasibility </a:t>
-            </a:r>
-            <a:endParaRPr lang="en-US" sz="2800" dirty="0" smtClean="0">
+              <a:rPr lang="en-US" dirty="0" smtClean="0">
+                <a:latin typeface="Times New Roman" panose="02020603050405020304" pitchFamily="18" charset="0"/>
+                <a:cs typeface="Times New Roman" panose="02020603050405020304" pitchFamily="18" charset="0"/>
+              </a:rPr>
+              <a:t>VCS : </a:t>
+            </a:r>
+            <a:r>
+              <a:rPr lang="en-US" dirty="0" err="1" smtClean="0">
+                <a:latin typeface="Times New Roman" panose="02020603050405020304" pitchFamily="18" charset="0"/>
+                <a:cs typeface="Times New Roman" panose="02020603050405020304" pitchFamily="18" charset="0"/>
+              </a:rPr>
+              <a:t>Git</a:t>
+            </a:r>
+            <a:endParaRPr lang="en-US" dirty="0" smtClean="0">
               <a:latin typeface="Times New Roman" panose="02020603050405020304" pitchFamily="18" charset="0"/>
               <a:cs typeface="Times New Roman" panose="02020603050405020304" pitchFamily="18" charset="0"/>
             </a:endParaRPr>
           </a:p>
           <a:p>
-            <a:pPr lvl="1"/>
-            <a:r>
-              <a:rPr lang="en-US" sz="2800" dirty="0" smtClean="0">
-                <a:latin typeface="Times New Roman" panose="02020603050405020304" pitchFamily="18" charset="0"/>
-                <a:cs typeface="Times New Roman" panose="02020603050405020304" pitchFamily="18" charset="0"/>
-              </a:rPr>
-              <a:t>Technical Feasibility</a:t>
-            </a:r>
-          </a:p>
-          <a:p>
-            <a:pPr lvl="1"/>
-            <a:r>
-              <a:rPr lang="en-US" sz="2800" dirty="0">
-                <a:latin typeface="Times New Roman" panose="02020603050405020304" pitchFamily="18" charset="0"/>
-                <a:cs typeface="Times New Roman" panose="02020603050405020304" pitchFamily="18" charset="0"/>
-              </a:rPr>
-              <a:t>Operational Feasibility</a:t>
-            </a:r>
-            <a:endParaRPr lang="en-US" sz="2800" dirty="0" smtClean="0">
+            <a:r>
+              <a:rPr lang="en-US" dirty="0" smtClean="0">
+                <a:latin typeface="Times New Roman" panose="02020603050405020304" pitchFamily="18" charset="0"/>
+                <a:cs typeface="Times New Roman" panose="02020603050405020304" pitchFamily="18" charset="0"/>
+              </a:rPr>
+              <a:t>Design : </a:t>
+            </a:r>
+            <a:r>
+              <a:rPr lang="en-US" dirty="0" err="1" smtClean="0">
+                <a:latin typeface="Times New Roman" panose="02020603050405020304" pitchFamily="18" charset="0"/>
+                <a:cs typeface="Times New Roman" panose="02020603050405020304" pitchFamily="18" charset="0"/>
+              </a:rPr>
+              <a:t>Figma</a:t>
+            </a:r>
+            <a:endParaRPr lang="en-US" dirty="0" smtClean="0">
               <a:latin typeface="Times New Roman" panose="02020603050405020304" pitchFamily="18" charset="0"/>
               <a:cs typeface="Times New Roman" panose="02020603050405020304" pitchFamily="18" charset="0"/>
             </a:endParaRPr>
           </a:p>
-        </p:txBody>
-      </p:sp>
-      <p:sp>
-        <p:nvSpPr>
-          <p:cNvPr id="4" name="Date Placeholder 3"/>
-          <p:cNvSpPr>
-            <a:spLocks noGrp="1"/>
-          </p:cNvSpPr>
-          <p:nvPr>
-            <p:ph type="dt" sz="half" idx="10"/>
-          </p:nvPr>
-        </p:nvSpPr>
-        <p:spPr/>
-        <p:txBody>
-          <a:bodyPr/>
-          <a:lstStyle/>
-          <a:p>
-            <a:fld id="{61066859-9ABD-47EE-A13A-7683241B4E0D}" type="datetime1">
-              <a:rPr lang="en-US" smtClean="0"/>
-              <a:t>6/11/2023</a:t>
-            </a:fld>
-            <a:endParaRPr lang="en-US"/>
-          </a:p>
-        </p:txBody>
-      </p:sp>
-      <p:sp>
-        <p:nvSpPr>
-          <p:cNvPr id="5" name="Slide Number Placeholder 4"/>
-          <p:cNvSpPr>
-            <a:spLocks noGrp="1"/>
-          </p:cNvSpPr>
-          <p:nvPr>
-            <p:ph type="sldNum" sz="quarter" idx="12"/>
-          </p:nvPr>
-        </p:nvSpPr>
-        <p:spPr/>
-        <p:txBody>
-          <a:bodyPr/>
-          <a:lstStyle/>
-          <a:p>
-            <a:fld id="{EC5C04CC-AAE0-4DA8-BE54-D7078AB31EEA}" type="slidenum">
-              <a:rPr lang="en-US" smtClean="0"/>
-              <a:t>12</a:t>
-            </a:fld>
-            <a:endParaRPr lang="en-US"/>
-          </a:p>
-        </p:txBody>
-      </p:sp>
-    </p:spTree>
-    <p:extLst>
-      <p:ext uri="{BB962C8B-B14F-4D97-AF65-F5344CB8AC3E}">
-        <p14:creationId xmlns:p14="http://schemas.microsoft.com/office/powerpoint/2010/main" val="1282512683"/>
-      </p:ext>
-    </p:extLst>
-  </p:cSld>
-  <p:clrMapOvr>
-    <a:masterClrMapping/>
-  </p:clrMapOvr>
-  <p:timing>
-    <p:tnLst>
-      <p:par>
-        <p:cTn id="1" dur="indefinite" restart="never" nodeType="tmRoot"/>
-      </p:par>
-    </p:tnLst>
-  </p:timing>
-</p:sld>
-</file>
-
-<file path=ppt/slides/slide14.xml><?xml version="1.0" encoding="utf-8"?>
-<p:sld xmlns:a="http://schemas.openxmlformats.org/drawingml/2006/main" xmlns:r="http://schemas.openxmlformats.org/officeDocument/2006/relationships" xmlns:p="http://schemas.openxmlformats.org/presentationml/2006/main">
-  <p:cSld>
-    <p:spTree>
-      <p:nvGrpSpPr>
-        <p:cNvPr id="1" name=""/>
-        <p:cNvGrpSpPr/>
-        <p:nvPr/>
-      </p:nvGrpSpPr>
-      <p:grpSpPr>
-        <a:xfrm>
-          <a:off x="0" y="0"/>
-          <a:ext cx="0" cy="0"/>
-          <a:chOff x="0" y="0"/>
-          <a:chExt cx="0" cy="0"/>
-        </a:xfrm>
-      </p:grpSpPr>
-      <p:sp>
-        <p:nvSpPr>
-          <p:cNvPr id="2" name="Title 1"/>
-          <p:cNvSpPr>
-            <a:spLocks noGrp="1"/>
-          </p:cNvSpPr>
-          <p:nvPr>
-            <p:ph type="title"/>
-          </p:nvPr>
-        </p:nvSpPr>
-        <p:spPr/>
-        <p:txBody>
-          <a:bodyPr/>
-          <a:lstStyle/>
           <a:p>
             <a:r>
               <a:rPr lang="en-US" dirty="0" smtClean="0">
                 <a:latin typeface="Times New Roman" panose="02020603050405020304" pitchFamily="18" charset="0"/>
                 <a:cs typeface="Times New Roman" panose="02020603050405020304" pitchFamily="18" charset="0"/>
               </a:rPr>
-              <a:t>Iterative Model</a:t>
+              <a:t>Repository Management : GitHub</a:t>
             </a:r>
             <a:endParaRPr lang="en-US" dirty="0">
               <a:latin typeface="Times New Roman" panose="02020603050405020304" pitchFamily="18" charset="0"/>
               <a:cs typeface="Times New Roman" panose="02020603050405020304" pitchFamily="18" charset="0"/>
             </a:endParaRPr>
           </a:p>
-        </p:txBody>
-      </p:sp>
-      <p:sp>
-        <p:nvSpPr>
-          <p:cNvPr id="4" name="Date Placeholder 3"/>
-          <p:cNvSpPr>
-            <a:spLocks noGrp="1"/>
-          </p:cNvSpPr>
-          <p:nvPr>
-            <p:ph type="dt" sz="half" idx="10"/>
-          </p:nvPr>
-        </p:nvSpPr>
-        <p:spPr/>
-        <p:txBody>
-          <a:bodyPr/>
-          <a:lstStyle/>
-          <a:p>
-            <a:fld id="{61066859-9ABD-47EE-A13A-7683241B4E0D}" type="datetime1">
-              <a:rPr lang="en-US" smtClean="0"/>
-              <a:t>6/11/2023</a:t>
-            </a:fld>
-            <a:endParaRPr lang="en-US"/>
-          </a:p>
-        </p:txBody>
-      </p:sp>
-      <p:sp>
-        <p:nvSpPr>
-          <p:cNvPr id="5" name="Slide Number Placeholder 4"/>
-          <p:cNvSpPr>
-            <a:spLocks noGrp="1"/>
-          </p:cNvSpPr>
-          <p:nvPr>
-            <p:ph type="sldNum" sz="quarter" idx="12"/>
-          </p:nvPr>
-        </p:nvSpPr>
-        <p:spPr/>
-        <p:txBody>
-          <a:bodyPr/>
-          <a:lstStyle/>
-          <a:p>
-            <a:fld id="{EC5C04CC-AAE0-4DA8-BE54-D7078AB31EEA}" type="slidenum">
-              <a:rPr lang="en-US" smtClean="0"/>
-              <a:t>13</a:t>
-            </a:fld>
-            <a:endParaRPr lang="en-US"/>
-          </a:p>
-        </p:txBody>
-      </p:sp>
-      <p:pic>
-        <p:nvPicPr>
-          <p:cNvPr id="2052" name="Picture 4" descr="Iterative Model (Software Engineering) - javatpoint"/>
-          <p:cNvPicPr>
-            <a:picLocks noGrp="1" noChangeAspect="1" noChangeArrowheads="1"/>
-          </p:cNvPicPr>
-          <p:nvPr>
-            <p:ph idx="1"/>
-          </p:nvPr>
-        </p:nvPicPr>
-        <p:blipFill>
-          <a:blip r:embed="rId2">
-            <a:extLst>
-              <a:ext uri="{28A0092B-C50C-407E-A947-70E740481C1C}">
-                <a14:useLocalDpi xmlns:a14="http://schemas.microsoft.com/office/drawing/2010/main" val="0"/>
-              </a:ext>
-            </a:extLst>
-          </a:blip>
-          <a:srcRect/>
-          <a:stretch>
-            <a:fillRect/>
-          </a:stretch>
-        </p:blipFill>
-        <p:spPr bwMode="auto">
-          <a:xfrm>
-            <a:off x="2999903" y="1690688"/>
-            <a:ext cx="5667525" cy="4229653"/>
-          </a:xfrm>
-          <a:prstGeom prst="rect">
-            <a:avLst/>
-          </a:prstGeom>
-          <a:noFill/>
-          <a:extLst>
-            <a:ext uri="{909E8E84-426E-40DD-AFC4-6F175D3DCCD1}">
-              <a14:hiddenFill xmlns:a14="http://schemas.microsoft.com/office/drawing/2010/main">
-                <a:solidFill>
-                  <a:srgbClr val="FFFFFF"/>
-                </a:solidFill>
-              </a14:hiddenFill>
-            </a:ext>
-          </a:extLst>
-        </p:spPr>
-      </p:pic>
-    </p:spTree>
-    <p:extLst>
-      <p:ext uri="{BB962C8B-B14F-4D97-AF65-F5344CB8AC3E}">
-        <p14:creationId xmlns:p14="http://schemas.microsoft.com/office/powerpoint/2010/main" val="3820559442"/>
-      </p:ext>
-    </p:extLst>
-  </p:cSld>
-  <p:clrMapOvr>
-    <a:masterClrMapping/>
-  </p:clrMapOvr>
-  <p:timing>
-    <p:tnLst>
-      <p:par>
-        <p:cTn id="1" dur="indefinite" restart="never" nodeType="tmRoot"/>
-      </p:par>
-    </p:tnLst>
-  </p:timing>
-</p:sld>
-</file>
-
-<file path=ppt/slides/slide15.xml><?xml version="1.0" encoding="utf-8"?>
-<p:sld xmlns:a="http://schemas.openxmlformats.org/drawingml/2006/main" xmlns:r="http://schemas.openxmlformats.org/officeDocument/2006/relationships" xmlns:p="http://schemas.openxmlformats.org/presentationml/2006/main">
-  <p:cSld>
-    <p:spTree>
-      <p:nvGrpSpPr>
-        <p:cNvPr id="1" name=""/>
-        <p:cNvGrpSpPr/>
-        <p:nvPr/>
-      </p:nvGrpSpPr>
-      <p:grpSpPr>
-        <a:xfrm>
-          <a:off x="0" y="0"/>
-          <a:ext cx="0" cy="0"/>
-          <a:chOff x="0" y="0"/>
-          <a:chExt cx="0" cy="0"/>
-        </a:xfrm>
-      </p:grpSpPr>
-      <p:sp>
-        <p:nvSpPr>
-          <p:cNvPr id="2" name="Title 1"/>
-          <p:cNvSpPr>
-            <a:spLocks noGrp="1"/>
-          </p:cNvSpPr>
-          <p:nvPr>
-            <p:ph type="title"/>
-          </p:nvPr>
-        </p:nvSpPr>
-        <p:spPr/>
-        <p:txBody>
-          <a:bodyPr/>
-          <a:lstStyle/>
           <a:p>
             <a:r>
               <a:rPr lang="en-US" dirty="0" smtClean="0">
-                <a:latin typeface="Times New Roman"/>
-                <a:ea typeface="Times New Roman"/>
-                <a:cs typeface="Times New Roman"/>
-                <a:sym typeface="Times New Roman"/>
-              </a:rPr>
-              <a:t>Functional Requirements</a:t>
-            </a:r>
-            <a:endParaRPr lang="en-US" dirty="0"/>
-          </a:p>
-        </p:txBody>
-      </p:sp>
-      <p:sp>
-        <p:nvSpPr>
-          <p:cNvPr id="3" name="Content Placeholder 2"/>
-          <p:cNvSpPr>
-            <a:spLocks noGrp="1"/>
-          </p:cNvSpPr>
-          <p:nvPr>
-            <p:ph idx="1"/>
-          </p:nvPr>
-        </p:nvSpPr>
-        <p:spPr>
-          <a:xfrm>
-            <a:off x="838200" y="1690688"/>
-            <a:ext cx="10515600" cy="4351338"/>
-          </a:xfrm>
-        </p:spPr>
-        <p:txBody>
-          <a:bodyPr>
-            <a:normAutofit/>
-          </a:bodyPr>
-          <a:lstStyle/>
-          <a:p>
-            <a:pPr marL="457200" lvl="0" indent="-368300">
-              <a:buSzPts val="2200"/>
-              <a:buFont typeface="Times New Roman"/>
-              <a:buChar char="•"/>
-            </a:pPr>
-            <a:r>
-              <a:rPr lang="en-US" dirty="0">
-                <a:latin typeface="Times New Roman"/>
-                <a:ea typeface="Times New Roman"/>
-                <a:cs typeface="Times New Roman"/>
-                <a:sym typeface="Times New Roman"/>
-              </a:rPr>
-              <a:t>User Registration/Login</a:t>
-            </a:r>
-          </a:p>
-          <a:p>
-            <a:pPr marL="457200" lvl="0" indent="-368300">
-              <a:spcBef>
-                <a:spcPts val="0"/>
-              </a:spcBef>
-              <a:buSzPts val="2200"/>
-              <a:buFont typeface="Times New Roman"/>
-              <a:buChar char="•"/>
-            </a:pPr>
+                <a:latin typeface="Times New Roman" panose="02020603050405020304" pitchFamily="18" charset="0"/>
+                <a:cs typeface="Times New Roman" panose="02020603050405020304" pitchFamily="18" charset="0"/>
+              </a:rPr>
+              <a:t>Frontend : HTML, CSS, JS</a:t>
+            </a:r>
+          </a:p>
+          <a:p>
             <a:r>
               <a:rPr lang="en-US" dirty="0" smtClean="0">
-                <a:latin typeface="Times New Roman"/>
-                <a:ea typeface="Times New Roman"/>
-                <a:cs typeface="Times New Roman"/>
-                <a:sym typeface="Times New Roman"/>
-              </a:rPr>
-              <a:t>User </a:t>
-            </a:r>
-            <a:r>
-              <a:rPr lang="en-US" dirty="0">
-                <a:latin typeface="Times New Roman"/>
-                <a:ea typeface="Times New Roman"/>
-                <a:cs typeface="Times New Roman"/>
-                <a:sym typeface="Times New Roman"/>
-              </a:rPr>
-              <a:t>Profile Management</a:t>
-            </a:r>
-          </a:p>
-          <a:p>
-            <a:pPr marL="457200" lvl="0" indent="-368300">
-              <a:spcBef>
-                <a:spcPts val="0"/>
-              </a:spcBef>
-              <a:buSzPts val="2200"/>
-              <a:buFont typeface="Times New Roman"/>
-              <a:buChar char="•"/>
-            </a:pPr>
+                <a:latin typeface="Times New Roman" panose="02020603050405020304" pitchFamily="18" charset="0"/>
+                <a:cs typeface="Times New Roman" panose="02020603050405020304" pitchFamily="18" charset="0"/>
+              </a:rPr>
+              <a:t>Database : MySQL </a:t>
+            </a:r>
+            <a:endParaRPr lang="en-US" dirty="0" smtClean="0">
+              <a:latin typeface="Times New Roman" panose="02020603050405020304" pitchFamily="18" charset="0"/>
+              <a:cs typeface="Times New Roman" panose="02020603050405020304" pitchFamily="18" charset="0"/>
+            </a:endParaRPr>
+          </a:p>
+          <a:p>
             <a:r>
               <a:rPr lang="en-US" dirty="0" smtClean="0">
-                <a:latin typeface="Times New Roman"/>
-                <a:ea typeface="Times New Roman"/>
-                <a:cs typeface="Times New Roman"/>
-                <a:sym typeface="Times New Roman"/>
-              </a:rPr>
-              <a:t>Connection </a:t>
-            </a:r>
-            <a:r>
-              <a:rPr lang="en-US" dirty="0">
-                <a:latin typeface="Times New Roman"/>
-                <a:ea typeface="Times New Roman"/>
-                <a:cs typeface="Times New Roman"/>
-                <a:sym typeface="Times New Roman"/>
-              </a:rPr>
-              <a:t>Management</a:t>
-            </a:r>
-          </a:p>
-          <a:p>
-            <a:pPr marL="457200" lvl="0" indent="-368300">
-              <a:spcBef>
-                <a:spcPts val="0"/>
-              </a:spcBef>
-              <a:buSzPts val="2200"/>
-              <a:buFont typeface="Times New Roman"/>
-              <a:buChar char="•"/>
-            </a:pPr>
+                <a:latin typeface="Times New Roman" panose="02020603050405020304" pitchFamily="18" charset="0"/>
+                <a:cs typeface="Times New Roman" panose="02020603050405020304" pitchFamily="18" charset="0"/>
+              </a:rPr>
+              <a:t>Modules : AJAX and JQuery</a:t>
+            </a:r>
+            <a:endParaRPr lang="en-US" dirty="0" smtClean="0">
+              <a:latin typeface="Times New Roman" panose="02020603050405020304" pitchFamily="18" charset="0"/>
+              <a:cs typeface="Times New Roman" panose="02020603050405020304" pitchFamily="18" charset="0"/>
+            </a:endParaRPr>
+          </a:p>
+          <a:p>
             <a:r>
               <a:rPr lang="en-US" dirty="0" smtClean="0">
-                <a:latin typeface="Times New Roman"/>
-                <a:ea typeface="Times New Roman"/>
-                <a:cs typeface="Times New Roman"/>
-                <a:sym typeface="Times New Roman"/>
-              </a:rPr>
-              <a:t>Discussion/News </a:t>
-            </a:r>
-            <a:r>
-              <a:rPr lang="en-US" dirty="0">
-                <a:latin typeface="Times New Roman"/>
-                <a:ea typeface="Times New Roman"/>
-                <a:cs typeface="Times New Roman"/>
-                <a:sym typeface="Times New Roman"/>
-              </a:rPr>
-              <a:t>Feed</a:t>
-            </a:r>
-          </a:p>
-          <a:p>
-            <a:pPr marL="457200" lvl="0" indent="-368300">
-              <a:spcBef>
-                <a:spcPts val="0"/>
-              </a:spcBef>
-              <a:buSzPts val="2200"/>
-              <a:buFont typeface="Times New Roman"/>
-              <a:buChar char="•"/>
-            </a:pPr>
-            <a:r>
-              <a:rPr lang="en-US" dirty="0" smtClean="0">
-                <a:latin typeface="Times New Roman"/>
-                <a:ea typeface="Times New Roman"/>
-                <a:cs typeface="Times New Roman"/>
-                <a:sym typeface="Times New Roman"/>
-              </a:rPr>
-              <a:t>Messaging</a:t>
-            </a:r>
-            <a:endParaRPr lang="en-US" dirty="0">
-              <a:latin typeface="Times New Roman"/>
-              <a:ea typeface="Times New Roman"/>
-              <a:cs typeface="Times New Roman"/>
-              <a:sym typeface="Times New Roman"/>
-            </a:endParaRPr>
-          </a:p>
-          <a:p>
-            <a:pPr marL="457200" lvl="0" indent="-368300">
-              <a:spcBef>
-                <a:spcPts val="0"/>
-              </a:spcBef>
-              <a:buSzPts val="2200"/>
-              <a:buFont typeface="Times New Roman"/>
-              <a:buChar char="•"/>
-            </a:pPr>
-            <a:r>
-              <a:rPr lang="en-US" dirty="0" smtClean="0">
-                <a:latin typeface="Times New Roman"/>
-                <a:ea typeface="Times New Roman"/>
-                <a:cs typeface="Times New Roman"/>
-                <a:sym typeface="Times New Roman"/>
-              </a:rPr>
-              <a:t>Notifications</a:t>
-            </a:r>
-            <a:endParaRPr lang="en-US" dirty="0">
-              <a:latin typeface="Times New Roman"/>
-              <a:ea typeface="Times New Roman"/>
-              <a:cs typeface="Times New Roman"/>
-              <a:sym typeface="Times New Roman"/>
-            </a:endParaRPr>
-          </a:p>
-          <a:p>
-            <a:pPr marL="0" lvl="0" indent="0">
-              <a:buClr>
-                <a:schemeClr val="dk1"/>
-              </a:buClr>
-              <a:buSzPts val="1100"/>
-              <a:buNone/>
-            </a:pPr>
-            <a:endParaRPr lang="en-US" dirty="0">
-              <a:latin typeface="Times New Roman"/>
-              <a:ea typeface="Times New Roman"/>
-              <a:cs typeface="Times New Roman"/>
-              <a:sym typeface="Times New Roman"/>
-            </a:endParaRPr>
-          </a:p>
-          <a:p>
-            <a:pPr marL="0" lvl="0" indent="0">
-              <a:buClr>
-                <a:schemeClr val="dk1"/>
-              </a:buClr>
-              <a:buSzPts val="1100"/>
-              <a:buNone/>
-            </a:pPr>
-            <a:endParaRPr lang="en-US" dirty="0">
-              <a:latin typeface="Times New Roman"/>
-              <a:ea typeface="Times New Roman"/>
-              <a:cs typeface="Times New Roman"/>
-              <a:sym typeface="Times New Roman"/>
-            </a:endParaRPr>
-          </a:p>
-          <a:p>
-            <a:pPr marL="0" lvl="0" indent="0">
-              <a:buNone/>
-            </a:pPr>
-            <a:endParaRPr lang="en-US" dirty="0">
-              <a:latin typeface="Times New Roman"/>
-              <a:ea typeface="Times New Roman"/>
-              <a:cs typeface="Times New Roman"/>
-              <a:sym typeface="Times New Roman"/>
-            </a:endParaRPr>
-          </a:p>
-          <a:p>
-            <a:endParaRPr lang="en-US" sz="3600" dirty="0"/>
-          </a:p>
-        </p:txBody>
-      </p:sp>
-      <p:sp>
-        <p:nvSpPr>
-          <p:cNvPr id="4" name="Date Placeholder 3"/>
-          <p:cNvSpPr>
-            <a:spLocks noGrp="1"/>
-          </p:cNvSpPr>
-          <p:nvPr>
-            <p:ph type="dt" sz="half" idx="10"/>
-          </p:nvPr>
-        </p:nvSpPr>
-        <p:spPr/>
-        <p:txBody>
-          <a:bodyPr/>
-          <a:lstStyle/>
-          <a:p>
-            <a:fld id="{61066859-9ABD-47EE-A13A-7683241B4E0D}" type="datetime1">
-              <a:rPr lang="en-US" smtClean="0"/>
-              <a:t>6/11/2023</a:t>
-            </a:fld>
-            <a:endParaRPr lang="en-US"/>
-          </a:p>
-        </p:txBody>
-      </p:sp>
-      <p:sp>
-        <p:nvSpPr>
-          <p:cNvPr id="5" name="Slide Number Placeholder 4"/>
-          <p:cNvSpPr>
-            <a:spLocks noGrp="1"/>
-          </p:cNvSpPr>
-          <p:nvPr>
-            <p:ph type="sldNum" sz="quarter" idx="12"/>
-          </p:nvPr>
-        </p:nvSpPr>
-        <p:spPr/>
-        <p:txBody>
-          <a:bodyPr/>
-          <a:lstStyle/>
-          <a:p>
-            <a:fld id="{EC5C04CC-AAE0-4DA8-BE54-D7078AB31EEA}" type="slidenum">
-              <a:rPr lang="en-US" smtClean="0"/>
-              <a:t>14</a:t>
-            </a:fld>
-            <a:endParaRPr lang="en-US"/>
-          </a:p>
-        </p:txBody>
-      </p:sp>
-    </p:spTree>
-    <p:extLst>
-      <p:ext uri="{BB962C8B-B14F-4D97-AF65-F5344CB8AC3E}">
-        <p14:creationId xmlns:p14="http://schemas.microsoft.com/office/powerpoint/2010/main" val="1200180017"/>
-      </p:ext>
-    </p:extLst>
-  </p:cSld>
-  <p:clrMapOvr>
-    <a:masterClrMapping/>
-  </p:clrMapOvr>
-  <p:timing>
-    <p:tnLst>
-      <p:par>
-        <p:cTn id="1" dur="indefinite" restart="never" nodeType="tmRoot"/>
-      </p:par>
-    </p:tnLst>
-  </p:timing>
-</p:sld>
-</file>
-
-<file path=ppt/slides/slide16.xml><?xml version="1.0" encoding="utf-8"?>
-<p:sld xmlns:a="http://schemas.openxmlformats.org/drawingml/2006/main" xmlns:r="http://schemas.openxmlformats.org/officeDocument/2006/relationships" xmlns:p="http://schemas.openxmlformats.org/presentationml/2006/main">
-  <p:cSld>
-    <p:spTree>
-      <p:nvGrpSpPr>
-        <p:cNvPr id="1" name=""/>
-        <p:cNvGrpSpPr/>
-        <p:nvPr/>
-      </p:nvGrpSpPr>
-      <p:grpSpPr>
-        <a:xfrm>
-          <a:off x="0" y="0"/>
-          <a:ext cx="0" cy="0"/>
-          <a:chOff x="0" y="0"/>
-          <a:chExt cx="0" cy="0"/>
-        </a:xfrm>
-      </p:grpSpPr>
-      <p:sp>
-        <p:nvSpPr>
-          <p:cNvPr id="2" name="Title 1"/>
-          <p:cNvSpPr>
-            <a:spLocks noGrp="1"/>
-          </p:cNvSpPr>
-          <p:nvPr>
-            <p:ph type="title"/>
-          </p:nvPr>
-        </p:nvSpPr>
-        <p:spPr/>
-        <p:txBody>
-          <a:bodyPr/>
-          <a:lstStyle/>
-          <a:p>
-            <a:r>
-              <a:rPr lang="en-US" dirty="0" smtClean="0">
-                <a:latin typeface="Times New Roman"/>
-                <a:ea typeface="Times New Roman"/>
-                <a:cs typeface="Times New Roman"/>
-                <a:sym typeface="Times New Roman"/>
-              </a:rPr>
-              <a:t>Non Functional Requirements</a:t>
-            </a:r>
-            <a:endParaRPr lang="en-US" dirty="0"/>
-          </a:p>
-        </p:txBody>
-      </p:sp>
-      <p:sp>
-        <p:nvSpPr>
-          <p:cNvPr id="3" name="Content Placeholder 2"/>
-          <p:cNvSpPr>
-            <a:spLocks noGrp="1"/>
-          </p:cNvSpPr>
-          <p:nvPr>
-            <p:ph idx="1"/>
-          </p:nvPr>
-        </p:nvSpPr>
-        <p:spPr>
-          <a:xfrm>
-            <a:off x="838200" y="1690688"/>
-            <a:ext cx="10515600" cy="4351338"/>
-          </a:xfrm>
-        </p:spPr>
-        <p:txBody>
-          <a:bodyPr>
-            <a:normAutofit/>
-          </a:bodyPr>
-          <a:lstStyle/>
-          <a:p>
-            <a:r>
-              <a:rPr lang="en-US" dirty="0" smtClean="0">
-                <a:latin typeface="Times New Roman" panose="02020603050405020304" pitchFamily="18" charset="0"/>
-                <a:cs typeface="Times New Roman" panose="02020603050405020304" pitchFamily="18" charset="0"/>
-              </a:rPr>
-              <a:t>Performance</a:t>
-            </a:r>
-          </a:p>
-          <a:p>
-            <a:r>
-              <a:rPr lang="en-US" dirty="0" smtClean="0">
-                <a:latin typeface="Times New Roman" panose="02020603050405020304" pitchFamily="18" charset="0"/>
-                <a:cs typeface="Times New Roman" panose="02020603050405020304" pitchFamily="18" charset="0"/>
-              </a:rPr>
-              <a:t>Authentication Security</a:t>
+                <a:latin typeface="Times New Roman" panose="02020603050405020304" pitchFamily="18" charset="0"/>
+                <a:cs typeface="Times New Roman" panose="02020603050405020304" pitchFamily="18" charset="0"/>
+              </a:rPr>
+              <a:t>Backend : PHP</a:t>
             </a:r>
             <a:endParaRPr lang="en-US" dirty="0">
               <a:latin typeface="Times New Roman" panose="02020603050405020304" pitchFamily="18" charset="0"/>
               <a:cs typeface="Times New Roman" panose="02020603050405020304" pitchFamily="18" charset="0"/>
             </a:endParaRPr>
           </a:p>
-          <a:p>
-            <a:r>
-              <a:rPr lang="en-US" dirty="0" smtClean="0">
-                <a:latin typeface="Times New Roman" panose="02020603050405020304" pitchFamily="18" charset="0"/>
-                <a:cs typeface="Times New Roman" panose="02020603050405020304" pitchFamily="18" charset="0"/>
-              </a:rPr>
-              <a:t>Better UX design</a:t>
-            </a:r>
-          </a:p>
-          <a:p>
-            <a:r>
-              <a:rPr lang="en-US" dirty="0" smtClean="0">
-                <a:latin typeface="Times New Roman" panose="02020603050405020304" pitchFamily="18" charset="0"/>
-                <a:cs typeface="Times New Roman" panose="02020603050405020304" pitchFamily="18" charset="0"/>
-              </a:rPr>
-              <a:t>Responsive Site</a:t>
-            </a:r>
-            <a:endParaRPr lang="en-US" dirty="0">
-              <a:latin typeface="Times New Roman" panose="02020603050405020304" pitchFamily="18" charset="0"/>
-              <a:cs typeface="Times New Roman" panose="02020603050405020304" pitchFamily="18" charset="0"/>
-            </a:endParaRPr>
-          </a:p>
         </p:txBody>
       </p:sp>
       <p:sp>
@@ -5539,7 +4988,7 @@
           <a:p>
             <a:fld id="{61066859-9ABD-47EE-A13A-7683241B4E0D}" type="datetime1">
               <a:rPr lang="en-US" smtClean="0"/>
-              <a:t>6/11/2023</a:t>
+              <a:t>8/23/2023</a:t>
             </a:fld>
             <a:endParaRPr lang="en-US"/>
           </a:p>
@@ -5562,811 +5011,7 @@
           <a:p>
             <a:fld id="{EC5C04CC-AAE0-4DA8-BE54-D7078AB31EEA}" type="slidenum">
               <a:rPr lang="en-US" smtClean="0"/>
-              <a:t>15</a:t>
-            </a:fld>
-            <a:endParaRPr lang="en-US"/>
-          </a:p>
-        </p:txBody>
-      </p:sp>
-    </p:spTree>
-    <p:extLst>
-      <p:ext uri="{BB962C8B-B14F-4D97-AF65-F5344CB8AC3E}">
-        <p14:creationId xmlns:p14="http://schemas.microsoft.com/office/powerpoint/2010/main" val="765413004"/>
-      </p:ext>
-    </p:extLst>
-  </p:cSld>
-  <p:clrMapOvr>
-    <a:masterClrMapping/>
-  </p:clrMapOvr>
-  <p:timing>
-    <p:tnLst>
-      <p:par>
-        <p:cTn id="1" dur="indefinite" restart="never" nodeType="tmRoot"/>
-      </p:par>
-    </p:tnLst>
-  </p:timing>
-</p:sld>
-</file>
-
-<file path=ppt/slides/slide17.xml><?xml version="1.0" encoding="utf-8"?>
-<p:sld xmlns:a="http://schemas.openxmlformats.org/drawingml/2006/main" xmlns:r="http://schemas.openxmlformats.org/officeDocument/2006/relationships" xmlns:p="http://schemas.openxmlformats.org/presentationml/2006/main">
-  <p:cSld>
-    <p:spTree>
-      <p:nvGrpSpPr>
-        <p:cNvPr id="1" name=""/>
-        <p:cNvGrpSpPr/>
-        <p:nvPr/>
-      </p:nvGrpSpPr>
-      <p:grpSpPr>
-        <a:xfrm>
-          <a:off x="0" y="0"/>
-          <a:ext cx="0" cy="0"/>
-          <a:chOff x="0" y="0"/>
-          <a:chExt cx="0" cy="0"/>
-        </a:xfrm>
-      </p:grpSpPr>
-      <p:sp>
-        <p:nvSpPr>
-          <p:cNvPr id="2" name="Title 1"/>
-          <p:cNvSpPr>
-            <a:spLocks noGrp="1"/>
-          </p:cNvSpPr>
-          <p:nvPr>
-            <p:ph type="title"/>
-          </p:nvPr>
-        </p:nvSpPr>
-        <p:spPr/>
-        <p:txBody>
-          <a:bodyPr/>
-          <a:lstStyle/>
-          <a:p>
-            <a:r>
-              <a:rPr lang="en-US" dirty="0">
-                <a:latin typeface="Times New Roman" panose="02020603050405020304" pitchFamily="18" charset="0"/>
-                <a:cs typeface="Times New Roman" panose="02020603050405020304" pitchFamily="18" charset="0"/>
-              </a:rPr>
-              <a:t>System Design </a:t>
-            </a:r>
-            <a:r>
-              <a:rPr lang="en-US" dirty="0" smtClean="0">
-                <a:latin typeface="Times New Roman" panose="02020603050405020304" pitchFamily="18" charset="0"/>
-                <a:cs typeface="Times New Roman" panose="02020603050405020304" pitchFamily="18" charset="0"/>
-              </a:rPr>
-              <a:t>(Activity Diagram)</a:t>
-            </a:r>
-            <a:endParaRPr lang="en-US" dirty="0"/>
-          </a:p>
-        </p:txBody>
-      </p:sp>
-      <p:pic>
-        <p:nvPicPr>
-          <p:cNvPr id="6" name="Content Placeholder 5"/>
-          <p:cNvPicPr>
-            <a:picLocks noGrp="1" noChangeAspect="1"/>
-          </p:cNvPicPr>
-          <p:nvPr>
-            <p:ph idx="1"/>
-          </p:nvPr>
-        </p:nvPicPr>
-        <p:blipFill>
-          <a:blip r:embed="rId2" cstate="print">
-            <a:extLst>
-              <a:ext uri="{28A0092B-C50C-407E-A947-70E740481C1C}">
-                <a14:useLocalDpi xmlns:a14="http://schemas.microsoft.com/office/drawing/2010/main" val="0"/>
-              </a:ext>
-            </a:extLst>
-          </a:blip>
-          <a:stretch>
-            <a:fillRect/>
-          </a:stretch>
-        </p:blipFill>
-        <p:spPr>
-          <a:xfrm>
-            <a:off x="4282750" y="1201011"/>
-            <a:ext cx="3747297" cy="5520464"/>
-          </a:xfrm>
-        </p:spPr>
-      </p:pic>
-      <p:sp>
-        <p:nvSpPr>
-          <p:cNvPr id="4" name="Date Placeholder 3"/>
-          <p:cNvSpPr>
-            <a:spLocks noGrp="1"/>
-          </p:cNvSpPr>
-          <p:nvPr>
-            <p:ph type="dt" sz="half" idx="10"/>
-          </p:nvPr>
-        </p:nvSpPr>
-        <p:spPr/>
-        <p:txBody>
-          <a:bodyPr/>
-          <a:lstStyle/>
-          <a:p>
-            <a:fld id="{61066859-9ABD-47EE-A13A-7683241B4E0D}" type="datetime1">
-              <a:rPr lang="en-US" smtClean="0"/>
-              <a:t>6/11/2023</a:t>
-            </a:fld>
-            <a:endParaRPr lang="en-US"/>
-          </a:p>
-        </p:txBody>
-      </p:sp>
-      <p:sp>
-        <p:nvSpPr>
-          <p:cNvPr id="5" name="Slide Number Placeholder 4"/>
-          <p:cNvSpPr>
-            <a:spLocks noGrp="1"/>
-          </p:cNvSpPr>
-          <p:nvPr>
-            <p:ph type="sldNum" sz="quarter" idx="12"/>
-          </p:nvPr>
-        </p:nvSpPr>
-        <p:spPr/>
-        <p:txBody>
-          <a:bodyPr/>
-          <a:lstStyle/>
-          <a:p>
-            <a:fld id="{EC5C04CC-AAE0-4DA8-BE54-D7078AB31EEA}" type="slidenum">
-              <a:rPr lang="en-US" smtClean="0"/>
-              <a:t>16</a:t>
-            </a:fld>
-            <a:endParaRPr lang="en-US"/>
-          </a:p>
-        </p:txBody>
-      </p:sp>
-    </p:spTree>
-    <p:extLst>
-      <p:ext uri="{BB962C8B-B14F-4D97-AF65-F5344CB8AC3E}">
-        <p14:creationId xmlns:p14="http://schemas.microsoft.com/office/powerpoint/2010/main" val="2706015600"/>
-      </p:ext>
-    </p:extLst>
-  </p:cSld>
-  <p:clrMapOvr>
-    <a:masterClrMapping/>
-  </p:clrMapOvr>
-  <p:timing>
-    <p:tnLst>
-      <p:par>
-        <p:cTn id="1" dur="indefinite" restart="never" nodeType="tmRoot"/>
-      </p:par>
-    </p:tnLst>
-  </p:timing>
-</p:sld>
-</file>
-
-<file path=ppt/slides/slide18.xml><?xml version="1.0" encoding="utf-8"?>
-<p:sld xmlns:a="http://schemas.openxmlformats.org/drawingml/2006/main" xmlns:r="http://schemas.openxmlformats.org/officeDocument/2006/relationships" xmlns:p="http://schemas.openxmlformats.org/presentationml/2006/main">
-  <p:cSld>
-    <p:spTree>
-      <p:nvGrpSpPr>
-        <p:cNvPr id="1" name=""/>
-        <p:cNvGrpSpPr/>
-        <p:nvPr/>
-      </p:nvGrpSpPr>
-      <p:grpSpPr>
-        <a:xfrm>
-          <a:off x="0" y="0"/>
-          <a:ext cx="0" cy="0"/>
-          <a:chOff x="0" y="0"/>
-          <a:chExt cx="0" cy="0"/>
-        </a:xfrm>
-      </p:grpSpPr>
-      <p:sp>
-        <p:nvSpPr>
-          <p:cNvPr id="2" name="Title 1"/>
-          <p:cNvSpPr>
-            <a:spLocks noGrp="1"/>
-          </p:cNvSpPr>
-          <p:nvPr>
-            <p:ph type="title"/>
-          </p:nvPr>
-        </p:nvSpPr>
-        <p:spPr/>
-        <p:txBody>
-          <a:bodyPr/>
-          <a:lstStyle/>
-          <a:p>
-            <a:r>
-              <a:rPr lang="en-US" dirty="0" smtClean="0">
-                <a:latin typeface="Times New Roman" panose="02020603050405020304" pitchFamily="18" charset="0"/>
-                <a:cs typeface="Times New Roman" panose="02020603050405020304" pitchFamily="18" charset="0"/>
-              </a:rPr>
-              <a:t>ER Diagram</a:t>
-            </a:r>
-            <a:endParaRPr lang="en-US" dirty="0">
-              <a:latin typeface="Times New Roman" panose="02020603050405020304" pitchFamily="18" charset="0"/>
-              <a:cs typeface="Times New Roman" panose="02020603050405020304" pitchFamily="18" charset="0"/>
-            </a:endParaRPr>
-          </a:p>
-        </p:txBody>
-      </p:sp>
-      <p:pic>
-        <p:nvPicPr>
-          <p:cNvPr id="6" name="Content Placeholder 5"/>
-          <p:cNvPicPr>
-            <a:picLocks noGrp="1" noChangeAspect="1"/>
-          </p:cNvPicPr>
-          <p:nvPr>
-            <p:ph idx="1"/>
-          </p:nvPr>
-        </p:nvPicPr>
-        <p:blipFill>
-          <a:blip r:embed="rId2">
-            <a:extLst>
-              <a:ext uri="{28A0092B-C50C-407E-A947-70E740481C1C}">
-                <a14:useLocalDpi xmlns:a14="http://schemas.microsoft.com/office/drawing/2010/main" val="0"/>
-              </a:ext>
-            </a:extLst>
-          </a:blip>
-          <a:stretch>
-            <a:fillRect/>
-          </a:stretch>
-        </p:blipFill>
-        <p:spPr>
-          <a:xfrm>
-            <a:off x="1782148" y="1307811"/>
-            <a:ext cx="8770774" cy="4869152"/>
-          </a:xfrm>
-        </p:spPr>
-      </p:pic>
-      <p:sp>
-        <p:nvSpPr>
-          <p:cNvPr id="4" name="Date Placeholder 3"/>
-          <p:cNvSpPr>
-            <a:spLocks noGrp="1"/>
-          </p:cNvSpPr>
-          <p:nvPr>
-            <p:ph type="dt" sz="half" idx="10"/>
-          </p:nvPr>
-        </p:nvSpPr>
-        <p:spPr/>
-        <p:txBody>
-          <a:bodyPr/>
-          <a:lstStyle/>
-          <a:p>
-            <a:fld id="{61066859-9ABD-47EE-A13A-7683241B4E0D}" type="datetime1">
-              <a:rPr lang="en-US" smtClean="0"/>
-              <a:t>6/11/2023</a:t>
-            </a:fld>
-            <a:endParaRPr lang="en-US"/>
-          </a:p>
-        </p:txBody>
-      </p:sp>
-      <p:sp>
-        <p:nvSpPr>
-          <p:cNvPr id="5" name="Slide Number Placeholder 4"/>
-          <p:cNvSpPr>
-            <a:spLocks noGrp="1"/>
-          </p:cNvSpPr>
-          <p:nvPr>
-            <p:ph type="sldNum" sz="quarter" idx="12"/>
-          </p:nvPr>
-        </p:nvSpPr>
-        <p:spPr/>
-        <p:txBody>
-          <a:bodyPr/>
-          <a:lstStyle/>
-          <a:p>
-            <a:fld id="{EC5C04CC-AAE0-4DA8-BE54-D7078AB31EEA}" type="slidenum">
-              <a:rPr lang="en-US" smtClean="0"/>
-              <a:t>17</a:t>
-            </a:fld>
-            <a:endParaRPr lang="en-US"/>
-          </a:p>
-        </p:txBody>
-      </p:sp>
-    </p:spTree>
-    <p:extLst>
-      <p:ext uri="{BB962C8B-B14F-4D97-AF65-F5344CB8AC3E}">
-        <p14:creationId xmlns:p14="http://schemas.microsoft.com/office/powerpoint/2010/main" val="817472896"/>
-      </p:ext>
-    </p:extLst>
-  </p:cSld>
-  <p:clrMapOvr>
-    <a:masterClrMapping/>
-  </p:clrMapOvr>
-  <p:timing>
-    <p:tnLst>
-      <p:par>
-        <p:cTn id="1" dur="indefinite" restart="never" nodeType="tmRoot"/>
-      </p:par>
-    </p:tnLst>
-  </p:timing>
-</p:sld>
-</file>
-
-<file path=ppt/slides/slide19.xml><?xml version="1.0" encoding="utf-8"?>
-<p:sld xmlns:a="http://schemas.openxmlformats.org/drawingml/2006/main" xmlns:r="http://schemas.openxmlformats.org/officeDocument/2006/relationships" xmlns:p="http://schemas.openxmlformats.org/presentationml/2006/main">
-  <p:cSld>
-    <p:spTree>
-      <p:nvGrpSpPr>
-        <p:cNvPr id="1" name=""/>
-        <p:cNvGrpSpPr/>
-        <p:nvPr/>
-      </p:nvGrpSpPr>
-      <p:grpSpPr>
-        <a:xfrm>
-          <a:off x="0" y="0"/>
-          <a:ext cx="0" cy="0"/>
-          <a:chOff x="0" y="0"/>
-          <a:chExt cx="0" cy="0"/>
-        </a:xfrm>
-      </p:grpSpPr>
-      <p:sp>
-        <p:nvSpPr>
-          <p:cNvPr id="2" name="Title 1"/>
-          <p:cNvSpPr>
-            <a:spLocks noGrp="1"/>
-          </p:cNvSpPr>
-          <p:nvPr>
-            <p:ph type="title"/>
-          </p:nvPr>
-        </p:nvSpPr>
-        <p:spPr/>
-        <p:txBody>
-          <a:bodyPr/>
-          <a:lstStyle/>
-          <a:p>
-            <a:r>
-              <a:rPr lang="en-US" dirty="0" smtClean="0">
-                <a:latin typeface="Times New Roman" panose="02020603050405020304" pitchFamily="18" charset="0"/>
-                <a:cs typeface="Times New Roman" panose="02020603050405020304" pitchFamily="18" charset="0"/>
-              </a:rPr>
-              <a:t>DFD Context Level</a:t>
-            </a:r>
-            <a:endParaRPr lang="en-US" dirty="0">
-              <a:latin typeface="Times New Roman" panose="02020603050405020304" pitchFamily="18" charset="0"/>
-              <a:cs typeface="Times New Roman" panose="02020603050405020304" pitchFamily="18" charset="0"/>
-            </a:endParaRPr>
-          </a:p>
-        </p:txBody>
-      </p:sp>
-      <p:pic>
-        <p:nvPicPr>
-          <p:cNvPr id="6" name="Content Placeholder 5"/>
-          <p:cNvPicPr>
-            <a:picLocks noGrp="1" noChangeAspect="1"/>
-          </p:cNvPicPr>
-          <p:nvPr>
-            <p:ph idx="1"/>
-          </p:nvPr>
-        </p:nvPicPr>
-        <p:blipFill>
-          <a:blip r:embed="rId2">
-            <a:extLst>
-              <a:ext uri="{28A0092B-C50C-407E-A947-70E740481C1C}">
-                <a14:useLocalDpi xmlns:a14="http://schemas.microsoft.com/office/drawing/2010/main" val="0"/>
-              </a:ext>
-            </a:extLst>
-          </a:blip>
-          <a:stretch>
-            <a:fillRect/>
-          </a:stretch>
-        </p:blipFill>
-        <p:spPr>
-          <a:xfrm>
-            <a:off x="3228393" y="1690688"/>
-            <a:ext cx="5770676" cy="4592987"/>
-          </a:xfrm>
-        </p:spPr>
-      </p:pic>
-      <p:sp>
-        <p:nvSpPr>
-          <p:cNvPr id="4" name="Date Placeholder 3"/>
-          <p:cNvSpPr>
-            <a:spLocks noGrp="1"/>
-          </p:cNvSpPr>
-          <p:nvPr>
-            <p:ph type="dt" sz="half" idx="10"/>
-          </p:nvPr>
-        </p:nvSpPr>
-        <p:spPr/>
-        <p:txBody>
-          <a:bodyPr/>
-          <a:lstStyle/>
-          <a:p>
-            <a:fld id="{61066859-9ABD-47EE-A13A-7683241B4E0D}" type="datetime1">
-              <a:rPr lang="en-US" smtClean="0"/>
-              <a:t>6/11/2023</a:t>
-            </a:fld>
-            <a:endParaRPr lang="en-US"/>
-          </a:p>
-        </p:txBody>
-      </p:sp>
-      <p:sp>
-        <p:nvSpPr>
-          <p:cNvPr id="5" name="Slide Number Placeholder 4"/>
-          <p:cNvSpPr>
-            <a:spLocks noGrp="1"/>
-          </p:cNvSpPr>
-          <p:nvPr>
-            <p:ph type="sldNum" sz="quarter" idx="12"/>
-          </p:nvPr>
-        </p:nvSpPr>
-        <p:spPr/>
-        <p:txBody>
-          <a:bodyPr/>
-          <a:lstStyle/>
-          <a:p>
-            <a:fld id="{EC5C04CC-AAE0-4DA8-BE54-D7078AB31EEA}" type="slidenum">
-              <a:rPr lang="en-US" smtClean="0"/>
-              <a:t>18</a:t>
-            </a:fld>
-            <a:endParaRPr lang="en-US"/>
-          </a:p>
-        </p:txBody>
-      </p:sp>
-    </p:spTree>
-    <p:extLst>
-      <p:ext uri="{BB962C8B-B14F-4D97-AF65-F5344CB8AC3E}">
-        <p14:creationId xmlns:p14="http://schemas.microsoft.com/office/powerpoint/2010/main" val="413944797"/>
-      </p:ext>
-    </p:extLst>
-  </p:cSld>
-  <p:clrMapOvr>
-    <a:masterClrMapping/>
-  </p:clrMapOvr>
-  <p:timing>
-    <p:tnLst>
-      <p:par>
-        <p:cTn id="1" dur="indefinite" restart="never" nodeType="tmRoot"/>
-      </p:par>
-    </p:tnLst>
-  </p:timing>
-</p:sld>
-</file>
-
-<file path=ppt/slides/slide2.xml><?xml version="1.0" encoding="utf-8"?>
-<p:sld xmlns:a="http://schemas.openxmlformats.org/drawingml/2006/main" xmlns:r="http://schemas.openxmlformats.org/officeDocument/2006/relationships" xmlns:p="http://schemas.openxmlformats.org/presentationml/2006/main">
-  <p:cSld>
-    <p:spTree>
-      <p:nvGrpSpPr>
-        <p:cNvPr id="1" name=""/>
-        <p:cNvGrpSpPr/>
-        <p:nvPr/>
-      </p:nvGrpSpPr>
-      <p:grpSpPr>
-        <a:xfrm>
-          <a:off x="0" y="0"/>
-          <a:ext cx="0" cy="0"/>
-          <a:chOff x="0" y="0"/>
-          <a:chExt cx="0" cy="0"/>
-        </a:xfrm>
-      </p:grpSpPr>
-      <p:sp>
-        <p:nvSpPr>
-          <p:cNvPr id="2" name="Title 1"/>
-          <p:cNvSpPr>
-            <a:spLocks noGrp="1"/>
-          </p:cNvSpPr>
-          <p:nvPr>
-            <p:ph type="title"/>
-          </p:nvPr>
-        </p:nvSpPr>
-        <p:spPr/>
-        <p:txBody>
-          <a:bodyPr/>
-          <a:lstStyle/>
-          <a:p>
-            <a:pPr algn="ctr"/>
-            <a:r>
-              <a:rPr lang="en-US" dirty="0" smtClean="0">
-                <a:latin typeface="Times New Roman" panose="02020603050405020304" pitchFamily="18" charset="0"/>
-                <a:cs typeface="Times New Roman" panose="02020603050405020304" pitchFamily="18" charset="0"/>
-              </a:rPr>
-              <a:t>Introduction</a:t>
-            </a:r>
-            <a:endParaRPr lang="en-US" dirty="0">
-              <a:latin typeface="Times New Roman" panose="02020603050405020304" pitchFamily="18" charset="0"/>
-              <a:cs typeface="Times New Roman" panose="02020603050405020304" pitchFamily="18" charset="0"/>
-            </a:endParaRPr>
-          </a:p>
-        </p:txBody>
-      </p:sp>
-      <p:sp>
-        <p:nvSpPr>
-          <p:cNvPr id="3" name="Content Placeholder 2"/>
-          <p:cNvSpPr>
-            <a:spLocks noGrp="1"/>
-          </p:cNvSpPr>
-          <p:nvPr>
-            <p:ph idx="1"/>
-          </p:nvPr>
-        </p:nvSpPr>
-        <p:spPr/>
-        <p:txBody>
-          <a:bodyPr>
-            <a:normAutofit/>
-          </a:bodyPr>
-          <a:lstStyle/>
-          <a:p>
-            <a:pPr marL="0" indent="0" algn="ctr">
-              <a:buNone/>
-            </a:pPr>
-            <a:r>
-              <a:rPr lang="en-US" sz="4400" dirty="0" smtClean="0">
-                <a:latin typeface="Times New Roman" panose="02020603050405020304" pitchFamily="18" charset="0"/>
-                <a:cs typeface="Times New Roman" panose="02020603050405020304" pitchFamily="18" charset="0"/>
-              </a:rPr>
-              <a:t>What is Code Connect?</a:t>
-            </a:r>
-          </a:p>
-          <a:p>
-            <a:pPr marL="0" indent="0" algn="ctr">
-              <a:buNone/>
-            </a:pPr>
-            <a:endParaRPr lang="en-US" sz="4400" dirty="0">
-              <a:latin typeface="Times New Roman" panose="02020603050405020304" pitchFamily="18" charset="0"/>
-              <a:cs typeface="Times New Roman" panose="02020603050405020304" pitchFamily="18" charset="0"/>
-            </a:endParaRPr>
-          </a:p>
-        </p:txBody>
-      </p:sp>
-      <p:sp>
-        <p:nvSpPr>
-          <p:cNvPr id="4" name="Date Placeholder 3"/>
-          <p:cNvSpPr>
-            <a:spLocks noGrp="1"/>
-          </p:cNvSpPr>
-          <p:nvPr>
-            <p:ph type="dt" sz="half" idx="10"/>
-          </p:nvPr>
-        </p:nvSpPr>
-        <p:spPr/>
-        <p:txBody>
-          <a:bodyPr/>
-          <a:lstStyle/>
-          <a:p>
-            <a:fld id="{61066859-9ABD-47EE-A13A-7683241B4E0D}" type="datetime1">
-              <a:rPr lang="en-US" smtClean="0"/>
-              <a:t>6/11/2023</a:t>
-            </a:fld>
-            <a:endParaRPr lang="en-US"/>
-          </a:p>
-        </p:txBody>
-      </p:sp>
-      <p:sp>
-        <p:nvSpPr>
-          <p:cNvPr id="5" name="Slide Number Placeholder 4"/>
-          <p:cNvSpPr>
-            <a:spLocks noGrp="1"/>
-          </p:cNvSpPr>
-          <p:nvPr>
-            <p:ph type="sldNum" sz="quarter" idx="12"/>
-          </p:nvPr>
-        </p:nvSpPr>
-        <p:spPr/>
-        <p:txBody>
-          <a:bodyPr/>
-          <a:lstStyle/>
-          <a:p>
-            <a:fld id="{EC5C04CC-AAE0-4DA8-BE54-D7078AB31EEA}" type="slidenum">
-              <a:rPr lang="en-US" smtClean="0"/>
-              <a:t>1</a:t>
-            </a:fld>
-            <a:endParaRPr lang="en-US"/>
-          </a:p>
-        </p:txBody>
-      </p:sp>
-    </p:spTree>
-    <p:extLst>
-      <p:ext uri="{BB962C8B-B14F-4D97-AF65-F5344CB8AC3E}">
-        <p14:creationId xmlns:p14="http://schemas.microsoft.com/office/powerpoint/2010/main" val="594890162"/>
-      </p:ext>
-    </p:extLst>
-  </p:cSld>
-  <p:clrMapOvr>
-    <a:masterClrMapping/>
-  </p:clrMapOvr>
-  <p:timing>
-    <p:tnLst>
-      <p:par>
-        <p:cTn id="1" dur="indefinite" restart="never" nodeType="tmRoot"/>
-      </p:par>
-    </p:tnLst>
-  </p:timing>
-</p:sld>
-</file>
-
-<file path=ppt/slides/slide20.xml><?xml version="1.0" encoding="utf-8"?>
-<p:sld xmlns:a="http://schemas.openxmlformats.org/drawingml/2006/main" xmlns:r="http://schemas.openxmlformats.org/officeDocument/2006/relationships" xmlns:p="http://schemas.openxmlformats.org/presentationml/2006/main">
-  <p:cSld>
-    <p:spTree>
-      <p:nvGrpSpPr>
-        <p:cNvPr id="1" name=""/>
-        <p:cNvGrpSpPr/>
-        <p:nvPr/>
-      </p:nvGrpSpPr>
-      <p:grpSpPr>
-        <a:xfrm>
-          <a:off x="0" y="0"/>
-          <a:ext cx="0" cy="0"/>
-          <a:chOff x="0" y="0"/>
-          <a:chExt cx="0" cy="0"/>
-        </a:xfrm>
-      </p:grpSpPr>
-      <p:sp>
-        <p:nvSpPr>
-          <p:cNvPr id="2" name="Title 1"/>
-          <p:cNvSpPr>
-            <a:spLocks noGrp="1"/>
-          </p:cNvSpPr>
-          <p:nvPr>
-            <p:ph type="title"/>
-          </p:nvPr>
-        </p:nvSpPr>
-        <p:spPr/>
-        <p:txBody>
-          <a:bodyPr/>
-          <a:lstStyle/>
-          <a:p>
-            <a:r>
-              <a:rPr lang="en-US" dirty="0" smtClean="0">
-                <a:latin typeface="Times New Roman" panose="02020603050405020304" pitchFamily="18" charset="0"/>
-                <a:cs typeface="Times New Roman" panose="02020603050405020304" pitchFamily="18" charset="0"/>
-              </a:rPr>
-              <a:t>Tools Used</a:t>
-            </a:r>
-            <a:endParaRPr lang="en-US" dirty="0">
-              <a:latin typeface="Times New Roman" panose="02020603050405020304" pitchFamily="18" charset="0"/>
-              <a:cs typeface="Times New Roman" panose="02020603050405020304" pitchFamily="18" charset="0"/>
-            </a:endParaRPr>
-          </a:p>
-        </p:txBody>
-      </p:sp>
-      <p:sp>
-        <p:nvSpPr>
-          <p:cNvPr id="3" name="Content Placeholder 2"/>
-          <p:cNvSpPr>
-            <a:spLocks noGrp="1"/>
-          </p:cNvSpPr>
-          <p:nvPr>
-            <p:ph idx="1"/>
-          </p:nvPr>
-        </p:nvSpPr>
-        <p:spPr/>
-        <p:txBody>
-          <a:bodyPr>
-            <a:normAutofit/>
-          </a:bodyPr>
-          <a:lstStyle/>
-          <a:p>
-            <a:r>
-              <a:rPr lang="en-US" dirty="0" smtClean="0">
-                <a:latin typeface="Times New Roman" panose="02020603050405020304" pitchFamily="18" charset="0"/>
-                <a:cs typeface="Times New Roman" panose="02020603050405020304" pitchFamily="18" charset="0"/>
-              </a:rPr>
-              <a:t>VCS : </a:t>
-            </a:r>
-            <a:r>
-              <a:rPr lang="en-US" dirty="0" err="1" smtClean="0">
-                <a:latin typeface="Times New Roman" panose="02020603050405020304" pitchFamily="18" charset="0"/>
-                <a:cs typeface="Times New Roman" panose="02020603050405020304" pitchFamily="18" charset="0"/>
-              </a:rPr>
-              <a:t>Git</a:t>
-            </a:r>
-            <a:endParaRPr lang="en-US" dirty="0" smtClean="0">
-              <a:latin typeface="Times New Roman" panose="02020603050405020304" pitchFamily="18" charset="0"/>
-              <a:cs typeface="Times New Roman" panose="02020603050405020304" pitchFamily="18" charset="0"/>
-            </a:endParaRPr>
-          </a:p>
-          <a:p>
-            <a:r>
-              <a:rPr lang="en-US" dirty="0" smtClean="0">
-                <a:latin typeface="Times New Roman" panose="02020603050405020304" pitchFamily="18" charset="0"/>
-                <a:cs typeface="Times New Roman" panose="02020603050405020304" pitchFamily="18" charset="0"/>
-              </a:rPr>
-              <a:t>Design : </a:t>
-            </a:r>
-            <a:r>
-              <a:rPr lang="en-US" dirty="0" err="1" smtClean="0">
-                <a:latin typeface="Times New Roman" panose="02020603050405020304" pitchFamily="18" charset="0"/>
-                <a:cs typeface="Times New Roman" panose="02020603050405020304" pitchFamily="18" charset="0"/>
-              </a:rPr>
-              <a:t>Figma</a:t>
-            </a:r>
-            <a:endParaRPr lang="en-US" dirty="0" smtClean="0">
-              <a:latin typeface="Times New Roman" panose="02020603050405020304" pitchFamily="18" charset="0"/>
-              <a:cs typeface="Times New Roman" panose="02020603050405020304" pitchFamily="18" charset="0"/>
-            </a:endParaRPr>
-          </a:p>
-          <a:p>
-            <a:r>
-              <a:rPr lang="en-US" dirty="0" smtClean="0">
-                <a:latin typeface="Times New Roman" panose="02020603050405020304" pitchFamily="18" charset="0"/>
-                <a:cs typeface="Times New Roman" panose="02020603050405020304" pitchFamily="18" charset="0"/>
-              </a:rPr>
-              <a:t>Repository Management : GitHub</a:t>
-            </a:r>
-            <a:endParaRPr lang="en-US" dirty="0">
-              <a:latin typeface="Times New Roman" panose="02020603050405020304" pitchFamily="18" charset="0"/>
-              <a:cs typeface="Times New Roman" panose="02020603050405020304" pitchFamily="18" charset="0"/>
-            </a:endParaRPr>
-          </a:p>
-          <a:p>
-            <a:r>
-              <a:rPr lang="en-US" dirty="0" smtClean="0">
-                <a:latin typeface="Times New Roman" panose="02020603050405020304" pitchFamily="18" charset="0"/>
-                <a:cs typeface="Times New Roman" panose="02020603050405020304" pitchFamily="18" charset="0"/>
-              </a:rPr>
-              <a:t>Frontend : HTML, CSS, JS and React </a:t>
-            </a:r>
-            <a:r>
-              <a:rPr lang="en-US" dirty="0" err="1" smtClean="0">
-                <a:latin typeface="Times New Roman" panose="02020603050405020304" pitchFamily="18" charset="0"/>
-                <a:cs typeface="Times New Roman" panose="02020603050405020304" pitchFamily="18" charset="0"/>
-              </a:rPr>
-              <a:t>Js</a:t>
-            </a:r>
-            <a:endParaRPr lang="en-US" dirty="0" smtClean="0">
-              <a:latin typeface="Times New Roman" panose="02020603050405020304" pitchFamily="18" charset="0"/>
-              <a:cs typeface="Times New Roman" panose="02020603050405020304" pitchFamily="18" charset="0"/>
-            </a:endParaRPr>
-          </a:p>
-          <a:p>
-            <a:r>
-              <a:rPr lang="en-US" dirty="0" smtClean="0">
-                <a:latin typeface="Times New Roman" panose="02020603050405020304" pitchFamily="18" charset="0"/>
-                <a:cs typeface="Times New Roman" panose="02020603050405020304" pitchFamily="18" charset="0"/>
-              </a:rPr>
-              <a:t>Database : MySQL </a:t>
-            </a:r>
-          </a:p>
-          <a:p>
-            <a:r>
-              <a:rPr lang="en-US" dirty="0" smtClean="0">
-                <a:latin typeface="Times New Roman" panose="02020603050405020304" pitchFamily="18" charset="0"/>
-                <a:cs typeface="Times New Roman" panose="02020603050405020304" pitchFamily="18" charset="0"/>
-              </a:rPr>
-              <a:t>Backend : PHP</a:t>
-            </a:r>
-            <a:endParaRPr lang="en-US" dirty="0">
-              <a:latin typeface="Times New Roman" panose="02020603050405020304" pitchFamily="18" charset="0"/>
-              <a:cs typeface="Times New Roman" panose="02020603050405020304" pitchFamily="18" charset="0"/>
-            </a:endParaRPr>
-          </a:p>
-        </p:txBody>
-      </p:sp>
-      <p:sp>
-        <p:nvSpPr>
-          <p:cNvPr id="4" name="Date Placeholder 3"/>
-          <p:cNvSpPr>
-            <a:spLocks noGrp="1"/>
-          </p:cNvSpPr>
-          <p:nvPr>
-            <p:ph type="dt" sz="half" idx="10"/>
-          </p:nvPr>
-        </p:nvSpPr>
-        <p:spPr/>
-        <p:txBody>
-          <a:bodyPr/>
-          <a:lstStyle/>
-          <a:p>
-            <a:fld id="{61066859-9ABD-47EE-A13A-7683241B4E0D}" type="datetime1">
-              <a:rPr lang="en-US" smtClean="0"/>
-              <a:t>6/11/2023</a:t>
-            </a:fld>
-            <a:endParaRPr lang="en-US"/>
-          </a:p>
-        </p:txBody>
-      </p:sp>
-      <p:sp>
-        <p:nvSpPr>
-          <p:cNvPr id="5" name="Slide Number Placeholder 4"/>
-          <p:cNvSpPr>
-            <a:spLocks noGrp="1"/>
-          </p:cNvSpPr>
-          <p:nvPr>
-            <p:ph type="sldNum" sz="quarter" idx="12"/>
-          </p:nvPr>
-        </p:nvSpPr>
-        <p:spPr/>
-        <p:txBody>
-          <a:bodyPr/>
-          <a:lstStyle/>
-          <a:p>
-            <a:fld id="{EC5C04CC-AAE0-4DA8-BE54-D7078AB31EEA}" type="slidenum">
-              <a:rPr lang="en-US" smtClean="0"/>
-              <a:t>19</a:t>
+              <a:t>12</a:t>
             </a:fld>
             <a:endParaRPr lang="en-US"/>
           </a:p>
@@ -6415,88 +5060,6 @@
       </p:pic>
       <p:pic>
         <p:nvPicPr>
-          <p:cNvPr id="3080" name="Picture 8" descr="P92 IT Solutions - HTML, CSS and JavaScript"/>
-          <p:cNvPicPr>
-            <a:picLocks noChangeAspect="1" noChangeArrowheads="1"/>
-          </p:cNvPicPr>
-          <p:nvPr/>
-        </p:nvPicPr>
-        <p:blipFill>
-          <a:blip r:embed="rId3">
-            <a:extLst>
-              <a:ext uri="{28A0092B-C50C-407E-A947-70E740481C1C}">
-                <a14:useLocalDpi xmlns:a14="http://schemas.microsoft.com/office/drawing/2010/main" val="0"/>
-              </a:ext>
-            </a:extLst>
-          </a:blip>
-          <a:srcRect/>
-          <a:stretch>
-            <a:fillRect/>
-          </a:stretch>
-        </p:blipFill>
-        <p:spPr bwMode="auto">
-          <a:xfrm>
-            <a:off x="7511142" y="2155346"/>
-            <a:ext cx="2138331" cy="1800873"/>
-          </a:xfrm>
-          <a:prstGeom prst="rect">
-            <a:avLst/>
-          </a:prstGeom>
-          <a:noFill/>
-          <a:extLst>
-            <a:ext uri="{909E8E84-426E-40DD-AFC4-6F175D3DCCD1}">
-              <a14:hiddenFill xmlns:a14="http://schemas.microsoft.com/office/drawing/2010/main">
-                <a:solidFill>
-                  <a:srgbClr val="FFFFFF"/>
-                </a:solidFill>
-              </a14:hiddenFill>
-            </a:ext>
-          </a:extLst>
-        </p:spPr>
-      </p:pic>
-      <p:pic>
-        <p:nvPicPr>
-          <p:cNvPr id="3082" name="Picture 10" descr="React (software) - Wikipedia"/>
-          <p:cNvPicPr>
-            <a:picLocks noChangeAspect="1" noChangeArrowheads="1"/>
-          </p:cNvPicPr>
-          <p:nvPr/>
-        </p:nvPicPr>
-        <p:blipFill>
-          <a:blip r:embed="rId4" cstate="print">
-            <a:extLst>
-              <a:ext uri="{28A0092B-C50C-407E-A947-70E740481C1C}">
-                <a14:useLocalDpi xmlns:a14="http://schemas.microsoft.com/office/drawing/2010/main" val="0"/>
-              </a:ext>
-            </a:extLst>
-          </a:blip>
-          <a:srcRect/>
-          <a:stretch>
-            <a:fillRect/>
-          </a:stretch>
-        </p:blipFill>
-        <p:spPr bwMode="auto">
-          <a:xfrm>
-            <a:off x="9819626" y="660282"/>
-            <a:ext cx="1534174" cy="1333453"/>
-          </a:xfrm>
-          <a:prstGeom prst="rect">
-            <a:avLst/>
-          </a:prstGeom>
-          <a:noFill/>
-          <a:extLst>
-            <a:ext uri="{909E8E84-426E-40DD-AFC4-6F175D3DCCD1}">
-              <a14:hiddenFill xmlns:a14="http://schemas.microsoft.com/office/drawing/2010/main">
-                <a:solidFill>
-                  <a:srgbClr val="FFFFFF"/>
-                </a:solidFill>
-              </a14:hiddenFill>
-            </a:ext>
-          </a:extLst>
-        </p:spPr>
-      </p:pic>
-      <p:pic>
-        <p:nvPicPr>
           <p:cNvPr id="3086" name="Picture 14" descr="PHP - Wikipedia"/>
           <p:cNvPicPr>
             <a:picLocks noChangeAspect="1" noChangeArrowheads="1"/>
@@ -6504,7 +5067,7 @@
           <p:nvPr/>
         </p:nvPicPr>
         <p:blipFill>
-          <a:blip r:embed="rId5" cstate="print">
+          <a:blip r:embed="rId3" cstate="print">
             <a:extLst>
               <a:ext uri="{28A0092B-C50C-407E-A947-70E740481C1C}">
                 <a14:useLocalDpi xmlns:a14="http://schemas.microsoft.com/office/drawing/2010/main" val="0"/>
@@ -6545,6 +5108,88 @@
           <p:nvPr/>
         </p:nvPicPr>
         <p:blipFill>
+          <a:blip r:embed="rId4" cstate="print">
+            <a:extLst>
+              <a:ext uri="{28A0092B-C50C-407E-A947-70E740481C1C}">
+                <a14:useLocalDpi xmlns:a14="http://schemas.microsoft.com/office/drawing/2010/main" val="0"/>
+              </a:ext>
+            </a:extLst>
+          </a:blip>
+          <a:srcRect/>
+          <a:stretch>
+            <a:fillRect/>
+          </a:stretch>
+        </p:blipFill>
+        <p:spPr bwMode="auto">
+          <a:xfrm>
+            <a:off x="5976145" y="2654644"/>
+            <a:ext cx="3355975" cy="1677988"/>
+          </a:xfrm>
+          <a:prstGeom prst="rect">
+            <a:avLst/>
+          </a:prstGeom>
+          <a:noFill/>
+          <a:extLst>
+            <a:ext uri="{909E8E84-426E-40DD-AFC4-6F175D3DCCD1}">
+              <a14:hiddenFill xmlns:a14="http://schemas.microsoft.com/office/drawing/2010/main">
+                <a:solidFill>
+                  <a:srgbClr val="FFFFFF"/>
+                </a:solidFill>
+              </a14:hiddenFill>
+            </a:ext>
+          </a:extLst>
+        </p:spPr>
+      </p:pic>
+      <p:pic>
+        <p:nvPicPr>
+          <p:cNvPr id="1028" name="Picture 4" descr="XML | JSON | AJAX TERMINOLOGIES DEFINED"/>
+          <p:cNvPicPr>
+            <a:picLocks noChangeAspect="1" noChangeArrowheads="1"/>
+          </p:cNvPicPr>
+          <p:nvPr/>
+        </p:nvPicPr>
+        <p:blipFill>
+          <a:blip r:embed="rId5" cstate="print">
+            <a:extLst>
+              <a:ext uri="{28A0092B-C50C-407E-A947-70E740481C1C}">
+                <a14:useLocalDpi xmlns:a14="http://schemas.microsoft.com/office/drawing/2010/main" val="0"/>
+              </a:ext>
+            </a:extLst>
+          </a:blip>
+          <a:srcRect/>
+          <a:stretch>
+            <a:fillRect/>
+          </a:stretch>
+        </p:blipFill>
+        <p:spPr bwMode="auto">
+          <a:xfrm>
+            <a:off x="6897959" y="4606315"/>
+            <a:ext cx="2923978" cy="1586227"/>
+          </a:xfrm>
+          <a:prstGeom prst="rect">
+            <a:avLst/>
+          </a:prstGeom>
+          <a:noFill/>
+          <a:extLst>
+            <a:ext uri="{909E8E84-426E-40DD-AFC4-6F175D3DCCD1}">
+              <a14:hiddenFill xmlns:a14="http://schemas.microsoft.com/office/drawing/2010/main">
+                <a:solidFill>
+                  <a:srgbClr val="FFFFFF"/>
+                </a:solidFill>
+              </a14:hiddenFill>
+            </a:ext>
+          </a:extLst>
+        </p:spPr>
+      </p:pic>
+      <p:pic>
+        <p:nvPicPr>
+          <p:cNvPr id="1030" name="Picture 6" descr="Ajax Logo Png Transparent : Ajax 3d Cad Model Library Grabcad / 2400 x ..."/>
+          <p:cNvPicPr>
+            <a:picLocks noChangeAspect="1" noChangeArrowheads="1"/>
+          </p:cNvPicPr>
+          <p:nvPr/>
+        </p:nvPicPr>
+        <p:blipFill>
           <a:blip r:embed="rId6" cstate="print">
             <a:extLst>
               <a:ext uri="{28A0092B-C50C-407E-A947-70E740481C1C}">
@@ -6559,8 +5204,8 @@
         </p:blipFill>
         <p:spPr bwMode="auto">
           <a:xfrm>
-            <a:off x="6766559" y="4178306"/>
-            <a:ext cx="3355975" cy="1677988"/>
+            <a:off x="9332120" y="914293"/>
+            <a:ext cx="2213306" cy="1716599"/>
           </a:xfrm>
           <a:prstGeom prst="rect">
             <a:avLst/>
@@ -6597,6 +5242,2252 @@
 </p:sld>
 </file>
 
+<file path=ppt/slides/slide14.xml><?xml version="1.0" encoding="utf-8"?>
+<p:sld xmlns:a="http://schemas.openxmlformats.org/drawingml/2006/main" xmlns:r="http://schemas.openxmlformats.org/officeDocument/2006/relationships" xmlns:p="http://schemas.openxmlformats.org/presentationml/2006/main">
+  <p:cSld>
+    <p:spTree>
+      <p:nvGrpSpPr>
+        <p:cNvPr id="1" name=""/>
+        <p:cNvGrpSpPr/>
+        <p:nvPr/>
+      </p:nvGrpSpPr>
+      <p:grpSpPr>
+        <a:xfrm>
+          <a:off x="0" y="0"/>
+          <a:ext cx="0" cy="0"/>
+          <a:chOff x="0" y="0"/>
+          <a:chExt cx="0" cy="0"/>
+        </a:xfrm>
+      </p:grpSpPr>
+      <p:sp>
+        <p:nvSpPr>
+          <p:cNvPr id="2" name="Title 1"/>
+          <p:cNvSpPr>
+            <a:spLocks noGrp="1"/>
+          </p:cNvSpPr>
+          <p:nvPr>
+            <p:ph type="title"/>
+          </p:nvPr>
+        </p:nvSpPr>
+        <p:spPr/>
+        <p:txBody>
+          <a:bodyPr/>
+          <a:lstStyle/>
+          <a:p>
+            <a:r>
+              <a:rPr lang="en-US" dirty="0" smtClean="0">
+                <a:latin typeface="Times New Roman" panose="02020603050405020304" pitchFamily="18" charset="0"/>
+                <a:cs typeface="Times New Roman" panose="02020603050405020304" pitchFamily="18" charset="0"/>
+              </a:rPr>
+              <a:t>Testing: Unit Testing</a:t>
+            </a:r>
+            <a:endParaRPr lang="en-US" dirty="0">
+              <a:latin typeface="Times New Roman" panose="02020603050405020304" pitchFamily="18" charset="0"/>
+              <a:cs typeface="Times New Roman" panose="02020603050405020304" pitchFamily="18" charset="0"/>
+            </a:endParaRPr>
+          </a:p>
+        </p:txBody>
+      </p:sp>
+      <p:graphicFrame>
+        <p:nvGraphicFramePr>
+          <p:cNvPr id="7" name="Content Placeholder 6"/>
+          <p:cNvGraphicFramePr>
+            <a:graphicFrameLocks noGrp="1"/>
+          </p:cNvGraphicFramePr>
+          <p:nvPr>
+            <p:ph idx="1"/>
+            <p:extLst>
+              <p:ext uri="{D42A27DB-BD31-4B8C-83A1-F6EECF244321}">
+                <p14:modId xmlns:p14="http://schemas.microsoft.com/office/powerpoint/2010/main" val="1281820578"/>
+              </p:ext>
+            </p:extLst>
+          </p:nvPr>
+        </p:nvGraphicFramePr>
+        <p:xfrm>
+          <a:off x="838200" y="1825625"/>
+          <a:ext cx="10515600" cy="2565400"/>
+        </p:xfrm>
+        <a:graphic>
+          <a:graphicData uri="http://schemas.openxmlformats.org/drawingml/2006/table">
+            <a:tbl>
+              <a:tblPr firstRow="1" bandRow="1">
+                <a:tableStyleId>{5C22544A-7EE6-4342-B048-85BDC9FD1C3A}</a:tableStyleId>
+              </a:tblPr>
+              <a:tblGrid>
+                <a:gridCol w="1209431"/>
+                <a:gridCol w="2868246"/>
+                <a:gridCol w="3809023"/>
+                <a:gridCol w="2628900"/>
+              </a:tblGrid>
+              <a:tr h="370840">
+                <a:tc>
+                  <a:txBody>
+                    <a:bodyPr/>
+                    <a:lstStyle/>
+                    <a:p>
+                      <a:pPr algn="ctr"/>
+                      <a:r>
+                        <a:rPr lang="en-US" dirty="0" smtClean="0">
+                          <a:latin typeface="Times New Roman" panose="02020603050405020304" pitchFamily="18" charset="0"/>
+                          <a:cs typeface="Times New Roman" panose="02020603050405020304" pitchFamily="18" charset="0"/>
+                        </a:rPr>
+                        <a:t>Tests</a:t>
+                      </a:r>
+                      <a:endParaRPr lang="en-US" dirty="0">
+                        <a:latin typeface="Times New Roman" panose="02020603050405020304" pitchFamily="18" charset="0"/>
+                        <a:cs typeface="Times New Roman" panose="02020603050405020304" pitchFamily="18" charset="0"/>
+                      </a:endParaRPr>
+                    </a:p>
+                  </a:txBody>
+                  <a:tcPr>
+                    <a:lnL w="12700" cap="flat" cmpd="sng" algn="ctr">
+                      <a:solidFill>
+                        <a:schemeClr val="tx1"/>
+                      </a:solidFill>
+                      <a:prstDash val="solid"/>
+                      <a:round/>
+                      <a:headEnd type="none" w="med" len="med"/>
+                      <a:tailEnd type="none" w="med" len="med"/>
+                    </a:lnL>
+                    <a:lnR w="12700" cap="flat" cmpd="sng" algn="ctr">
+                      <a:solidFill>
+                        <a:schemeClr val="tx1"/>
+                      </a:solidFill>
+                      <a:prstDash val="solid"/>
+                      <a:round/>
+                      <a:headEnd type="none" w="med" len="med"/>
+                      <a:tailEnd type="none" w="med" len="med"/>
+                    </a:lnR>
+                    <a:lnT w="12700" cap="flat" cmpd="sng" algn="ctr">
+                      <a:solidFill>
+                        <a:schemeClr val="tx1"/>
+                      </a:solidFill>
+                      <a:prstDash val="solid"/>
+                      <a:round/>
+                      <a:headEnd type="none" w="med" len="med"/>
+                      <a:tailEnd type="none" w="med" len="med"/>
+                    </a:lnT>
+                    <a:lnB w="12700" cap="flat" cmpd="sng" algn="ctr">
+                      <a:solidFill>
+                        <a:schemeClr val="tx1"/>
+                      </a:solidFill>
+                      <a:prstDash val="solid"/>
+                      <a:round/>
+                      <a:headEnd type="none" w="med" len="med"/>
+                      <a:tailEnd type="none" w="med" len="med"/>
+                    </a:lnB>
+                    <a:solidFill>
+                      <a:schemeClr val="tx1"/>
+                    </a:solidFill>
+                  </a:tcPr>
+                </a:tc>
+                <a:tc>
+                  <a:txBody>
+                    <a:bodyPr/>
+                    <a:lstStyle/>
+                    <a:p>
+                      <a:pPr algn="ctr"/>
+                      <a:r>
+                        <a:rPr lang="en-US" dirty="0" smtClean="0">
+                          <a:latin typeface="Times New Roman" panose="02020603050405020304" pitchFamily="18" charset="0"/>
+                          <a:cs typeface="Times New Roman" panose="02020603050405020304" pitchFamily="18" charset="0"/>
+                        </a:rPr>
+                        <a:t>Test Cases</a:t>
+                      </a:r>
+                      <a:endParaRPr lang="en-US" dirty="0">
+                        <a:latin typeface="Times New Roman" panose="02020603050405020304" pitchFamily="18" charset="0"/>
+                        <a:cs typeface="Times New Roman" panose="02020603050405020304" pitchFamily="18" charset="0"/>
+                      </a:endParaRPr>
+                    </a:p>
+                  </a:txBody>
+                  <a:tcPr>
+                    <a:lnL w="12700" cap="flat" cmpd="sng" algn="ctr">
+                      <a:solidFill>
+                        <a:schemeClr val="tx1"/>
+                      </a:solidFill>
+                      <a:prstDash val="solid"/>
+                      <a:round/>
+                      <a:headEnd type="none" w="med" len="med"/>
+                      <a:tailEnd type="none" w="med" len="med"/>
+                    </a:lnL>
+                    <a:lnR w="12700" cap="flat" cmpd="sng" algn="ctr">
+                      <a:solidFill>
+                        <a:schemeClr val="tx1"/>
+                      </a:solidFill>
+                      <a:prstDash val="solid"/>
+                      <a:round/>
+                      <a:headEnd type="none" w="med" len="med"/>
+                      <a:tailEnd type="none" w="med" len="med"/>
+                    </a:lnR>
+                    <a:lnT w="12700" cap="flat" cmpd="sng" algn="ctr">
+                      <a:solidFill>
+                        <a:schemeClr val="tx1"/>
+                      </a:solidFill>
+                      <a:prstDash val="solid"/>
+                      <a:round/>
+                      <a:headEnd type="none" w="med" len="med"/>
+                      <a:tailEnd type="none" w="med" len="med"/>
+                    </a:lnT>
+                    <a:lnB w="12700" cap="flat" cmpd="sng" algn="ctr">
+                      <a:solidFill>
+                        <a:schemeClr val="tx1"/>
+                      </a:solidFill>
+                      <a:prstDash val="solid"/>
+                      <a:round/>
+                      <a:headEnd type="none" w="med" len="med"/>
+                      <a:tailEnd type="none" w="med" len="med"/>
+                    </a:lnB>
+                    <a:solidFill>
+                      <a:schemeClr val="tx1"/>
+                    </a:solidFill>
+                  </a:tcPr>
+                </a:tc>
+                <a:tc>
+                  <a:txBody>
+                    <a:bodyPr/>
+                    <a:lstStyle/>
+                    <a:p>
+                      <a:pPr algn="ctr"/>
+                      <a:r>
+                        <a:rPr lang="en-US" dirty="0" smtClean="0">
+                          <a:latin typeface="Times New Roman" panose="02020603050405020304" pitchFamily="18" charset="0"/>
+                          <a:cs typeface="Times New Roman" panose="02020603050405020304" pitchFamily="18" charset="0"/>
+                        </a:rPr>
+                        <a:t>Input</a:t>
+                      </a:r>
+                      <a:endParaRPr lang="en-US" dirty="0">
+                        <a:latin typeface="Times New Roman" panose="02020603050405020304" pitchFamily="18" charset="0"/>
+                        <a:cs typeface="Times New Roman" panose="02020603050405020304" pitchFamily="18" charset="0"/>
+                      </a:endParaRPr>
+                    </a:p>
+                  </a:txBody>
+                  <a:tcPr>
+                    <a:lnL w="12700" cap="flat" cmpd="sng" algn="ctr">
+                      <a:solidFill>
+                        <a:schemeClr val="tx1"/>
+                      </a:solidFill>
+                      <a:prstDash val="solid"/>
+                      <a:round/>
+                      <a:headEnd type="none" w="med" len="med"/>
+                      <a:tailEnd type="none" w="med" len="med"/>
+                    </a:lnL>
+                    <a:lnR w="12700" cap="flat" cmpd="sng" algn="ctr">
+                      <a:solidFill>
+                        <a:schemeClr val="tx1"/>
+                      </a:solidFill>
+                      <a:prstDash val="solid"/>
+                      <a:round/>
+                      <a:headEnd type="none" w="med" len="med"/>
+                      <a:tailEnd type="none" w="med" len="med"/>
+                    </a:lnR>
+                    <a:lnT w="12700" cap="flat" cmpd="sng" algn="ctr">
+                      <a:solidFill>
+                        <a:schemeClr val="tx1"/>
+                      </a:solidFill>
+                      <a:prstDash val="solid"/>
+                      <a:round/>
+                      <a:headEnd type="none" w="med" len="med"/>
+                      <a:tailEnd type="none" w="med" len="med"/>
+                    </a:lnT>
+                    <a:lnB w="12700" cap="flat" cmpd="sng" algn="ctr">
+                      <a:solidFill>
+                        <a:schemeClr val="tx1"/>
+                      </a:solidFill>
+                      <a:prstDash val="solid"/>
+                      <a:round/>
+                      <a:headEnd type="none" w="med" len="med"/>
+                      <a:tailEnd type="none" w="med" len="med"/>
+                    </a:lnB>
+                    <a:solidFill>
+                      <a:schemeClr val="tx1"/>
+                    </a:solidFill>
+                  </a:tcPr>
+                </a:tc>
+                <a:tc>
+                  <a:txBody>
+                    <a:bodyPr/>
+                    <a:lstStyle/>
+                    <a:p>
+                      <a:pPr algn="ctr"/>
+                      <a:r>
+                        <a:rPr lang="en-US" dirty="0" smtClean="0">
+                          <a:latin typeface="Times New Roman" panose="02020603050405020304" pitchFamily="18" charset="0"/>
+                          <a:cs typeface="Times New Roman" panose="02020603050405020304" pitchFamily="18" charset="0"/>
+                        </a:rPr>
+                        <a:t>Output</a:t>
+                      </a:r>
+                      <a:endParaRPr lang="en-US" dirty="0">
+                        <a:latin typeface="Times New Roman" panose="02020603050405020304" pitchFamily="18" charset="0"/>
+                        <a:cs typeface="Times New Roman" panose="02020603050405020304" pitchFamily="18" charset="0"/>
+                      </a:endParaRPr>
+                    </a:p>
+                  </a:txBody>
+                  <a:tcPr>
+                    <a:lnL w="12700" cap="flat" cmpd="sng" algn="ctr">
+                      <a:solidFill>
+                        <a:schemeClr val="tx1"/>
+                      </a:solidFill>
+                      <a:prstDash val="solid"/>
+                      <a:round/>
+                      <a:headEnd type="none" w="med" len="med"/>
+                      <a:tailEnd type="none" w="med" len="med"/>
+                    </a:lnL>
+                    <a:lnR w="12700" cap="flat" cmpd="sng" algn="ctr">
+                      <a:solidFill>
+                        <a:schemeClr val="tx1"/>
+                      </a:solidFill>
+                      <a:prstDash val="solid"/>
+                      <a:round/>
+                      <a:headEnd type="none" w="med" len="med"/>
+                      <a:tailEnd type="none" w="med" len="med"/>
+                    </a:lnR>
+                    <a:lnT w="12700" cap="flat" cmpd="sng" algn="ctr">
+                      <a:solidFill>
+                        <a:schemeClr val="tx1"/>
+                      </a:solidFill>
+                      <a:prstDash val="solid"/>
+                      <a:round/>
+                      <a:headEnd type="none" w="med" len="med"/>
+                      <a:tailEnd type="none" w="med" len="med"/>
+                    </a:lnT>
+                    <a:lnB w="12700" cap="flat" cmpd="sng" algn="ctr">
+                      <a:solidFill>
+                        <a:schemeClr val="tx1"/>
+                      </a:solidFill>
+                      <a:prstDash val="solid"/>
+                      <a:round/>
+                      <a:headEnd type="none" w="med" len="med"/>
+                      <a:tailEnd type="none" w="med" len="med"/>
+                    </a:lnB>
+                    <a:solidFill>
+                      <a:schemeClr val="tx1"/>
+                    </a:solidFill>
+                  </a:tcPr>
+                </a:tc>
+              </a:tr>
+              <a:tr h="370840">
+                <a:tc>
+                  <a:txBody>
+                    <a:bodyPr/>
+                    <a:lstStyle/>
+                    <a:p>
+                      <a:pPr algn="ctr"/>
+                      <a:r>
+                        <a:rPr lang="en-US" dirty="0" smtClean="0">
+                          <a:latin typeface="Times New Roman" panose="02020603050405020304" pitchFamily="18" charset="0"/>
+                          <a:cs typeface="Times New Roman" panose="02020603050405020304" pitchFamily="18" charset="0"/>
+                        </a:rPr>
+                        <a:t>1</a:t>
+                      </a:r>
+                      <a:endParaRPr lang="en-US" dirty="0">
+                        <a:latin typeface="Times New Roman" panose="02020603050405020304" pitchFamily="18" charset="0"/>
+                        <a:cs typeface="Times New Roman" panose="02020603050405020304" pitchFamily="18" charset="0"/>
+                      </a:endParaRPr>
+                    </a:p>
+                  </a:txBody>
+                  <a:tcPr>
+                    <a:lnL w="12700" cap="flat" cmpd="sng" algn="ctr">
+                      <a:solidFill>
+                        <a:schemeClr val="tx1"/>
+                      </a:solidFill>
+                      <a:prstDash val="solid"/>
+                      <a:round/>
+                      <a:headEnd type="none" w="med" len="med"/>
+                      <a:tailEnd type="none" w="med" len="med"/>
+                    </a:lnL>
+                    <a:lnR w="12700" cap="flat" cmpd="sng" algn="ctr">
+                      <a:solidFill>
+                        <a:schemeClr val="tx1"/>
+                      </a:solidFill>
+                      <a:prstDash val="solid"/>
+                      <a:round/>
+                      <a:headEnd type="none" w="med" len="med"/>
+                      <a:tailEnd type="none" w="med" len="med"/>
+                    </a:lnR>
+                    <a:lnT w="12700" cap="flat" cmpd="sng" algn="ctr">
+                      <a:solidFill>
+                        <a:schemeClr val="tx1"/>
+                      </a:solidFill>
+                      <a:prstDash val="solid"/>
+                      <a:round/>
+                      <a:headEnd type="none" w="med" len="med"/>
+                      <a:tailEnd type="none" w="med" len="med"/>
+                    </a:lnT>
+                    <a:lnB w="12700" cap="flat" cmpd="sng" algn="ctr">
+                      <a:solidFill>
+                        <a:schemeClr val="tx1"/>
+                      </a:solidFill>
+                      <a:prstDash val="solid"/>
+                      <a:round/>
+                      <a:headEnd type="none" w="med" len="med"/>
+                      <a:tailEnd type="none" w="med" len="med"/>
+                    </a:lnB>
+                    <a:solidFill>
+                      <a:schemeClr val="bg1"/>
+                    </a:solidFill>
+                  </a:tcPr>
+                </a:tc>
+                <a:tc>
+                  <a:txBody>
+                    <a:bodyPr/>
+                    <a:lstStyle/>
+                    <a:p>
+                      <a:pPr algn="ctr"/>
+                      <a:r>
+                        <a:rPr lang="en-US" dirty="0" smtClean="0">
+                          <a:latin typeface="Times New Roman" panose="02020603050405020304" pitchFamily="18" charset="0"/>
+                          <a:cs typeface="Times New Roman" panose="02020603050405020304" pitchFamily="18" charset="0"/>
+                        </a:rPr>
+                        <a:t>Incorrect Password</a:t>
+                      </a:r>
+                      <a:endParaRPr lang="en-US" dirty="0">
+                        <a:latin typeface="Times New Roman" panose="02020603050405020304" pitchFamily="18" charset="0"/>
+                        <a:cs typeface="Times New Roman" panose="02020603050405020304" pitchFamily="18" charset="0"/>
+                      </a:endParaRPr>
+                    </a:p>
+                  </a:txBody>
+                  <a:tcPr>
+                    <a:lnL w="12700" cap="flat" cmpd="sng" algn="ctr">
+                      <a:solidFill>
+                        <a:schemeClr val="tx1"/>
+                      </a:solidFill>
+                      <a:prstDash val="solid"/>
+                      <a:round/>
+                      <a:headEnd type="none" w="med" len="med"/>
+                      <a:tailEnd type="none" w="med" len="med"/>
+                    </a:lnL>
+                    <a:lnR w="12700" cap="flat" cmpd="sng" algn="ctr">
+                      <a:solidFill>
+                        <a:schemeClr val="tx1"/>
+                      </a:solidFill>
+                      <a:prstDash val="solid"/>
+                      <a:round/>
+                      <a:headEnd type="none" w="med" len="med"/>
+                      <a:tailEnd type="none" w="med" len="med"/>
+                    </a:lnR>
+                    <a:lnT w="12700" cap="flat" cmpd="sng" algn="ctr">
+                      <a:solidFill>
+                        <a:schemeClr val="tx1"/>
+                      </a:solidFill>
+                      <a:prstDash val="solid"/>
+                      <a:round/>
+                      <a:headEnd type="none" w="med" len="med"/>
+                      <a:tailEnd type="none" w="med" len="med"/>
+                    </a:lnT>
+                    <a:lnB w="12700" cap="flat" cmpd="sng" algn="ctr">
+                      <a:solidFill>
+                        <a:schemeClr val="tx1"/>
+                      </a:solidFill>
+                      <a:prstDash val="solid"/>
+                      <a:round/>
+                      <a:headEnd type="none" w="med" len="med"/>
+                      <a:tailEnd type="none" w="med" len="med"/>
+                    </a:lnB>
+                    <a:solidFill>
+                      <a:schemeClr val="bg1"/>
+                    </a:solidFill>
+                  </a:tcPr>
+                </a:tc>
+                <a:tc>
+                  <a:txBody>
+                    <a:bodyPr/>
+                    <a:lstStyle/>
+                    <a:p>
+                      <a:pPr algn="ctr"/>
+                      <a:r>
+                        <a:rPr lang="en-US" dirty="0" err="1" smtClean="0">
+                          <a:latin typeface="Times New Roman" panose="02020603050405020304" pitchFamily="18" charset="0"/>
+                          <a:cs typeface="Times New Roman" panose="02020603050405020304" pitchFamily="18" charset="0"/>
+                        </a:rPr>
+                        <a:t>Email:test@gmail.com</a:t>
+                      </a:r>
+                      <a:endParaRPr lang="en-US" dirty="0" smtClean="0">
+                        <a:latin typeface="Times New Roman" panose="02020603050405020304" pitchFamily="18" charset="0"/>
+                        <a:cs typeface="Times New Roman" panose="02020603050405020304" pitchFamily="18" charset="0"/>
+                      </a:endParaRPr>
+                    </a:p>
+                    <a:p>
+                      <a:pPr algn="ctr"/>
+                      <a:r>
+                        <a:rPr lang="en-US" dirty="0" smtClean="0">
+                          <a:latin typeface="Times New Roman" panose="02020603050405020304" pitchFamily="18" charset="0"/>
+                          <a:cs typeface="Times New Roman" panose="02020603050405020304" pitchFamily="18" charset="0"/>
+                        </a:rPr>
+                        <a:t>Password:1234</a:t>
+                      </a:r>
+                      <a:endParaRPr lang="en-US" dirty="0">
+                        <a:latin typeface="Times New Roman" panose="02020603050405020304" pitchFamily="18" charset="0"/>
+                        <a:cs typeface="Times New Roman" panose="02020603050405020304" pitchFamily="18" charset="0"/>
+                      </a:endParaRPr>
+                    </a:p>
+                  </a:txBody>
+                  <a:tcPr>
+                    <a:lnL w="12700" cap="flat" cmpd="sng" algn="ctr">
+                      <a:solidFill>
+                        <a:schemeClr val="tx1"/>
+                      </a:solidFill>
+                      <a:prstDash val="solid"/>
+                      <a:round/>
+                      <a:headEnd type="none" w="med" len="med"/>
+                      <a:tailEnd type="none" w="med" len="med"/>
+                    </a:lnL>
+                    <a:lnR w="12700" cap="flat" cmpd="sng" algn="ctr">
+                      <a:solidFill>
+                        <a:schemeClr val="tx1"/>
+                      </a:solidFill>
+                      <a:prstDash val="solid"/>
+                      <a:round/>
+                      <a:headEnd type="none" w="med" len="med"/>
+                      <a:tailEnd type="none" w="med" len="med"/>
+                    </a:lnR>
+                    <a:lnT w="12700" cap="flat" cmpd="sng" algn="ctr">
+                      <a:solidFill>
+                        <a:schemeClr val="tx1"/>
+                      </a:solidFill>
+                      <a:prstDash val="solid"/>
+                      <a:round/>
+                      <a:headEnd type="none" w="med" len="med"/>
+                      <a:tailEnd type="none" w="med" len="med"/>
+                    </a:lnT>
+                    <a:lnB w="12700" cap="flat" cmpd="sng" algn="ctr">
+                      <a:solidFill>
+                        <a:schemeClr val="tx1"/>
+                      </a:solidFill>
+                      <a:prstDash val="solid"/>
+                      <a:round/>
+                      <a:headEnd type="none" w="med" len="med"/>
+                      <a:tailEnd type="none" w="med" len="med"/>
+                    </a:lnB>
+                    <a:solidFill>
+                      <a:schemeClr val="bg1"/>
+                    </a:solidFill>
+                  </a:tcPr>
+                </a:tc>
+                <a:tc>
+                  <a:txBody>
+                    <a:bodyPr/>
+                    <a:lstStyle/>
+                    <a:p>
+                      <a:pPr algn="ctr"/>
+                      <a:r>
+                        <a:rPr lang="en-US" dirty="0" smtClean="0">
+                          <a:latin typeface="Times New Roman" panose="02020603050405020304" pitchFamily="18" charset="0"/>
+                          <a:cs typeface="Times New Roman" panose="02020603050405020304" pitchFamily="18" charset="0"/>
+                        </a:rPr>
+                        <a:t>Incorrect Password</a:t>
+                      </a:r>
+                      <a:endParaRPr lang="en-US" dirty="0">
+                        <a:latin typeface="Times New Roman" panose="02020603050405020304" pitchFamily="18" charset="0"/>
+                        <a:cs typeface="Times New Roman" panose="02020603050405020304" pitchFamily="18" charset="0"/>
+                      </a:endParaRPr>
+                    </a:p>
+                  </a:txBody>
+                  <a:tcPr>
+                    <a:lnL w="12700" cap="flat" cmpd="sng" algn="ctr">
+                      <a:solidFill>
+                        <a:schemeClr val="tx1"/>
+                      </a:solidFill>
+                      <a:prstDash val="solid"/>
+                      <a:round/>
+                      <a:headEnd type="none" w="med" len="med"/>
+                      <a:tailEnd type="none" w="med" len="med"/>
+                    </a:lnL>
+                    <a:lnR w="12700" cap="flat" cmpd="sng" algn="ctr">
+                      <a:solidFill>
+                        <a:schemeClr val="tx1"/>
+                      </a:solidFill>
+                      <a:prstDash val="solid"/>
+                      <a:round/>
+                      <a:headEnd type="none" w="med" len="med"/>
+                      <a:tailEnd type="none" w="med" len="med"/>
+                    </a:lnR>
+                    <a:lnT w="12700" cap="flat" cmpd="sng" algn="ctr">
+                      <a:solidFill>
+                        <a:schemeClr val="tx1"/>
+                      </a:solidFill>
+                      <a:prstDash val="solid"/>
+                      <a:round/>
+                      <a:headEnd type="none" w="med" len="med"/>
+                      <a:tailEnd type="none" w="med" len="med"/>
+                    </a:lnT>
+                    <a:lnB w="12700" cap="flat" cmpd="sng" algn="ctr">
+                      <a:solidFill>
+                        <a:schemeClr val="tx1"/>
+                      </a:solidFill>
+                      <a:prstDash val="solid"/>
+                      <a:round/>
+                      <a:headEnd type="none" w="med" len="med"/>
+                      <a:tailEnd type="none" w="med" len="med"/>
+                    </a:lnB>
+                    <a:solidFill>
+                      <a:schemeClr val="bg1"/>
+                    </a:solidFill>
+                  </a:tcPr>
+                </a:tc>
+              </a:tr>
+              <a:tr h="370840">
+                <a:tc>
+                  <a:txBody>
+                    <a:bodyPr/>
+                    <a:lstStyle/>
+                    <a:p>
+                      <a:pPr algn="ctr"/>
+                      <a:r>
+                        <a:rPr lang="en-US" dirty="0" smtClean="0">
+                          <a:latin typeface="Times New Roman" panose="02020603050405020304" pitchFamily="18" charset="0"/>
+                          <a:cs typeface="Times New Roman" panose="02020603050405020304" pitchFamily="18" charset="0"/>
+                        </a:rPr>
+                        <a:t>2</a:t>
+                      </a:r>
+                    </a:p>
+                  </a:txBody>
+                  <a:tcPr>
+                    <a:lnL w="12700" cap="flat" cmpd="sng" algn="ctr">
+                      <a:solidFill>
+                        <a:schemeClr val="tx1"/>
+                      </a:solidFill>
+                      <a:prstDash val="solid"/>
+                      <a:round/>
+                      <a:headEnd type="none" w="med" len="med"/>
+                      <a:tailEnd type="none" w="med" len="med"/>
+                    </a:lnL>
+                    <a:lnR w="12700" cap="flat" cmpd="sng" algn="ctr">
+                      <a:solidFill>
+                        <a:schemeClr val="tx1"/>
+                      </a:solidFill>
+                      <a:prstDash val="solid"/>
+                      <a:round/>
+                      <a:headEnd type="none" w="med" len="med"/>
+                      <a:tailEnd type="none" w="med" len="med"/>
+                    </a:lnR>
+                    <a:lnT w="12700" cap="flat" cmpd="sng" algn="ctr">
+                      <a:solidFill>
+                        <a:schemeClr val="tx1"/>
+                      </a:solidFill>
+                      <a:prstDash val="solid"/>
+                      <a:round/>
+                      <a:headEnd type="none" w="med" len="med"/>
+                      <a:tailEnd type="none" w="med" len="med"/>
+                    </a:lnT>
+                    <a:lnB w="12700" cap="flat" cmpd="sng" algn="ctr">
+                      <a:solidFill>
+                        <a:schemeClr val="tx1"/>
+                      </a:solidFill>
+                      <a:prstDash val="solid"/>
+                      <a:round/>
+                      <a:headEnd type="none" w="med" len="med"/>
+                      <a:tailEnd type="none" w="med" len="med"/>
+                    </a:lnB>
+                    <a:solidFill>
+                      <a:schemeClr val="bg1"/>
+                    </a:solidFill>
+                  </a:tcPr>
+                </a:tc>
+                <a:tc>
+                  <a:txBody>
+                    <a:bodyPr/>
+                    <a:lstStyle/>
+                    <a:p>
+                      <a:pPr algn="ctr"/>
+                      <a:r>
+                        <a:rPr lang="en-US" dirty="0" smtClean="0">
+                          <a:latin typeface="Times New Roman" panose="02020603050405020304" pitchFamily="18" charset="0"/>
+                          <a:cs typeface="Times New Roman" panose="02020603050405020304" pitchFamily="18" charset="0"/>
+                        </a:rPr>
+                        <a:t>Incorrect Confirm</a:t>
+                      </a:r>
+                    </a:p>
+                    <a:p>
+                      <a:pPr algn="ctr"/>
+                      <a:r>
+                        <a:rPr lang="en-US" dirty="0" smtClean="0">
+                          <a:latin typeface="Times New Roman" panose="02020603050405020304" pitchFamily="18" charset="0"/>
+                          <a:cs typeface="Times New Roman" panose="02020603050405020304" pitchFamily="18" charset="0"/>
+                        </a:rPr>
+                        <a:t>Password in </a:t>
+                      </a:r>
+                      <a:r>
+                        <a:rPr lang="en-US" dirty="0" err="1" smtClean="0">
+                          <a:latin typeface="Times New Roman" panose="02020603050405020304" pitchFamily="18" charset="0"/>
+                          <a:cs typeface="Times New Roman" panose="02020603050405020304" pitchFamily="18" charset="0"/>
+                        </a:rPr>
+                        <a:t>SignUp</a:t>
+                      </a:r>
+                      <a:endParaRPr lang="en-US" dirty="0">
+                        <a:latin typeface="Times New Roman" panose="02020603050405020304" pitchFamily="18" charset="0"/>
+                        <a:cs typeface="Times New Roman" panose="02020603050405020304" pitchFamily="18" charset="0"/>
+                      </a:endParaRPr>
+                    </a:p>
+                  </a:txBody>
+                  <a:tcPr>
+                    <a:lnL w="12700" cap="flat" cmpd="sng" algn="ctr">
+                      <a:solidFill>
+                        <a:schemeClr val="tx1"/>
+                      </a:solidFill>
+                      <a:prstDash val="solid"/>
+                      <a:round/>
+                      <a:headEnd type="none" w="med" len="med"/>
+                      <a:tailEnd type="none" w="med" len="med"/>
+                    </a:lnL>
+                    <a:lnR w="12700" cap="flat" cmpd="sng" algn="ctr">
+                      <a:solidFill>
+                        <a:schemeClr val="tx1"/>
+                      </a:solidFill>
+                      <a:prstDash val="solid"/>
+                      <a:round/>
+                      <a:headEnd type="none" w="med" len="med"/>
+                      <a:tailEnd type="none" w="med" len="med"/>
+                    </a:lnR>
+                    <a:lnT w="12700" cap="flat" cmpd="sng" algn="ctr">
+                      <a:solidFill>
+                        <a:schemeClr val="tx1"/>
+                      </a:solidFill>
+                      <a:prstDash val="solid"/>
+                      <a:round/>
+                      <a:headEnd type="none" w="med" len="med"/>
+                      <a:tailEnd type="none" w="med" len="med"/>
+                    </a:lnT>
+                    <a:lnB w="12700" cap="flat" cmpd="sng" algn="ctr">
+                      <a:solidFill>
+                        <a:schemeClr val="tx1"/>
+                      </a:solidFill>
+                      <a:prstDash val="solid"/>
+                      <a:round/>
+                      <a:headEnd type="none" w="med" len="med"/>
+                      <a:tailEnd type="none" w="med" len="med"/>
+                    </a:lnB>
+                    <a:solidFill>
+                      <a:schemeClr val="bg1"/>
+                    </a:solidFill>
+                  </a:tcPr>
+                </a:tc>
+                <a:tc>
+                  <a:txBody>
+                    <a:bodyPr/>
+                    <a:lstStyle/>
+                    <a:p>
+                      <a:pPr algn="ctr"/>
+                      <a:r>
+                        <a:rPr lang="en-US" dirty="0" err="1" smtClean="0">
+                          <a:latin typeface="Times New Roman" panose="02020603050405020304" pitchFamily="18" charset="0"/>
+                          <a:cs typeface="Times New Roman" panose="02020603050405020304" pitchFamily="18" charset="0"/>
+                        </a:rPr>
+                        <a:t>Email:test@gmail.com</a:t>
+                      </a:r>
+                      <a:endParaRPr lang="en-US" dirty="0" smtClean="0">
+                        <a:latin typeface="Times New Roman" panose="02020603050405020304" pitchFamily="18" charset="0"/>
+                        <a:cs typeface="Times New Roman" panose="02020603050405020304" pitchFamily="18" charset="0"/>
+                      </a:endParaRPr>
+                    </a:p>
+                    <a:p>
+                      <a:pPr algn="ctr"/>
+                      <a:r>
+                        <a:rPr lang="en-US" dirty="0" smtClean="0">
+                          <a:latin typeface="Times New Roman" panose="02020603050405020304" pitchFamily="18" charset="0"/>
+                          <a:cs typeface="Times New Roman" panose="02020603050405020304" pitchFamily="18" charset="0"/>
+                        </a:rPr>
+                        <a:t>Password:12345679</a:t>
+                      </a:r>
+                    </a:p>
+                    <a:p>
+                      <a:pPr algn="ctr"/>
+                      <a:r>
+                        <a:rPr lang="en-US" dirty="0" smtClean="0">
+                          <a:latin typeface="Times New Roman" panose="02020603050405020304" pitchFamily="18" charset="0"/>
+                          <a:cs typeface="Times New Roman" panose="02020603050405020304" pitchFamily="18" charset="0"/>
+                        </a:rPr>
+                        <a:t>Password:12345678</a:t>
+                      </a:r>
+                      <a:endParaRPr lang="en-US" dirty="0">
+                        <a:latin typeface="Times New Roman" panose="02020603050405020304" pitchFamily="18" charset="0"/>
+                        <a:cs typeface="Times New Roman" panose="02020603050405020304" pitchFamily="18" charset="0"/>
+                      </a:endParaRPr>
+                    </a:p>
+                  </a:txBody>
+                  <a:tcPr>
+                    <a:lnL w="12700" cap="flat" cmpd="sng" algn="ctr">
+                      <a:solidFill>
+                        <a:schemeClr val="tx1"/>
+                      </a:solidFill>
+                      <a:prstDash val="solid"/>
+                      <a:round/>
+                      <a:headEnd type="none" w="med" len="med"/>
+                      <a:tailEnd type="none" w="med" len="med"/>
+                    </a:lnL>
+                    <a:lnR w="12700" cap="flat" cmpd="sng" algn="ctr">
+                      <a:solidFill>
+                        <a:schemeClr val="tx1"/>
+                      </a:solidFill>
+                      <a:prstDash val="solid"/>
+                      <a:round/>
+                      <a:headEnd type="none" w="med" len="med"/>
+                      <a:tailEnd type="none" w="med" len="med"/>
+                    </a:lnR>
+                    <a:lnT w="12700" cap="flat" cmpd="sng" algn="ctr">
+                      <a:solidFill>
+                        <a:schemeClr val="tx1"/>
+                      </a:solidFill>
+                      <a:prstDash val="solid"/>
+                      <a:round/>
+                      <a:headEnd type="none" w="med" len="med"/>
+                      <a:tailEnd type="none" w="med" len="med"/>
+                    </a:lnT>
+                    <a:lnB w="12700" cap="flat" cmpd="sng" algn="ctr">
+                      <a:solidFill>
+                        <a:schemeClr val="tx1"/>
+                      </a:solidFill>
+                      <a:prstDash val="solid"/>
+                      <a:round/>
+                      <a:headEnd type="none" w="med" len="med"/>
+                      <a:tailEnd type="none" w="med" len="med"/>
+                    </a:lnB>
+                    <a:solidFill>
+                      <a:schemeClr val="bg1"/>
+                    </a:solidFill>
+                  </a:tcPr>
+                </a:tc>
+                <a:tc>
+                  <a:txBody>
+                    <a:bodyPr/>
+                    <a:lstStyle/>
+                    <a:p>
+                      <a:pPr algn="ctr"/>
+                      <a:r>
+                        <a:rPr lang="en-US" dirty="0" smtClean="0">
+                          <a:latin typeface="Times New Roman" panose="02020603050405020304" pitchFamily="18" charset="0"/>
+                          <a:cs typeface="Times New Roman" panose="02020603050405020304" pitchFamily="18" charset="0"/>
+                        </a:rPr>
+                        <a:t>Enter Same Password</a:t>
+                      </a:r>
+                      <a:endParaRPr lang="en-US" dirty="0">
+                        <a:latin typeface="Times New Roman" panose="02020603050405020304" pitchFamily="18" charset="0"/>
+                        <a:cs typeface="Times New Roman" panose="02020603050405020304" pitchFamily="18" charset="0"/>
+                      </a:endParaRPr>
+                    </a:p>
+                  </a:txBody>
+                  <a:tcPr>
+                    <a:lnL w="12700" cap="flat" cmpd="sng" algn="ctr">
+                      <a:solidFill>
+                        <a:schemeClr val="tx1"/>
+                      </a:solidFill>
+                      <a:prstDash val="solid"/>
+                      <a:round/>
+                      <a:headEnd type="none" w="med" len="med"/>
+                      <a:tailEnd type="none" w="med" len="med"/>
+                    </a:lnL>
+                    <a:lnR w="12700" cap="flat" cmpd="sng" algn="ctr">
+                      <a:solidFill>
+                        <a:schemeClr val="tx1"/>
+                      </a:solidFill>
+                      <a:prstDash val="solid"/>
+                      <a:round/>
+                      <a:headEnd type="none" w="med" len="med"/>
+                      <a:tailEnd type="none" w="med" len="med"/>
+                    </a:lnR>
+                    <a:lnT w="12700" cap="flat" cmpd="sng" algn="ctr">
+                      <a:solidFill>
+                        <a:schemeClr val="tx1"/>
+                      </a:solidFill>
+                      <a:prstDash val="solid"/>
+                      <a:round/>
+                      <a:headEnd type="none" w="med" len="med"/>
+                      <a:tailEnd type="none" w="med" len="med"/>
+                    </a:lnT>
+                    <a:lnB w="12700" cap="flat" cmpd="sng" algn="ctr">
+                      <a:solidFill>
+                        <a:schemeClr val="tx1"/>
+                      </a:solidFill>
+                      <a:prstDash val="solid"/>
+                      <a:round/>
+                      <a:headEnd type="none" w="med" len="med"/>
+                      <a:tailEnd type="none" w="med" len="med"/>
+                    </a:lnB>
+                    <a:solidFill>
+                      <a:schemeClr val="bg1"/>
+                    </a:solidFill>
+                  </a:tcPr>
+                </a:tc>
+              </a:tr>
+              <a:tr h="370840">
+                <a:tc>
+                  <a:txBody>
+                    <a:bodyPr/>
+                    <a:lstStyle/>
+                    <a:p>
+                      <a:pPr algn="ctr"/>
+                      <a:r>
+                        <a:rPr lang="en-US" dirty="0" smtClean="0">
+                          <a:latin typeface="Times New Roman" panose="02020603050405020304" pitchFamily="18" charset="0"/>
+                          <a:cs typeface="Times New Roman" panose="02020603050405020304" pitchFamily="18" charset="0"/>
+                        </a:rPr>
+                        <a:t>3</a:t>
+                      </a:r>
+                      <a:endParaRPr lang="en-US" dirty="0">
+                        <a:latin typeface="Times New Roman" panose="02020603050405020304" pitchFamily="18" charset="0"/>
+                        <a:cs typeface="Times New Roman" panose="02020603050405020304" pitchFamily="18" charset="0"/>
+                      </a:endParaRPr>
+                    </a:p>
+                  </a:txBody>
+                  <a:tcPr>
+                    <a:lnL w="12700" cap="flat" cmpd="sng" algn="ctr">
+                      <a:solidFill>
+                        <a:schemeClr val="tx1"/>
+                      </a:solidFill>
+                      <a:prstDash val="solid"/>
+                      <a:round/>
+                      <a:headEnd type="none" w="med" len="med"/>
+                      <a:tailEnd type="none" w="med" len="med"/>
+                    </a:lnL>
+                    <a:lnR w="12700" cap="flat" cmpd="sng" algn="ctr">
+                      <a:solidFill>
+                        <a:schemeClr val="tx1"/>
+                      </a:solidFill>
+                      <a:prstDash val="solid"/>
+                      <a:round/>
+                      <a:headEnd type="none" w="med" len="med"/>
+                      <a:tailEnd type="none" w="med" len="med"/>
+                    </a:lnR>
+                    <a:lnT w="12700" cap="flat" cmpd="sng" algn="ctr">
+                      <a:solidFill>
+                        <a:schemeClr val="tx1"/>
+                      </a:solidFill>
+                      <a:prstDash val="solid"/>
+                      <a:round/>
+                      <a:headEnd type="none" w="med" len="med"/>
+                      <a:tailEnd type="none" w="med" len="med"/>
+                    </a:lnT>
+                    <a:lnB w="12700" cap="flat" cmpd="sng" algn="ctr">
+                      <a:solidFill>
+                        <a:schemeClr val="tx1"/>
+                      </a:solidFill>
+                      <a:prstDash val="solid"/>
+                      <a:round/>
+                      <a:headEnd type="none" w="med" len="med"/>
+                      <a:tailEnd type="none" w="med" len="med"/>
+                    </a:lnB>
+                    <a:solidFill>
+                      <a:schemeClr val="bg1"/>
+                    </a:solidFill>
+                  </a:tcPr>
+                </a:tc>
+                <a:tc>
+                  <a:txBody>
+                    <a:bodyPr/>
+                    <a:lstStyle/>
+                    <a:p>
+                      <a:pPr algn="ctr"/>
+                      <a:r>
+                        <a:rPr lang="en-US" dirty="0" smtClean="0">
+                          <a:latin typeface="Times New Roman" panose="02020603050405020304" pitchFamily="18" charset="0"/>
+                          <a:cs typeface="Times New Roman" panose="02020603050405020304" pitchFamily="18" charset="0"/>
+                        </a:rPr>
+                        <a:t>Correct Credentials In</a:t>
+                      </a:r>
+                    </a:p>
+                    <a:p>
+                      <a:pPr algn="ctr"/>
+                      <a:r>
+                        <a:rPr lang="en-US" dirty="0" smtClean="0">
+                          <a:latin typeface="Times New Roman" panose="02020603050405020304" pitchFamily="18" charset="0"/>
+                          <a:cs typeface="Times New Roman" panose="02020603050405020304" pitchFamily="18" charset="0"/>
+                        </a:rPr>
+                        <a:t>Login</a:t>
+                      </a:r>
+                      <a:endParaRPr lang="en-US" dirty="0">
+                        <a:latin typeface="Times New Roman" panose="02020603050405020304" pitchFamily="18" charset="0"/>
+                        <a:cs typeface="Times New Roman" panose="02020603050405020304" pitchFamily="18" charset="0"/>
+                      </a:endParaRPr>
+                    </a:p>
+                  </a:txBody>
+                  <a:tcPr>
+                    <a:lnL w="12700" cap="flat" cmpd="sng" algn="ctr">
+                      <a:solidFill>
+                        <a:schemeClr val="tx1"/>
+                      </a:solidFill>
+                      <a:prstDash val="solid"/>
+                      <a:round/>
+                      <a:headEnd type="none" w="med" len="med"/>
+                      <a:tailEnd type="none" w="med" len="med"/>
+                    </a:lnL>
+                    <a:lnR w="12700" cap="flat" cmpd="sng" algn="ctr">
+                      <a:solidFill>
+                        <a:schemeClr val="tx1"/>
+                      </a:solidFill>
+                      <a:prstDash val="solid"/>
+                      <a:round/>
+                      <a:headEnd type="none" w="med" len="med"/>
+                      <a:tailEnd type="none" w="med" len="med"/>
+                    </a:lnR>
+                    <a:lnT w="12700" cap="flat" cmpd="sng" algn="ctr">
+                      <a:solidFill>
+                        <a:schemeClr val="tx1"/>
+                      </a:solidFill>
+                      <a:prstDash val="solid"/>
+                      <a:round/>
+                      <a:headEnd type="none" w="med" len="med"/>
+                      <a:tailEnd type="none" w="med" len="med"/>
+                    </a:lnT>
+                    <a:lnB w="12700" cap="flat" cmpd="sng" algn="ctr">
+                      <a:solidFill>
+                        <a:schemeClr val="tx1"/>
+                      </a:solidFill>
+                      <a:prstDash val="solid"/>
+                      <a:round/>
+                      <a:headEnd type="none" w="med" len="med"/>
+                      <a:tailEnd type="none" w="med" len="med"/>
+                    </a:lnB>
+                    <a:solidFill>
+                      <a:schemeClr val="bg1"/>
+                    </a:solidFill>
+                  </a:tcPr>
+                </a:tc>
+                <a:tc>
+                  <a:txBody>
+                    <a:bodyPr/>
+                    <a:lstStyle/>
+                    <a:p>
+                      <a:pPr algn="ctr"/>
+                      <a:r>
+                        <a:rPr lang="en-US" dirty="0" err="1" smtClean="0">
+                          <a:latin typeface="Times New Roman" panose="02020603050405020304" pitchFamily="18" charset="0"/>
+                          <a:cs typeface="Times New Roman" panose="02020603050405020304" pitchFamily="18" charset="0"/>
+                        </a:rPr>
+                        <a:t>Email:test@gmail.com</a:t>
+                      </a:r>
+                      <a:endParaRPr lang="en-US" dirty="0" smtClean="0">
+                        <a:latin typeface="Times New Roman" panose="02020603050405020304" pitchFamily="18" charset="0"/>
+                        <a:cs typeface="Times New Roman" panose="02020603050405020304" pitchFamily="18" charset="0"/>
+                      </a:endParaRPr>
+                    </a:p>
+                    <a:p>
+                      <a:pPr algn="ctr"/>
+                      <a:r>
+                        <a:rPr lang="en-US" dirty="0" smtClean="0">
+                          <a:latin typeface="Times New Roman" panose="02020603050405020304" pitchFamily="18" charset="0"/>
+                          <a:cs typeface="Times New Roman" panose="02020603050405020304" pitchFamily="18" charset="0"/>
+                        </a:rPr>
+                        <a:t>Password:12345679</a:t>
+                      </a:r>
+                      <a:endParaRPr lang="en-US" dirty="0">
+                        <a:latin typeface="Times New Roman" panose="02020603050405020304" pitchFamily="18" charset="0"/>
+                        <a:cs typeface="Times New Roman" panose="02020603050405020304" pitchFamily="18" charset="0"/>
+                      </a:endParaRPr>
+                    </a:p>
+                  </a:txBody>
+                  <a:tcPr>
+                    <a:lnL w="12700" cap="flat" cmpd="sng" algn="ctr">
+                      <a:solidFill>
+                        <a:schemeClr val="tx1"/>
+                      </a:solidFill>
+                      <a:prstDash val="solid"/>
+                      <a:round/>
+                      <a:headEnd type="none" w="med" len="med"/>
+                      <a:tailEnd type="none" w="med" len="med"/>
+                    </a:lnL>
+                    <a:lnR w="12700" cap="flat" cmpd="sng" algn="ctr">
+                      <a:solidFill>
+                        <a:schemeClr val="tx1"/>
+                      </a:solidFill>
+                      <a:prstDash val="solid"/>
+                      <a:round/>
+                      <a:headEnd type="none" w="med" len="med"/>
+                      <a:tailEnd type="none" w="med" len="med"/>
+                    </a:lnR>
+                    <a:lnT w="12700" cap="flat" cmpd="sng" algn="ctr">
+                      <a:solidFill>
+                        <a:schemeClr val="tx1"/>
+                      </a:solidFill>
+                      <a:prstDash val="solid"/>
+                      <a:round/>
+                      <a:headEnd type="none" w="med" len="med"/>
+                      <a:tailEnd type="none" w="med" len="med"/>
+                    </a:lnT>
+                    <a:lnB w="12700" cap="flat" cmpd="sng" algn="ctr">
+                      <a:solidFill>
+                        <a:schemeClr val="tx1"/>
+                      </a:solidFill>
+                      <a:prstDash val="solid"/>
+                      <a:round/>
+                      <a:headEnd type="none" w="med" len="med"/>
+                      <a:tailEnd type="none" w="med" len="med"/>
+                    </a:lnB>
+                    <a:solidFill>
+                      <a:schemeClr val="bg1"/>
+                    </a:solidFill>
+                  </a:tcPr>
+                </a:tc>
+                <a:tc>
+                  <a:txBody>
+                    <a:bodyPr/>
+                    <a:lstStyle/>
+                    <a:p>
+                      <a:pPr algn="ctr"/>
+                      <a:r>
+                        <a:rPr lang="en-US" dirty="0" smtClean="0">
+                          <a:latin typeface="Times New Roman" panose="02020603050405020304" pitchFamily="18" charset="0"/>
+                          <a:cs typeface="Times New Roman" panose="02020603050405020304" pitchFamily="18" charset="0"/>
+                        </a:rPr>
+                        <a:t>Redirects to homepage</a:t>
+                      </a:r>
+                      <a:endParaRPr lang="en-US" dirty="0">
+                        <a:latin typeface="Times New Roman" panose="02020603050405020304" pitchFamily="18" charset="0"/>
+                        <a:cs typeface="Times New Roman" panose="02020603050405020304" pitchFamily="18" charset="0"/>
+                      </a:endParaRPr>
+                    </a:p>
+                  </a:txBody>
+                  <a:tcPr>
+                    <a:lnL w="12700" cap="flat" cmpd="sng" algn="ctr">
+                      <a:solidFill>
+                        <a:schemeClr val="tx1"/>
+                      </a:solidFill>
+                      <a:prstDash val="solid"/>
+                      <a:round/>
+                      <a:headEnd type="none" w="med" len="med"/>
+                      <a:tailEnd type="none" w="med" len="med"/>
+                    </a:lnL>
+                    <a:lnR w="12700" cap="flat" cmpd="sng" algn="ctr">
+                      <a:solidFill>
+                        <a:schemeClr val="tx1"/>
+                      </a:solidFill>
+                      <a:prstDash val="solid"/>
+                      <a:round/>
+                      <a:headEnd type="none" w="med" len="med"/>
+                      <a:tailEnd type="none" w="med" len="med"/>
+                    </a:lnR>
+                    <a:lnT w="12700" cap="flat" cmpd="sng" algn="ctr">
+                      <a:solidFill>
+                        <a:schemeClr val="tx1"/>
+                      </a:solidFill>
+                      <a:prstDash val="solid"/>
+                      <a:round/>
+                      <a:headEnd type="none" w="med" len="med"/>
+                      <a:tailEnd type="none" w="med" len="med"/>
+                    </a:lnT>
+                    <a:lnB w="12700" cap="flat" cmpd="sng" algn="ctr">
+                      <a:solidFill>
+                        <a:schemeClr val="tx1"/>
+                      </a:solidFill>
+                      <a:prstDash val="solid"/>
+                      <a:round/>
+                      <a:headEnd type="none" w="med" len="med"/>
+                      <a:tailEnd type="none" w="med" len="med"/>
+                    </a:lnB>
+                    <a:solidFill>
+                      <a:schemeClr val="bg1"/>
+                    </a:solidFill>
+                  </a:tcPr>
+                </a:tc>
+              </a:tr>
+            </a:tbl>
+          </a:graphicData>
+        </a:graphic>
+      </p:graphicFrame>
+      <p:sp>
+        <p:nvSpPr>
+          <p:cNvPr id="4" name="Date Placeholder 3"/>
+          <p:cNvSpPr>
+            <a:spLocks noGrp="1"/>
+          </p:cNvSpPr>
+          <p:nvPr>
+            <p:ph type="dt" sz="half" idx="10"/>
+          </p:nvPr>
+        </p:nvSpPr>
+        <p:spPr/>
+        <p:txBody>
+          <a:bodyPr/>
+          <a:lstStyle/>
+          <a:p>
+            <a:fld id="{61066859-9ABD-47EE-A13A-7683241B4E0D}" type="datetime1">
+              <a:rPr lang="en-US" smtClean="0"/>
+              <a:t>8/23/2023</a:t>
+            </a:fld>
+            <a:endParaRPr lang="en-US"/>
+          </a:p>
+        </p:txBody>
+      </p:sp>
+      <p:sp>
+        <p:nvSpPr>
+          <p:cNvPr id="5" name="Slide Number Placeholder 4"/>
+          <p:cNvSpPr>
+            <a:spLocks noGrp="1"/>
+          </p:cNvSpPr>
+          <p:nvPr>
+            <p:ph type="sldNum" sz="quarter" idx="12"/>
+          </p:nvPr>
+        </p:nvSpPr>
+        <p:spPr/>
+        <p:txBody>
+          <a:bodyPr/>
+          <a:lstStyle/>
+          <a:p>
+            <a:fld id="{EC5C04CC-AAE0-4DA8-BE54-D7078AB31EEA}" type="slidenum">
+              <a:rPr lang="en-US" smtClean="0"/>
+              <a:t>13</a:t>
+            </a:fld>
+            <a:endParaRPr lang="en-US"/>
+          </a:p>
+        </p:txBody>
+      </p:sp>
+    </p:spTree>
+    <p:extLst>
+      <p:ext uri="{BB962C8B-B14F-4D97-AF65-F5344CB8AC3E}">
+        <p14:creationId xmlns:p14="http://schemas.microsoft.com/office/powerpoint/2010/main" val="1952704334"/>
+      </p:ext>
+    </p:extLst>
+  </p:cSld>
+  <p:clrMapOvr>
+    <a:masterClrMapping/>
+  </p:clrMapOvr>
+</p:sld>
+</file>
+
+<file path=ppt/slides/slide15.xml><?xml version="1.0" encoding="utf-8"?>
+<p:sld xmlns:a="http://schemas.openxmlformats.org/drawingml/2006/main" xmlns:r="http://schemas.openxmlformats.org/officeDocument/2006/relationships" xmlns:p="http://schemas.openxmlformats.org/presentationml/2006/main">
+  <p:cSld>
+    <p:spTree>
+      <p:nvGrpSpPr>
+        <p:cNvPr id="1" name=""/>
+        <p:cNvGrpSpPr/>
+        <p:nvPr/>
+      </p:nvGrpSpPr>
+      <p:grpSpPr>
+        <a:xfrm>
+          <a:off x="0" y="0"/>
+          <a:ext cx="0" cy="0"/>
+          <a:chOff x="0" y="0"/>
+          <a:chExt cx="0" cy="0"/>
+        </a:xfrm>
+      </p:grpSpPr>
+      <p:sp>
+        <p:nvSpPr>
+          <p:cNvPr id="2" name="Title 1"/>
+          <p:cNvSpPr>
+            <a:spLocks noGrp="1"/>
+          </p:cNvSpPr>
+          <p:nvPr>
+            <p:ph type="title"/>
+          </p:nvPr>
+        </p:nvSpPr>
+        <p:spPr/>
+        <p:txBody>
+          <a:bodyPr/>
+          <a:lstStyle/>
+          <a:p>
+            <a:r>
+              <a:rPr lang="en-US" dirty="0" smtClean="0">
+                <a:latin typeface="Times New Roman" panose="02020603050405020304" pitchFamily="18" charset="0"/>
+                <a:cs typeface="Times New Roman" panose="02020603050405020304" pitchFamily="18" charset="0"/>
+              </a:rPr>
+              <a:t>System Design (Architecture)</a:t>
+            </a:r>
+            <a:endParaRPr lang="en-US" dirty="0">
+              <a:latin typeface="Times New Roman" panose="02020603050405020304" pitchFamily="18" charset="0"/>
+              <a:cs typeface="Times New Roman" panose="02020603050405020304" pitchFamily="18" charset="0"/>
+            </a:endParaRPr>
+          </a:p>
+        </p:txBody>
+      </p:sp>
+      <p:sp>
+        <p:nvSpPr>
+          <p:cNvPr id="4" name="Date Placeholder 3"/>
+          <p:cNvSpPr>
+            <a:spLocks noGrp="1"/>
+          </p:cNvSpPr>
+          <p:nvPr>
+            <p:ph type="dt" sz="half" idx="10"/>
+          </p:nvPr>
+        </p:nvSpPr>
+        <p:spPr/>
+        <p:txBody>
+          <a:bodyPr/>
+          <a:lstStyle/>
+          <a:p>
+            <a:fld id="{61066859-9ABD-47EE-A13A-7683241B4E0D}" type="datetime1">
+              <a:rPr lang="en-US" smtClean="0"/>
+              <a:t>8/23/2023</a:t>
+            </a:fld>
+            <a:endParaRPr lang="en-US"/>
+          </a:p>
+        </p:txBody>
+      </p:sp>
+      <p:sp>
+        <p:nvSpPr>
+          <p:cNvPr id="5" name="Slide Number Placeholder 4"/>
+          <p:cNvSpPr>
+            <a:spLocks noGrp="1"/>
+          </p:cNvSpPr>
+          <p:nvPr>
+            <p:ph type="sldNum" sz="quarter" idx="12"/>
+          </p:nvPr>
+        </p:nvSpPr>
+        <p:spPr/>
+        <p:txBody>
+          <a:bodyPr/>
+          <a:lstStyle/>
+          <a:p>
+            <a:fld id="{EC5C04CC-AAE0-4DA8-BE54-D7078AB31EEA}" type="slidenum">
+              <a:rPr lang="en-US" smtClean="0"/>
+              <a:t>14</a:t>
+            </a:fld>
+            <a:endParaRPr lang="en-US"/>
+          </a:p>
+        </p:txBody>
+      </p:sp>
+      <p:pic>
+        <p:nvPicPr>
+          <p:cNvPr id="7" name="Content Placeholder 6"/>
+          <p:cNvPicPr>
+            <a:picLocks noGrp="1" noChangeAspect="1"/>
+          </p:cNvPicPr>
+          <p:nvPr>
+            <p:ph idx="1"/>
+          </p:nvPr>
+        </p:nvPicPr>
+        <p:blipFill>
+          <a:blip r:embed="rId2">
+            <a:extLst>
+              <a:ext uri="{28A0092B-C50C-407E-A947-70E740481C1C}">
+                <a14:useLocalDpi xmlns:a14="http://schemas.microsoft.com/office/drawing/2010/main" val="0"/>
+              </a:ext>
+            </a:extLst>
+          </a:blip>
+          <a:stretch>
+            <a:fillRect/>
+          </a:stretch>
+        </p:blipFill>
+        <p:spPr>
+          <a:xfrm>
+            <a:off x="3662362" y="2663031"/>
+            <a:ext cx="4867275" cy="2676525"/>
+          </a:xfrm>
+        </p:spPr>
+      </p:pic>
+    </p:spTree>
+    <p:extLst>
+      <p:ext uri="{BB962C8B-B14F-4D97-AF65-F5344CB8AC3E}">
+        <p14:creationId xmlns:p14="http://schemas.microsoft.com/office/powerpoint/2010/main" val="3023833490"/>
+      </p:ext>
+    </p:extLst>
+  </p:cSld>
+  <p:clrMapOvr>
+    <a:masterClrMapping/>
+  </p:clrMapOvr>
+  <p:timing>
+    <p:tnLst>
+      <p:par>
+        <p:cTn id="1" dur="indefinite" restart="never" nodeType="tmRoot"/>
+      </p:par>
+    </p:tnLst>
+  </p:timing>
+</p:sld>
+</file>
+
+<file path=ppt/slides/slide16.xml><?xml version="1.0" encoding="utf-8"?>
+<p:sld xmlns:a="http://schemas.openxmlformats.org/drawingml/2006/main" xmlns:r="http://schemas.openxmlformats.org/officeDocument/2006/relationships" xmlns:p="http://schemas.openxmlformats.org/presentationml/2006/main">
+  <p:cSld>
+    <p:spTree>
+      <p:nvGrpSpPr>
+        <p:cNvPr id="1" name=""/>
+        <p:cNvGrpSpPr/>
+        <p:nvPr/>
+      </p:nvGrpSpPr>
+      <p:grpSpPr>
+        <a:xfrm>
+          <a:off x="0" y="0"/>
+          <a:ext cx="0" cy="0"/>
+          <a:chOff x="0" y="0"/>
+          <a:chExt cx="0" cy="0"/>
+        </a:xfrm>
+      </p:grpSpPr>
+      <p:sp>
+        <p:nvSpPr>
+          <p:cNvPr id="2" name="Title 1"/>
+          <p:cNvSpPr>
+            <a:spLocks noGrp="1"/>
+          </p:cNvSpPr>
+          <p:nvPr>
+            <p:ph type="title"/>
+          </p:nvPr>
+        </p:nvSpPr>
+        <p:spPr/>
+        <p:txBody>
+          <a:bodyPr/>
+          <a:lstStyle/>
+          <a:p>
+            <a:r>
+              <a:rPr lang="en-US" dirty="0" smtClean="0">
+                <a:latin typeface="Times New Roman" panose="02020603050405020304" pitchFamily="18" charset="0"/>
+                <a:cs typeface="Times New Roman" panose="02020603050405020304" pitchFamily="18" charset="0"/>
+              </a:rPr>
+              <a:t>Physical DFD</a:t>
+            </a:r>
+            <a:endParaRPr lang="en-US" dirty="0">
+              <a:latin typeface="Times New Roman" panose="02020603050405020304" pitchFamily="18" charset="0"/>
+              <a:cs typeface="Times New Roman" panose="02020603050405020304" pitchFamily="18" charset="0"/>
+            </a:endParaRPr>
+          </a:p>
+        </p:txBody>
+      </p:sp>
+      <p:sp>
+        <p:nvSpPr>
+          <p:cNvPr id="4" name="Date Placeholder 3"/>
+          <p:cNvSpPr>
+            <a:spLocks noGrp="1"/>
+          </p:cNvSpPr>
+          <p:nvPr>
+            <p:ph type="dt" sz="half" idx="10"/>
+          </p:nvPr>
+        </p:nvSpPr>
+        <p:spPr/>
+        <p:txBody>
+          <a:bodyPr/>
+          <a:lstStyle/>
+          <a:p>
+            <a:fld id="{61066859-9ABD-47EE-A13A-7683241B4E0D}" type="datetime1">
+              <a:rPr lang="en-US" smtClean="0"/>
+              <a:t>8/23/2023</a:t>
+            </a:fld>
+            <a:endParaRPr lang="en-US"/>
+          </a:p>
+        </p:txBody>
+      </p:sp>
+      <p:sp>
+        <p:nvSpPr>
+          <p:cNvPr id="5" name="Slide Number Placeholder 4"/>
+          <p:cNvSpPr>
+            <a:spLocks noGrp="1"/>
+          </p:cNvSpPr>
+          <p:nvPr>
+            <p:ph type="sldNum" sz="quarter" idx="12"/>
+          </p:nvPr>
+        </p:nvSpPr>
+        <p:spPr/>
+        <p:txBody>
+          <a:bodyPr/>
+          <a:lstStyle/>
+          <a:p>
+            <a:fld id="{EC5C04CC-AAE0-4DA8-BE54-D7078AB31EEA}" type="slidenum">
+              <a:rPr lang="en-US" smtClean="0"/>
+              <a:t>15</a:t>
+            </a:fld>
+            <a:endParaRPr lang="en-US"/>
+          </a:p>
+        </p:txBody>
+      </p:sp>
+      <p:pic>
+        <p:nvPicPr>
+          <p:cNvPr id="7" name="Content Placeholder 6"/>
+          <p:cNvPicPr>
+            <a:picLocks noGrp="1" noChangeAspect="1"/>
+          </p:cNvPicPr>
+          <p:nvPr>
+            <p:ph idx="1"/>
+          </p:nvPr>
+        </p:nvPicPr>
+        <p:blipFill>
+          <a:blip r:embed="rId2">
+            <a:extLst>
+              <a:ext uri="{28A0092B-C50C-407E-A947-70E740481C1C}">
+                <a14:useLocalDpi xmlns:a14="http://schemas.microsoft.com/office/drawing/2010/main" val="0"/>
+              </a:ext>
+            </a:extLst>
+          </a:blip>
+          <a:stretch>
+            <a:fillRect/>
+          </a:stretch>
+        </p:blipFill>
+        <p:spPr>
+          <a:xfrm>
+            <a:off x="838200" y="1952787"/>
+            <a:ext cx="10456042" cy="3995787"/>
+          </a:xfrm>
+        </p:spPr>
+      </p:pic>
+    </p:spTree>
+    <p:extLst>
+      <p:ext uri="{BB962C8B-B14F-4D97-AF65-F5344CB8AC3E}">
+        <p14:creationId xmlns:p14="http://schemas.microsoft.com/office/powerpoint/2010/main" val="413944797"/>
+      </p:ext>
+    </p:extLst>
+  </p:cSld>
+  <p:clrMapOvr>
+    <a:masterClrMapping/>
+  </p:clrMapOvr>
+  <p:timing>
+    <p:tnLst>
+      <p:par>
+        <p:cTn id="1" dur="indefinite" restart="never" nodeType="tmRoot"/>
+      </p:par>
+    </p:tnLst>
+  </p:timing>
+</p:sld>
+</file>
+
+<file path=ppt/slides/slide17.xml><?xml version="1.0" encoding="utf-8"?>
+<p:sld xmlns:a="http://schemas.openxmlformats.org/drawingml/2006/main" xmlns:r="http://schemas.openxmlformats.org/officeDocument/2006/relationships" xmlns:p="http://schemas.openxmlformats.org/presentationml/2006/main">
+  <p:cSld>
+    <p:spTree>
+      <p:nvGrpSpPr>
+        <p:cNvPr id="1" name=""/>
+        <p:cNvGrpSpPr/>
+        <p:nvPr/>
+      </p:nvGrpSpPr>
+      <p:grpSpPr>
+        <a:xfrm>
+          <a:off x="0" y="0"/>
+          <a:ext cx="0" cy="0"/>
+          <a:chOff x="0" y="0"/>
+          <a:chExt cx="0" cy="0"/>
+        </a:xfrm>
+      </p:grpSpPr>
+      <p:sp>
+        <p:nvSpPr>
+          <p:cNvPr id="2" name="Title 1"/>
+          <p:cNvSpPr>
+            <a:spLocks noGrp="1"/>
+          </p:cNvSpPr>
+          <p:nvPr>
+            <p:ph type="title"/>
+          </p:nvPr>
+        </p:nvSpPr>
+        <p:spPr/>
+        <p:txBody>
+          <a:bodyPr/>
+          <a:lstStyle/>
+          <a:p>
+            <a:r>
+              <a:rPr lang="en-US" dirty="0" smtClean="0">
+                <a:latin typeface="Times New Roman" panose="02020603050405020304" pitchFamily="18" charset="0"/>
+                <a:cs typeface="Times New Roman" panose="02020603050405020304" pitchFamily="18" charset="0"/>
+              </a:rPr>
+              <a:t>Work Completed</a:t>
+            </a:r>
+            <a:endParaRPr lang="en-US" dirty="0">
+              <a:latin typeface="Times New Roman" panose="02020603050405020304" pitchFamily="18" charset="0"/>
+              <a:cs typeface="Times New Roman" panose="02020603050405020304" pitchFamily="18" charset="0"/>
+            </a:endParaRPr>
+          </a:p>
+        </p:txBody>
+      </p:sp>
+      <p:sp>
+        <p:nvSpPr>
+          <p:cNvPr id="3" name="Content Placeholder 2"/>
+          <p:cNvSpPr>
+            <a:spLocks noGrp="1"/>
+          </p:cNvSpPr>
+          <p:nvPr>
+            <p:ph idx="1"/>
+          </p:nvPr>
+        </p:nvSpPr>
+        <p:spPr/>
+        <p:txBody>
+          <a:bodyPr/>
+          <a:lstStyle/>
+          <a:p>
+            <a:r>
+              <a:rPr lang="en-US" dirty="0">
+                <a:latin typeface="Times New Roman" panose="02020603050405020304" pitchFamily="18" charset="0"/>
+                <a:cs typeface="Times New Roman" panose="02020603050405020304" pitchFamily="18" charset="0"/>
+              </a:rPr>
+              <a:t>Home </a:t>
+            </a:r>
+            <a:r>
+              <a:rPr lang="en-US" dirty="0" smtClean="0">
+                <a:latin typeface="Times New Roman" panose="02020603050405020304" pitchFamily="18" charset="0"/>
+                <a:cs typeface="Times New Roman" panose="02020603050405020304" pitchFamily="18" charset="0"/>
+              </a:rPr>
+              <a:t>Page</a:t>
+            </a:r>
+          </a:p>
+          <a:p>
+            <a:r>
+              <a:rPr lang="en-US" dirty="0" smtClean="0">
+                <a:latin typeface="Times New Roman" panose="02020603050405020304" pitchFamily="18" charset="0"/>
+                <a:cs typeface="Times New Roman" panose="02020603050405020304" pitchFamily="18" charset="0"/>
+              </a:rPr>
+              <a:t>Geek/Un-Geek</a:t>
+            </a:r>
+          </a:p>
+          <a:p>
+            <a:r>
+              <a:rPr lang="en-US" dirty="0" smtClean="0">
+                <a:latin typeface="Times New Roman" panose="02020603050405020304" pitchFamily="18" charset="0"/>
+                <a:cs typeface="Times New Roman" panose="02020603050405020304" pitchFamily="18" charset="0"/>
+              </a:rPr>
+              <a:t>Profile</a:t>
+            </a:r>
+          </a:p>
+          <a:p>
+            <a:r>
+              <a:rPr lang="en-US" dirty="0" smtClean="0">
+                <a:latin typeface="Times New Roman" panose="02020603050405020304" pitchFamily="18" charset="0"/>
+                <a:cs typeface="Times New Roman" panose="02020603050405020304" pitchFamily="18" charset="0"/>
+              </a:rPr>
+              <a:t>Messenger</a:t>
+            </a:r>
+          </a:p>
+          <a:p>
+            <a:r>
+              <a:rPr lang="en-US" dirty="0" smtClean="0">
+                <a:latin typeface="Times New Roman" panose="02020603050405020304" pitchFamily="18" charset="0"/>
+                <a:cs typeface="Times New Roman" panose="02020603050405020304" pitchFamily="18" charset="0"/>
+              </a:rPr>
+              <a:t>Search</a:t>
+            </a:r>
+          </a:p>
+        </p:txBody>
+      </p:sp>
+      <p:sp>
+        <p:nvSpPr>
+          <p:cNvPr id="4" name="Date Placeholder 3"/>
+          <p:cNvSpPr>
+            <a:spLocks noGrp="1"/>
+          </p:cNvSpPr>
+          <p:nvPr>
+            <p:ph type="dt" sz="half" idx="10"/>
+          </p:nvPr>
+        </p:nvSpPr>
+        <p:spPr/>
+        <p:txBody>
+          <a:bodyPr/>
+          <a:lstStyle/>
+          <a:p>
+            <a:fld id="{61066859-9ABD-47EE-A13A-7683241B4E0D}" type="datetime1">
+              <a:rPr lang="en-US" smtClean="0"/>
+              <a:t>8/23/2023</a:t>
+            </a:fld>
+            <a:endParaRPr lang="en-US"/>
+          </a:p>
+        </p:txBody>
+      </p:sp>
+      <p:sp>
+        <p:nvSpPr>
+          <p:cNvPr id="5" name="Slide Number Placeholder 4"/>
+          <p:cNvSpPr>
+            <a:spLocks noGrp="1"/>
+          </p:cNvSpPr>
+          <p:nvPr>
+            <p:ph type="sldNum" sz="quarter" idx="12"/>
+          </p:nvPr>
+        </p:nvSpPr>
+        <p:spPr/>
+        <p:txBody>
+          <a:bodyPr/>
+          <a:lstStyle/>
+          <a:p>
+            <a:fld id="{EC5C04CC-AAE0-4DA8-BE54-D7078AB31EEA}" type="slidenum">
+              <a:rPr lang="en-US" smtClean="0"/>
+              <a:t>16</a:t>
+            </a:fld>
+            <a:endParaRPr lang="en-US"/>
+          </a:p>
+        </p:txBody>
+      </p:sp>
+    </p:spTree>
+    <p:extLst>
+      <p:ext uri="{BB962C8B-B14F-4D97-AF65-F5344CB8AC3E}">
+        <p14:creationId xmlns:p14="http://schemas.microsoft.com/office/powerpoint/2010/main" val="4285458499"/>
+      </p:ext>
+    </p:extLst>
+  </p:cSld>
+  <p:clrMapOvr>
+    <a:masterClrMapping/>
+  </p:clrMapOvr>
+  <p:timing>
+    <p:tnLst>
+      <p:par>
+        <p:cTn id="1" dur="indefinite" restart="never" nodeType="tmRoot"/>
+      </p:par>
+    </p:tnLst>
+  </p:timing>
+</p:sld>
+</file>
+
+<file path=ppt/slides/slide18.xml><?xml version="1.0" encoding="utf-8"?>
+<p:sld xmlns:a="http://schemas.openxmlformats.org/drawingml/2006/main" xmlns:r="http://schemas.openxmlformats.org/officeDocument/2006/relationships" xmlns:p="http://schemas.openxmlformats.org/presentationml/2006/main">
+  <p:cSld>
+    <p:spTree>
+      <p:nvGrpSpPr>
+        <p:cNvPr id="1" name=""/>
+        <p:cNvGrpSpPr/>
+        <p:nvPr/>
+      </p:nvGrpSpPr>
+      <p:grpSpPr>
+        <a:xfrm>
+          <a:off x="0" y="0"/>
+          <a:ext cx="0" cy="0"/>
+          <a:chOff x="0" y="0"/>
+          <a:chExt cx="0" cy="0"/>
+        </a:xfrm>
+      </p:grpSpPr>
+      <p:sp>
+        <p:nvSpPr>
+          <p:cNvPr id="2" name="Title 1"/>
+          <p:cNvSpPr>
+            <a:spLocks noGrp="1"/>
+          </p:cNvSpPr>
+          <p:nvPr>
+            <p:ph type="title"/>
+          </p:nvPr>
+        </p:nvSpPr>
+        <p:spPr/>
+        <p:txBody>
+          <a:bodyPr/>
+          <a:lstStyle/>
+          <a:p>
+            <a:r>
+              <a:rPr lang="en-US" dirty="0" smtClean="0">
+                <a:latin typeface="Times New Roman" panose="02020603050405020304" pitchFamily="18" charset="0"/>
+                <a:cs typeface="Times New Roman" panose="02020603050405020304" pitchFamily="18" charset="0"/>
+              </a:rPr>
+              <a:t>Contd..</a:t>
+            </a:r>
+            <a:endParaRPr lang="en-US" dirty="0">
+              <a:latin typeface="Times New Roman" panose="02020603050405020304" pitchFamily="18" charset="0"/>
+              <a:cs typeface="Times New Roman" panose="02020603050405020304" pitchFamily="18" charset="0"/>
+            </a:endParaRPr>
+          </a:p>
+        </p:txBody>
+      </p:sp>
+      <p:sp>
+        <p:nvSpPr>
+          <p:cNvPr id="3" name="Content Placeholder 2"/>
+          <p:cNvSpPr>
+            <a:spLocks noGrp="1"/>
+          </p:cNvSpPr>
+          <p:nvPr>
+            <p:ph idx="1"/>
+          </p:nvPr>
+        </p:nvSpPr>
+        <p:spPr/>
+        <p:txBody>
+          <a:bodyPr/>
+          <a:lstStyle/>
+          <a:p>
+            <a:r>
+              <a:rPr lang="en-US" dirty="0" smtClean="0">
+                <a:latin typeface="Times New Roman" panose="02020603050405020304" pitchFamily="18" charset="0"/>
+                <a:cs typeface="Times New Roman" panose="02020603050405020304" pitchFamily="18" charset="0"/>
+              </a:rPr>
+              <a:t>Connection Management</a:t>
+            </a:r>
+          </a:p>
+          <a:p>
+            <a:r>
+              <a:rPr lang="en-US" dirty="0">
+                <a:latin typeface="Times New Roman" panose="02020603050405020304" pitchFamily="18" charset="0"/>
+                <a:cs typeface="Times New Roman" panose="02020603050405020304" pitchFamily="18" charset="0"/>
+              </a:rPr>
+              <a:t>Notification</a:t>
+            </a:r>
+          </a:p>
+          <a:p>
+            <a:r>
+              <a:rPr lang="en-US" dirty="0" smtClean="0">
+                <a:latin typeface="Times New Roman" panose="02020603050405020304" pitchFamily="18" charset="0"/>
+                <a:cs typeface="Times New Roman" panose="02020603050405020304" pitchFamily="18" charset="0"/>
+              </a:rPr>
+              <a:t>Discussion</a:t>
+            </a:r>
+            <a:endParaRPr lang="en-US" dirty="0">
+              <a:latin typeface="Times New Roman" panose="02020603050405020304" pitchFamily="18" charset="0"/>
+              <a:cs typeface="Times New Roman" panose="02020603050405020304" pitchFamily="18" charset="0"/>
+            </a:endParaRPr>
+          </a:p>
+          <a:p>
+            <a:endParaRPr lang="en-US" dirty="0">
+              <a:latin typeface="Times New Roman" panose="02020603050405020304" pitchFamily="18" charset="0"/>
+              <a:cs typeface="Times New Roman" panose="02020603050405020304" pitchFamily="18" charset="0"/>
+            </a:endParaRPr>
+          </a:p>
+        </p:txBody>
+      </p:sp>
+      <p:sp>
+        <p:nvSpPr>
+          <p:cNvPr id="4" name="Date Placeholder 3"/>
+          <p:cNvSpPr>
+            <a:spLocks noGrp="1"/>
+          </p:cNvSpPr>
+          <p:nvPr>
+            <p:ph type="dt" sz="half" idx="10"/>
+          </p:nvPr>
+        </p:nvSpPr>
+        <p:spPr/>
+        <p:txBody>
+          <a:bodyPr/>
+          <a:lstStyle/>
+          <a:p>
+            <a:fld id="{61066859-9ABD-47EE-A13A-7683241B4E0D}" type="datetime1">
+              <a:rPr lang="en-US" smtClean="0"/>
+              <a:t>8/23/2023</a:t>
+            </a:fld>
+            <a:endParaRPr lang="en-US"/>
+          </a:p>
+        </p:txBody>
+      </p:sp>
+      <p:sp>
+        <p:nvSpPr>
+          <p:cNvPr id="5" name="Slide Number Placeholder 4"/>
+          <p:cNvSpPr>
+            <a:spLocks noGrp="1"/>
+          </p:cNvSpPr>
+          <p:nvPr>
+            <p:ph type="sldNum" sz="quarter" idx="12"/>
+          </p:nvPr>
+        </p:nvSpPr>
+        <p:spPr/>
+        <p:txBody>
+          <a:bodyPr/>
+          <a:lstStyle/>
+          <a:p>
+            <a:fld id="{EC5C04CC-AAE0-4DA8-BE54-D7078AB31EEA}" type="slidenum">
+              <a:rPr lang="en-US" smtClean="0"/>
+              <a:t>17</a:t>
+            </a:fld>
+            <a:endParaRPr lang="en-US"/>
+          </a:p>
+        </p:txBody>
+      </p:sp>
+    </p:spTree>
+    <p:extLst>
+      <p:ext uri="{BB962C8B-B14F-4D97-AF65-F5344CB8AC3E}">
+        <p14:creationId xmlns:p14="http://schemas.microsoft.com/office/powerpoint/2010/main" val="2013261817"/>
+      </p:ext>
+    </p:extLst>
+  </p:cSld>
+  <p:clrMapOvr>
+    <a:masterClrMapping/>
+  </p:clrMapOvr>
+  <p:timing>
+    <p:tnLst>
+      <p:par>
+        <p:cTn id="1" dur="indefinite" restart="never" nodeType="tmRoot"/>
+      </p:par>
+    </p:tnLst>
+  </p:timing>
+</p:sld>
+</file>
+
+<file path=ppt/slides/slide19.xml><?xml version="1.0" encoding="utf-8"?>
+<p:sld xmlns:a="http://schemas.openxmlformats.org/drawingml/2006/main" xmlns:r="http://schemas.openxmlformats.org/officeDocument/2006/relationships" xmlns:p="http://schemas.openxmlformats.org/presentationml/2006/main">
+  <p:cSld>
+    <p:spTree>
+      <p:nvGrpSpPr>
+        <p:cNvPr id="1" name=""/>
+        <p:cNvGrpSpPr/>
+        <p:nvPr/>
+      </p:nvGrpSpPr>
+      <p:grpSpPr>
+        <a:xfrm>
+          <a:off x="0" y="0"/>
+          <a:ext cx="0" cy="0"/>
+          <a:chOff x="0" y="0"/>
+          <a:chExt cx="0" cy="0"/>
+        </a:xfrm>
+      </p:grpSpPr>
+      <p:sp>
+        <p:nvSpPr>
+          <p:cNvPr id="2" name="Title 1"/>
+          <p:cNvSpPr>
+            <a:spLocks noGrp="1"/>
+          </p:cNvSpPr>
+          <p:nvPr>
+            <p:ph type="title"/>
+          </p:nvPr>
+        </p:nvSpPr>
+        <p:spPr/>
+        <p:txBody>
+          <a:bodyPr/>
+          <a:lstStyle/>
+          <a:p>
+            <a:r>
+              <a:rPr lang="en-US" dirty="0" smtClean="0">
+                <a:latin typeface="Times New Roman" panose="02020603050405020304" pitchFamily="18" charset="0"/>
+                <a:cs typeface="Times New Roman" panose="02020603050405020304" pitchFamily="18" charset="0"/>
+              </a:rPr>
+              <a:t>Outcomes:</a:t>
+            </a:r>
+            <a:endParaRPr lang="en-US" dirty="0">
+              <a:latin typeface="Times New Roman" panose="02020603050405020304" pitchFamily="18" charset="0"/>
+              <a:cs typeface="Times New Roman" panose="02020603050405020304" pitchFamily="18" charset="0"/>
+            </a:endParaRPr>
+          </a:p>
+        </p:txBody>
+      </p:sp>
+      <p:pic>
+        <p:nvPicPr>
+          <p:cNvPr id="6" name="Content Placeholder 5"/>
+          <p:cNvPicPr>
+            <a:picLocks noGrp="1" noChangeAspect="1"/>
+          </p:cNvPicPr>
+          <p:nvPr>
+            <p:ph idx="1"/>
+          </p:nvPr>
+        </p:nvPicPr>
+        <p:blipFill>
+          <a:blip r:embed="rId2">
+            <a:extLst>
+              <a:ext uri="{28A0092B-C50C-407E-A947-70E740481C1C}">
+                <a14:useLocalDpi xmlns:a14="http://schemas.microsoft.com/office/drawing/2010/main" val="0"/>
+              </a:ext>
+            </a:extLst>
+          </a:blip>
+          <a:stretch>
+            <a:fillRect/>
+          </a:stretch>
+        </p:blipFill>
+        <p:spPr>
+          <a:xfrm>
+            <a:off x="1704083" y="1825625"/>
+            <a:ext cx="8783834" cy="4351338"/>
+          </a:xfrm>
+        </p:spPr>
+      </p:pic>
+      <p:sp>
+        <p:nvSpPr>
+          <p:cNvPr id="4" name="Date Placeholder 3"/>
+          <p:cNvSpPr>
+            <a:spLocks noGrp="1"/>
+          </p:cNvSpPr>
+          <p:nvPr>
+            <p:ph type="dt" sz="half" idx="10"/>
+          </p:nvPr>
+        </p:nvSpPr>
+        <p:spPr/>
+        <p:txBody>
+          <a:bodyPr/>
+          <a:lstStyle/>
+          <a:p>
+            <a:fld id="{61066859-9ABD-47EE-A13A-7683241B4E0D}" type="datetime1">
+              <a:rPr lang="en-US" smtClean="0"/>
+              <a:t>8/23/2023</a:t>
+            </a:fld>
+            <a:endParaRPr lang="en-US"/>
+          </a:p>
+        </p:txBody>
+      </p:sp>
+      <p:sp>
+        <p:nvSpPr>
+          <p:cNvPr id="5" name="Slide Number Placeholder 4"/>
+          <p:cNvSpPr>
+            <a:spLocks noGrp="1"/>
+          </p:cNvSpPr>
+          <p:nvPr>
+            <p:ph type="sldNum" sz="quarter" idx="12"/>
+          </p:nvPr>
+        </p:nvSpPr>
+        <p:spPr/>
+        <p:txBody>
+          <a:bodyPr/>
+          <a:lstStyle/>
+          <a:p>
+            <a:fld id="{EC5C04CC-AAE0-4DA8-BE54-D7078AB31EEA}" type="slidenum">
+              <a:rPr lang="en-US" smtClean="0"/>
+              <a:t>18</a:t>
+            </a:fld>
+            <a:endParaRPr lang="en-US"/>
+          </a:p>
+        </p:txBody>
+      </p:sp>
+    </p:spTree>
+    <p:extLst>
+      <p:ext uri="{BB962C8B-B14F-4D97-AF65-F5344CB8AC3E}">
+        <p14:creationId xmlns:p14="http://schemas.microsoft.com/office/powerpoint/2010/main" val="4068742935"/>
+      </p:ext>
+    </p:extLst>
+  </p:cSld>
+  <p:clrMapOvr>
+    <a:masterClrMapping/>
+  </p:clrMapOvr>
+</p:sld>
+</file>
+
+<file path=ppt/slides/slide2.xml><?xml version="1.0" encoding="utf-8"?>
+<p:sld xmlns:a="http://schemas.openxmlformats.org/drawingml/2006/main" xmlns:r="http://schemas.openxmlformats.org/officeDocument/2006/relationships" xmlns:p="http://schemas.openxmlformats.org/presentationml/2006/main">
+  <p:cSld>
+    <p:spTree>
+      <p:nvGrpSpPr>
+        <p:cNvPr id="1" name=""/>
+        <p:cNvGrpSpPr/>
+        <p:nvPr/>
+      </p:nvGrpSpPr>
+      <p:grpSpPr>
+        <a:xfrm>
+          <a:off x="0" y="0"/>
+          <a:ext cx="0" cy="0"/>
+          <a:chOff x="0" y="0"/>
+          <a:chExt cx="0" cy="0"/>
+        </a:xfrm>
+      </p:grpSpPr>
+      <p:sp>
+        <p:nvSpPr>
+          <p:cNvPr id="2" name="Title 1"/>
+          <p:cNvSpPr>
+            <a:spLocks noGrp="1"/>
+          </p:cNvSpPr>
+          <p:nvPr>
+            <p:ph type="title"/>
+          </p:nvPr>
+        </p:nvSpPr>
+        <p:spPr/>
+        <p:txBody>
+          <a:bodyPr/>
+          <a:lstStyle/>
+          <a:p>
+            <a:pPr algn="ctr"/>
+            <a:r>
+              <a:rPr lang="en-US" dirty="0" smtClean="0">
+                <a:latin typeface="Times New Roman" panose="02020603050405020304" pitchFamily="18" charset="0"/>
+                <a:cs typeface="Times New Roman" panose="02020603050405020304" pitchFamily="18" charset="0"/>
+              </a:rPr>
+              <a:t>Introduction</a:t>
+            </a:r>
+            <a:endParaRPr lang="en-US" dirty="0">
+              <a:latin typeface="Times New Roman" panose="02020603050405020304" pitchFamily="18" charset="0"/>
+              <a:cs typeface="Times New Roman" panose="02020603050405020304" pitchFamily="18" charset="0"/>
+            </a:endParaRPr>
+          </a:p>
+        </p:txBody>
+      </p:sp>
+      <p:sp>
+        <p:nvSpPr>
+          <p:cNvPr id="3" name="Content Placeholder 2"/>
+          <p:cNvSpPr>
+            <a:spLocks noGrp="1"/>
+          </p:cNvSpPr>
+          <p:nvPr>
+            <p:ph idx="1"/>
+          </p:nvPr>
+        </p:nvSpPr>
+        <p:spPr/>
+        <p:txBody>
+          <a:bodyPr>
+            <a:normAutofit/>
+          </a:bodyPr>
+          <a:lstStyle/>
+          <a:p>
+            <a:pPr marL="0" indent="0" algn="ctr">
+              <a:buNone/>
+            </a:pPr>
+            <a:r>
+              <a:rPr lang="en-US" sz="4400" dirty="0" smtClean="0">
+                <a:latin typeface="Times New Roman" panose="02020603050405020304" pitchFamily="18" charset="0"/>
+                <a:cs typeface="Times New Roman" panose="02020603050405020304" pitchFamily="18" charset="0"/>
+              </a:rPr>
+              <a:t>What is Code Connect?</a:t>
+            </a:r>
+          </a:p>
+          <a:p>
+            <a:pPr marL="0" indent="0" algn="ctr">
+              <a:buNone/>
+            </a:pPr>
+            <a:endParaRPr lang="en-US" sz="4400" dirty="0">
+              <a:latin typeface="Times New Roman" panose="02020603050405020304" pitchFamily="18" charset="0"/>
+              <a:cs typeface="Times New Roman" panose="02020603050405020304" pitchFamily="18" charset="0"/>
+            </a:endParaRPr>
+          </a:p>
+        </p:txBody>
+      </p:sp>
+      <p:sp>
+        <p:nvSpPr>
+          <p:cNvPr id="4" name="Date Placeholder 3"/>
+          <p:cNvSpPr>
+            <a:spLocks noGrp="1"/>
+          </p:cNvSpPr>
+          <p:nvPr>
+            <p:ph type="dt" sz="half" idx="10"/>
+          </p:nvPr>
+        </p:nvSpPr>
+        <p:spPr/>
+        <p:txBody>
+          <a:bodyPr/>
+          <a:lstStyle/>
+          <a:p>
+            <a:fld id="{61066859-9ABD-47EE-A13A-7683241B4E0D}" type="datetime1">
+              <a:rPr lang="en-US" smtClean="0"/>
+              <a:t>8/23/2023</a:t>
+            </a:fld>
+            <a:endParaRPr lang="en-US"/>
+          </a:p>
+        </p:txBody>
+      </p:sp>
+      <p:sp>
+        <p:nvSpPr>
+          <p:cNvPr id="5" name="Slide Number Placeholder 4"/>
+          <p:cNvSpPr>
+            <a:spLocks noGrp="1"/>
+          </p:cNvSpPr>
+          <p:nvPr>
+            <p:ph type="sldNum" sz="quarter" idx="12"/>
+          </p:nvPr>
+        </p:nvSpPr>
+        <p:spPr/>
+        <p:txBody>
+          <a:bodyPr/>
+          <a:lstStyle/>
+          <a:p>
+            <a:fld id="{EC5C04CC-AAE0-4DA8-BE54-D7078AB31EEA}" type="slidenum">
+              <a:rPr lang="en-US" smtClean="0"/>
+              <a:t>1</a:t>
+            </a:fld>
+            <a:endParaRPr lang="en-US"/>
+          </a:p>
+        </p:txBody>
+      </p:sp>
+    </p:spTree>
+    <p:extLst>
+      <p:ext uri="{BB962C8B-B14F-4D97-AF65-F5344CB8AC3E}">
+        <p14:creationId xmlns:p14="http://schemas.microsoft.com/office/powerpoint/2010/main" val="594890162"/>
+      </p:ext>
+    </p:extLst>
+  </p:cSld>
+  <p:clrMapOvr>
+    <a:masterClrMapping/>
+  </p:clrMapOvr>
+  <p:timing>
+    <p:tnLst>
+      <p:par>
+        <p:cTn id="1" dur="indefinite" restart="never" nodeType="tmRoot"/>
+      </p:par>
+    </p:tnLst>
+  </p:timing>
+</p:sld>
+</file>
+
+<file path=ppt/slides/slide20.xml><?xml version="1.0" encoding="utf-8"?>
+<p:sld xmlns:a="http://schemas.openxmlformats.org/drawingml/2006/main" xmlns:r="http://schemas.openxmlformats.org/officeDocument/2006/relationships" xmlns:p="http://schemas.openxmlformats.org/presentationml/2006/main">
+  <p:cSld>
+    <p:spTree>
+      <p:nvGrpSpPr>
+        <p:cNvPr id="1" name=""/>
+        <p:cNvGrpSpPr/>
+        <p:nvPr/>
+      </p:nvGrpSpPr>
+      <p:grpSpPr>
+        <a:xfrm>
+          <a:off x="0" y="0"/>
+          <a:ext cx="0" cy="0"/>
+          <a:chOff x="0" y="0"/>
+          <a:chExt cx="0" cy="0"/>
+        </a:xfrm>
+      </p:grpSpPr>
+      <p:sp>
+        <p:nvSpPr>
+          <p:cNvPr id="2" name="Title 1"/>
+          <p:cNvSpPr>
+            <a:spLocks noGrp="1"/>
+          </p:cNvSpPr>
+          <p:nvPr>
+            <p:ph type="title"/>
+          </p:nvPr>
+        </p:nvSpPr>
+        <p:spPr/>
+        <p:txBody>
+          <a:bodyPr/>
+          <a:lstStyle/>
+          <a:p>
+            <a:r>
+              <a:rPr lang="en-US" dirty="0" smtClean="0">
+                <a:latin typeface="Times New Roman" panose="02020603050405020304" pitchFamily="18" charset="0"/>
+                <a:cs typeface="Times New Roman" panose="02020603050405020304" pitchFamily="18" charset="0"/>
+              </a:rPr>
+              <a:t>Contd..</a:t>
+            </a:r>
+            <a:endParaRPr lang="en-US" dirty="0">
+              <a:latin typeface="Times New Roman" panose="02020603050405020304" pitchFamily="18" charset="0"/>
+              <a:cs typeface="Times New Roman" panose="02020603050405020304" pitchFamily="18" charset="0"/>
+            </a:endParaRPr>
+          </a:p>
+        </p:txBody>
+      </p:sp>
+      <p:pic>
+        <p:nvPicPr>
+          <p:cNvPr id="6" name="Content Placeholder 5"/>
+          <p:cNvPicPr>
+            <a:picLocks noGrp="1" noChangeAspect="1"/>
+          </p:cNvPicPr>
+          <p:nvPr>
+            <p:ph idx="1"/>
+          </p:nvPr>
+        </p:nvPicPr>
+        <p:blipFill>
+          <a:blip r:embed="rId2">
+            <a:extLst>
+              <a:ext uri="{28A0092B-C50C-407E-A947-70E740481C1C}">
+                <a14:useLocalDpi xmlns:a14="http://schemas.microsoft.com/office/drawing/2010/main" val="0"/>
+              </a:ext>
+            </a:extLst>
+          </a:blip>
+          <a:stretch>
+            <a:fillRect/>
+          </a:stretch>
+        </p:blipFill>
+        <p:spPr>
+          <a:xfrm>
+            <a:off x="4148376" y="1825625"/>
+            <a:ext cx="3895248" cy="4351338"/>
+          </a:xfrm>
+        </p:spPr>
+      </p:pic>
+      <p:sp>
+        <p:nvSpPr>
+          <p:cNvPr id="4" name="Date Placeholder 3"/>
+          <p:cNvSpPr>
+            <a:spLocks noGrp="1"/>
+          </p:cNvSpPr>
+          <p:nvPr>
+            <p:ph type="dt" sz="half" idx="10"/>
+          </p:nvPr>
+        </p:nvSpPr>
+        <p:spPr/>
+        <p:txBody>
+          <a:bodyPr/>
+          <a:lstStyle/>
+          <a:p>
+            <a:fld id="{61066859-9ABD-47EE-A13A-7683241B4E0D}" type="datetime1">
+              <a:rPr lang="en-US" smtClean="0"/>
+              <a:t>8/23/2023</a:t>
+            </a:fld>
+            <a:endParaRPr lang="en-US"/>
+          </a:p>
+        </p:txBody>
+      </p:sp>
+      <p:sp>
+        <p:nvSpPr>
+          <p:cNvPr id="5" name="Slide Number Placeholder 4"/>
+          <p:cNvSpPr>
+            <a:spLocks noGrp="1"/>
+          </p:cNvSpPr>
+          <p:nvPr>
+            <p:ph type="sldNum" sz="quarter" idx="12"/>
+          </p:nvPr>
+        </p:nvSpPr>
+        <p:spPr/>
+        <p:txBody>
+          <a:bodyPr/>
+          <a:lstStyle/>
+          <a:p>
+            <a:fld id="{EC5C04CC-AAE0-4DA8-BE54-D7078AB31EEA}" type="slidenum">
+              <a:rPr lang="en-US" smtClean="0"/>
+              <a:t>19</a:t>
+            </a:fld>
+            <a:endParaRPr lang="en-US"/>
+          </a:p>
+        </p:txBody>
+      </p:sp>
+    </p:spTree>
+    <p:extLst>
+      <p:ext uri="{BB962C8B-B14F-4D97-AF65-F5344CB8AC3E}">
+        <p14:creationId xmlns:p14="http://schemas.microsoft.com/office/powerpoint/2010/main" val="4254897966"/>
+      </p:ext>
+    </p:extLst>
+  </p:cSld>
+  <p:clrMapOvr>
+    <a:masterClrMapping/>
+  </p:clrMapOvr>
+</p:sld>
+</file>
+
 <file path=ppt/slides/slide21.xml><?xml version="1.0" encoding="utf-8"?>
 <p:sld xmlns:a="http://schemas.openxmlformats.org/drawingml/2006/main" xmlns:r="http://schemas.openxmlformats.org/officeDocument/2006/relationships" xmlns:p="http://schemas.openxmlformats.org/presentationml/2006/main">
   <p:cSld>
@@ -6634,7 +7525,7 @@
                 <a:latin typeface="Times New Roman" panose="02020603050405020304" pitchFamily="18" charset="0"/>
                 <a:cs typeface="Times New Roman" panose="02020603050405020304" pitchFamily="18" charset="0"/>
               </a:rPr>
-              <a:t>Expected Results</a:t>
+              <a:t>Contd..</a:t>
             </a:r>
             <a:endParaRPr lang="en-US" dirty="0">
               <a:latin typeface="Times New Roman" panose="02020603050405020304" pitchFamily="18" charset="0"/>
@@ -6643,28 +7534,35 @@
           </a:p>
         </p:txBody>
       </p:sp>
-      <p:sp>
-        <p:nvSpPr>
-          <p:cNvPr id="3" name="Content Placeholder 2"/>
-          <p:cNvSpPr>
-            <a:spLocks noGrp="1"/>
-          </p:cNvSpPr>
+      <p:pic>
+        <p:nvPicPr>
+          <p:cNvPr id="6" name="Content Placeholder 5"/>
+          <p:cNvPicPr>
+            <a:picLocks noGrp="1" noChangeAspect="1"/>
+          </p:cNvPicPr>
           <p:nvPr>
             <p:ph idx="1"/>
           </p:nvPr>
-        </p:nvSpPr>
-        <p:spPr/>
-        <p:txBody>
-          <a:bodyPr/>
-          <a:lstStyle/>
-          <a:p>
-            <a:r>
-              <a:rPr lang="en-US" dirty="0"/>
-              <a:t>The platform’s expected outcome is to create a vibrant and supportive ecosystem that empowers creative it professionals and enriches their professional lives</a:t>
-            </a:r>
-          </a:p>
-        </p:txBody>
-      </p:sp>
+        </p:nvPicPr>
+        <p:blipFill>
+          <a:blip r:embed="rId2">
+            <a:extLst>
+              <a:ext uri="{28A0092B-C50C-407E-A947-70E740481C1C}">
+                <a14:useLocalDpi xmlns:a14="http://schemas.microsoft.com/office/drawing/2010/main" val="0"/>
+              </a:ext>
+            </a:extLst>
+          </a:blip>
+          <a:stretch>
+            <a:fillRect/>
+          </a:stretch>
+        </p:blipFill>
+        <p:spPr>
+          <a:xfrm>
+            <a:off x="838200" y="2470607"/>
+            <a:ext cx="10515600" cy="1620030"/>
+          </a:xfrm>
+        </p:spPr>
+      </p:pic>
       <p:sp>
         <p:nvSpPr>
           <p:cNvPr id="4" name="Date Placeholder 3"/>
@@ -6682,7 +7580,7 @@
           <a:p>
             <a:fld id="{61066859-9ABD-47EE-A13A-7683241B4E0D}" type="datetime1">
               <a:rPr lang="en-US" smtClean="0"/>
-              <a:t>6/11/2023</a:t>
+              <a:t>8/23/2023</a:t>
             </a:fld>
             <a:endParaRPr lang="en-US"/>
           </a:p>
@@ -6714,20 +7612,13 @@
     </p:spTree>
     <p:extLst>
       <p:ext uri="{BB962C8B-B14F-4D97-AF65-F5344CB8AC3E}">
-        <p14:creationId xmlns:p14="http://schemas.microsoft.com/office/powerpoint/2010/main" val="2335270561"/>
+        <p14:creationId xmlns:p14="http://schemas.microsoft.com/office/powerpoint/2010/main" val="2659376881"/>
       </p:ext>
     </p:extLst>
   </p:cSld>
   <p:clrMapOvr>
     <a:masterClrMapping/>
   </p:clrMapOvr>
-  <p:timing>
-    <p:tnLst>
-      <p:par>
-        <p:cTn id="1" dur="indefinite" restart="never" nodeType="tmRoot"/>
-      </p:par>
-    </p:tnLst>
-  </p:timing>
 </p:sld>
 </file>
 
@@ -6768,7 +7659,7 @@
                 <a:latin typeface="Times New Roman" panose="02020603050405020304" pitchFamily="18" charset="0"/>
                 <a:cs typeface="Times New Roman" panose="02020603050405020304" pitchFamily="18" charset="0"/>
               </a:rPr>
-              <a:t>Timeline</a:t>
+              <a:t>Works Remaining</a:t>
             </a:r>
             <a:endParaRPr lang="en-US" dirty="0">
               <a:latin typeface="Times New Roman" panose="02020603050405020304" pitchFamily="18" charset="0"/>
@@ -6777,34 +7668,81 @@
           </a:p>
         </p:txBody>
       </p:sp>
-      <p:pic>
-        <p:nvPicPr>
-          <p:cNvPr id="6" name="Content Placeholder 5"/>
-          <p:cNvPicPr>
-            <a:picLocks noGrp="1" noChangeAspect="1"/>
-          </p:cNvPicPr>
+      <p:sp>
+        <p:nvSpPr>
+          <p:cNvPr id="3" name="Content Placeholder 2"/>
+          <p:cNvSpPr>
+            <a:spLocks noGrp="1"/>
+          </p:cNvSpPr>
           <p:nvPr>
             <p:ph idx="1"/>
           </p:nvPr>
-        </p:nvPicPr>
-        <p:blipFill rotWithShape="1">
-          <a:blip r:embed="rId2">
-            <a:extLst>
-              <a:ext uri="{28A0092B-C50C-407E-A947-70E740481C1C}">
-                <a14:useLocalDpi xmlns:a14="http://schemas.microsoft.com/office/drawing/2010/main" val="0"/>
-              </a:ext>
-            </a:extLst>
-          </a:blip>
-          <a:srcRect t="18719" b="8421"/>
-          <a:stretch/>
-        </p:blipFill>
-        <p:spPr>
-          <a:xfrm>
-            <a:off x="1417320" y="1260644"/>
-            <a:ext cx="9128760" cy="4988425"/>
-          </a:xfrm>
-        </p:spPr>
-      </p:pic>
+        </p:nvSpPr>
+        <p:spPr/>
+        <p:txBody>
+          <a:bodyPr/>
+          <a:lstStyle/>
+          <a:p>
+            <a:r>
+              <a:rPr lang="en-US" dirty="0" smtClean="0">
+                <a:latin typeface="Times New Roman" panose="02020603050405020304" pitchFamily="18" charset="0"/>
+                <a:cs typeface="Times New Roman" panose="02020603050405020304" pitchFamily="18" charset="0"/>
+              </a:rPr>
+              <a:t>Comments</a:t>
+            </a:r>
+          </a:p>
+          <a:p>
+            <a:r>
+              <a:rPr lang="en-US" dirty="0" smtClean="0">
+                <a:latin typeface="Times New Roman" panose="02020603050405020304" pitchFamily="18" charset="0"/>
+                <a:cs typeface="Times New Roman" panose="02020603050405020304" pitchFamily="18" charset="0"/>
+              </a:rPr>
+              <a:t>Messenger</a:t>
+            </a:r>
+          </a:p>
+          <a:p>
+            <a:r>
+              <a:rPr lang="en-US" dirty="0">
+                <a:latin typeface="Times New Roman" panose="02020603050405020304" pitchFamily="18" charset="0"/>
+                <a:cs typeface="Times New Roman" panose="02020603050405020304" pitchFamily="18" charset="0"/>
+              </a:rPr>
+              <a:t>Search for </a:t>
+            </a:r>
+            <a:r>
+              <a:rPr lang="en-US" dirty="0" smtClean="0">
+                <a:latin typeface="Times New Roman" panose="02020603050405020304" pitchFamily="18" charset="0"/>
+                <a:cs typeface="Times New Roman" panose="02020603050405020304" pitchFamily="18" charset="0"/>
+              </a:rPr>
+              <a:t>Codes/Discussion</a:t>
+            </a:r>
+          </a:p>
+          <a:p>
+            <a:r>
+              <a:rPr lang="en-US" dirty="0">
+                <a:latin typeface="Times New Roman" panose="02020603050405020304" pitchFamily="18" charset="0"/>
+                <a:cs typeface="Times New Roman" panose="02020603050405020304" pitchFamily="18" charset="0"/>
+              </a:rPr>
+              <a:t>CV Upload and </a:t>
+            </a:r>
+            <a:r>
+              <a:rPr lang="en-US" dirty="0" smtClean="0">
+                <a:latin typeface="Times New Roman" panose="02020603050405020304" pitchFamily="18" charset="0"/>
+                <a:cs typeface="Times New Roman" panose="02020603050405020304" pitchFamily="18" charset="0"/>
+              </a:rPr>
+              <a:t>Management</a:t>
+            </a:r>
+          </a:p>
+          <a:p>
+            <a:r>
+              <a:rPr lang="en-US" dirty="0">
+                <a:latin typeface="Times New Roman" panose="02020603050405020304" pitchFamily="18" charset="0"/>
+                <a:cs typeface="Times New Roman" panose="02020603050405020304" pitchFamily="18" charset="0"/>
+              </a:rPr>
+              <a:t>Portfolio management</a:t>
+            </a:r>
+          </a:p>
+        </p:txBody>
+      </p:sp>
       <p:sp>
         <p:nvSpPr>
           <p:cNvPr id="4" name="Date Placeholder 3"/>
@@ -6822,7 +7760,7 @@
           <a:p>
             <a:fld id="{61066859-9ABD-47EE-A13A-7683241B4E0D}" type="datetime1">
               <a:rPr lang="en-US" smtClean="0"/>
-              <a:t>6/11/2023</a:t>
+              <a:t>8/23/2023</a:t>
             </a:fld>
             <a:endParaRPr lang="en-US"/>
           </a:p>
@@ -6854,20 +7792,13 @@
     </p:spTree>
     <p:extLst>
       <p:ext uri="{BB962C8B-B14F-4D97-AF65-F5344CB8AC3E}">
-        <p14:creationId xmlns:p14="http://schemas.microsoft.com/office/powerpoint/2010/main" val="3166438205"/>
+        <p14:creationId xmlns:p14="http://schemas.microsoft.com/office/powerpoint/2010/main" val="21073889"/>
       </p:ext>
     </p:extLst>
   </p:cSld>
   <p:clrMapOvr>
     <a:masterClrMapping/>
   </p:clrMapOvr>
-  <p:timing>
-    <p:tnLst>
-      <p:par>
-        <p:cTn id="1" dur="indefinite" restart="never" nodeType="tmRoot"/>
-      </p:par>
-    </p:tnLst>
-  </p:timing>
 </p:sld>
 </file>
 
@@ -6908,7 +7839,7 @@
                 <a:latin typeface="Times New Roman" panose="02020603050405020304" pitchFamily="18" charset="0"/>
                 <a:cs typeface="Times New Roman" panose="02020603050405020304" pitchFamily="18" charset="0"/>
               </a:rPr>
-              <a:t>References</a:t>
+              <a:t>Timeline</a:t>
             </a:r>
             <a:endParaRPr lang="en-US" dirty="0">
               <a:latin typeface="Times New Roman" panose="02020603050405020304" pitchFamily="18" charset="0"/>
@@ -6917,369 +7848,34 @@
           </a:p>
         </p:txBody>
       </p:sp>
-      <p:sp>
-        <p:nvSpPr>
-          <p:cNvPr id="3" name="Content Placeholder 2"/>
-          <p:cNvSpPr>
-            <a:spLocks noGrp="1"/>
-          </p:cNvSpPr>
+      <p:pic>
+        <p:nvPicPr>
+          <p:cNvPr id="6" name="Content Placeholder 5"/>
+          <p:cNvPicPr>
+            <a:picLocks noGrp="1" noChangeAspect="1"/>
+          </p:cNvPicPr>
           <p:nvPr>
             <p:ph idx="1"/>
           </p:nvPr>
-        </p:nvSpPr>
-        <p:spPr/>
-        <p:txBody>
-          <a:bodyPr>
-            <a:normAutofit fontScale="70000" lnSpcReduction="20000"/>
-          </a:bodyPr>
-          <a:lstStyle/>
-          <a:p>
-            <a:r>
-              <a:rPr lang="en-US" dirty="0" smtClean="0"/>
-              <a:t>[1] </a:t>
-            </a:r>
-            <a:r>
-              <a:rPr lang="en-US" dirty="0"/>
-              <a:t>Anton </a:t>
-            </a:r>
-            <a:r>
-              <a:rPr lang="en-US" dirty="0" err="1"/>
-              <a:t>Korshunov</a:t>
-            </a:r>
-            <a:r>
-              <a:rPr lang="en-US" dirty="0"/>
-              <a:t>, Ivan </a:t>
-            </a:r>
-            <a:r>
-              <a:rPr lang="en-US" dirty="0" err="1"/>
-              <a:t>Beloborodov</a:t>
-            </a:r>
-            <a:r>
-              <a:rPr lang="en-US" dirty="0"/>
-              <a:t>, </a:t>
-            </a:r>
-            <a:r>
-              <a:rPr lang="en-US" dirty="0" err="1"/>
-              <a:t>Nazar</a:t>
-            </a:r>
-            <a:r>
-              <a:rPr lang="en-US" dirty="0"/>
-              <a:t> </a:t>
-            </a:r>
-            <a:r>
-              <a:rPr lang="en-US" dirty="0" err="1"/>
-              <a:t>Buzun</a:t>
-            </a:r>
-            <a:r>
-              <a:rPr lang="en-US" dirty="0"/>
-              <a:t>, </a:t>
-            </a:r>
-            <a:r>
-              <a:rPr lang="en-US" dirty="0" err="1"/>
-              <a:t>Valeriy</a:t>
-            </a:r>
-            <a:r>
-              <a:rPr lang="en-US" dirty="0"/>
-              <a:t> </a:t>
-            </a:r>
-            <a:r>
-              <a:rPr lang="en-US" dirty="0" err="1"/>
-              <a:t>Avanesov</a:t>
-            </a:r>
-            <a:r>
-              <a:rPr lang="en-US" dirty="0"/>
-              <a:t>, Roman </a:t>
-            </a:r>
-            <a:r>
-              <a:rPr lang="en-US" dirty="0" err="1"/>
-              <a:t>Pastukhov</a:t>
-            </a:r>
-            <a:r>
-              <a:rPr lang="en-US" dirty="0"/>
-              <a:t>, </a:t>
-            </a:r>
-            <a:r>
-              <a:rPr lang="en-US" dirty="0" err="1"/>
-              <a:t>Kyrylo</a:t>
-            </a:r>
-            <a:r>
-              <a:rPr lang="en-US" dirty="0"/>
-              <a:t> </a:t>
-            </a:r>
-            <a:r>
-              <a:rPr lang="en-US" dirty="0" err="1"/>
-              <a:t>Chykhradze</a:t>
-            </a:r>
-            <a:r>
-              <a:rPr lang="en-US" dirty="0"/>
-              <a:t>, Ilya </a:t>
-            </a:r>
-            <a:r>
-              <a:rPr lang="en-US" dirty="0" err="1"/>
-              <a:t>Kozlov</a:t>
-            </a:r>
-            <a:r>
-              <a:rPr lang="en-US" dirty="0"/>
-              <a:t>, Andrey </a:t>
-            </a:r>
-            <a:r>
-              <a:rPr lang="en-US" dirty="0" err="1"/>
-              <a:t>Gomzin</a:t>
-            </a:r>
-            <a:r>
-              <a:rPr lang="en-US" dirty="0"/>
-              <a:t>, Ivan </a:t>
-            </a:r>
-            <a:r>
-              <a:rPr lang="en-US" dirty="0" err="1"/>
-              <a:t>Andrianov</a:t>
-            </a:r>
-            <a:r>
-              <a:rPr lang="en-US" dirty="0"/>
-              <a:t>, Andrey </a:t>
-            </a:r>
-            <a:r>
-              <a:rPr lang="en-US" dirty="0" err="1"/>
-              <a:t>Sysoev</a:t>
-            </a:r>
-            <a:r>
-              <a:rPr lang="en-US" dirty="0"/>
-              <a:t>, et al</a:t>
-            </a:r>
-            <a:r>
-              <a:rPr lang="en-US" b="1" dirty="0"/>
-              <a:t>. Social network analysis: methods and applications</a:t>
-            </a:r>
-            <a:r>
-              <a:rPr lang="en-US" dirty="0"/>
-              <a:t>. </a:t>
-            </a:r>
-            <a:r>
-              <a:rPr lang="en-US" dirty="0" smtClean="0"/>
-              <a:t>Proceedings </a:t>
-            </a:r>
-            <a:r>
-              <a:rPr lang="en-US" dirty="0"/>
-              <a:t>of the Institute for System Programming of the RAS (Proceedings of ISP RAS), 26(1):439–456, 2014. </a:t>
-            </a:r>
-            <a:endParaRPr lang="en-US" dirty="0" smtClean="0"/>
-          </a:p>
-          <a:p>
-            <a:r>
-              <a:rPr lang="en-US" dirty="0" smtClean="0"/>
-              <a:t>[</a:t>
-            </a:r>
-            <a:r>
-              <a:rPr lang="en-US" dirty="0"/>
-              <a:t>2] Tanja Koch, Charlene Gerber, and Jeremias J De Klerk</a:t>
-            </a:r>
-            <a:r>
-              <a:rPr lang="en-US" b="1" dirty="0"/>
-              <a:t>. The impact of social media on recruitment: Are you </a:t>
-            </a:r>
-            <a:r>
-              <a:rPr lang="en-US" b="1" dirty="0" err="1"/>
-              <a:t>linkedin</a:t>
-            </a:r>
-            <a:r>
-              <a:rPr lang="en-US" b="1" dirty="0"/>
-              <a:t>? </a:t>
-            </a:r>
-            <a:r>
-              <a:rPr lang="en-US" dirty="0"/>
-              <a:t>SA Journal of Human Resource Management, 16(1):1–14, 2018. </a:t>
-            </a:r>
-            <a:endParaRPr lang="en-US" dirty="0" smtClean="0"/>
-          </a:p>
-          <a:p>
-            <a:r>
-              <a:rPr lang="en-US" dirty="0" smtClean="0"/>
-              <a:t>[</a:t>
-            </a:r>
-            <a:r>
-              <a:rPr lang="en-US" dirty="0"/>
-              <a:t>3] </a:t>
-            </a:r>
-            <a:r>
-              <a:rPr lang="en-US" dirty="0" err="1"/>
-              <a:t>Ifeoma</a:t>
-            </a:r>
-            <a:r>
-              <a:rPr lang="en-US" dirty="0"/>
-              <a:t> </a:t>
-            </a:r>
-            <a:r>
-              <a:rPr lang="en-US" dirty="0" err="1"/>
-              <a:t>Adaji</a:t>
-            </a:r>
-            <a:r>
-              <a:rPr lang="en-US" dirty="0"/>
-              <a:t> and </a:t>
-            </a:r>
-            <a:r>
-              <a:rPr lang="en-US" dirty="0" err="1"/>
-              <a:t>Julita</a:t>
-            </a:r>
-            <a:r>
-              <a:rPr lang="en-US" dirty="0"/>
-              <a:t> </a:t>
-            </a:r>
-            <a:r>
-              <a:rPr lang="en-US" dirty="0" err="1"/>
-              <a:t>Vassileva</a:t>
-            </a:r>
-            <a:r>
-              <a:rPr lang="en-US" dirty="0"/>
-              <a:t>. </a:t>
-            </a:r>
-            <a:r>
-              <a:rPr lang="en-US" b="1" dirty="0"/>
-              <a:t>Towards understanding user participation in stack overflow using profile data.</a:t>
-            </a:r>
-            <a:r>
-              <a:rPr lang="en-US" dirty="0"/>
-              <a:t> In Social Informatics: 8th International </a:t>
-            </a:r>
-            <a:r>
-              <a:rPr lang="en-US" dirty="0" smtClean="0"/>
-              <a:t>Conference</a:t>
-            </a:r>
-            <a:r>
-              <a:rPr lang="en-US" dirty="0"/>
-              <a:t>, </a:t>
-            </a:r>
-            <a:r>
-              <a:rPr lang="en-US" dirty="0" err="1"/>
-              <a:t>SocInfo</a:t>
-            </a:r>
-            <a:r>
-              <a:rPr lang="en-US" dirty="0"/>
-              <a:t> 2016, Bellevue, WA, USA, November 11-14, 2016, Proceedings, Part II 8, pages 3–13. Springer, 2016</a:t>
-            </a:r>
-            <a:r>
-              <a:rPr lang="en-US" dirty="0" smtClean="0"/>
-              <a:t>.</a:t>
-            </a:r>
-          </a:p>
-          <a:p>
-            <a:r>
-              <a:rPr lang="en-US" dirty="0" smtClean="0"/>
-              <a:t> </a:t>
-            </a:r>
-            <a:r>
-              <a:rPr lang="en-US" dirty="0"/>
-              <a:t>[4] </a:t>
-            </a:r>
-            <a:r>
-              <a:rPr lang="en-US" dirty="0" err="1"/>
-              <a:t>Dorota</a:t>
-            </a:r>
-            <a:r>
-              <a:rPr lang="en-US" dirty="0"/>
-              <a:t> </a:t>
-            </a:r>
-            <a:r>
-              <a:rPr lang="en-US" dirty="0" err="1"/>
-              <a:t>Celinska</a:t>
-            </a:r>
-            <a:r>
-              <a:rPr lang="en-US" dirty="0"/>
-              <a:t>. </a:t>
-            </a:r>
-            <a:r>
-              <a:rPr lang="en-US" b="1" dirty="0"/>
-              <a:t>Coding together in a social network: collaboration among ´ </a:t>
-            </a:r>
-            <a:r>
-              <a:rPr lang="en-US" b="1" dirty="0" err="1"/>
-              <a:t>github</a:t>
-            </a:r>
-            <a:r>
-              <a:rPr lang="en-US" b="1" dirty="0"/>
-              <a:t> users</a:t>
-            </a:r>
-            <a:r>
-              <a:rPr lang="en-US" dirty="0"/>
-              <a:t>. In Proceedings of the 9th international conference on social media and society, pages 31–40, 2018. </a:t>
-            </a:r>
-            <a:endParaRPr lang="en-US" dirty="0" smtClean="0"/>
-          </a:p>
-          <a:p>
-            <a:r>
-              <a:rPr lang="en-US" dirty="0" smtClean="0"/>
-              <a:t>[</a:t>
-            </a:r>
-            <a:r>
-              <a:rPr lang="en-US" dirty="0"/>
-              <a:t>5] Hideaki </a:t>
-            </a:r>
-            <a:r>
-              <a:rPr lang="en-US" dirty="0" err="1"/>
-              <a:t>Hata</a:t>
-            </a:r>
-            <a:r>
-              <a:rPr lang="en-US" dirty="0"/>
-              <a:t>, Nicole </a:t>
-            </a:r>
-            <a:r>
-              <a:rPr lang="en-US" dirty="0" err="1"/>
-              <a:t>Novielli</a:t>
-            </a:r>
-            <a:r>
-              <a:rPr lang="en-US" dirty="0"/>
-              <a:t>, Sebastian </a:t>
-            </a:r>
-            <a:r>
-              <a:rPr lang="en-US" dirty="0" err="1"/>
-              <a:t>Baltes</a:t>
-            </a:r>
-            <a:r>
-              <a:rPr lang="en-US" dirty="0"/>
-              <a:t>, </a:t>
-            </a:r>
-            <a:r>
-              <a:rPr lang="en-US" dirty="0" err="1"/>
-              <a:t>Raula</a:t>
-            </a:r>
-            <a:r>
-              <a:rPr lang="en-US" dirty="0"/>
-              <a:t> </a:t>
-            </a:r>
-            <a:r>
-              <a:rPr lang="en-US" dirty="0" err="1"/>
-              <a:t>Gaikovina</a:t>
-            </a:r>
-            <a:r>
-              <a:rPr lang="en-US" dirty="0"/>
-              <a:t> Kula, and Christoph </a:t>
-            </a:r>
-            <a:r>
-              <a:rPr lang="en-US" dirty="0" err="1"/>
-              <a:t>Treude</a:t>
-            </a:r>
-            <a:r>
-              <a:rPr lang="en-US" dirty="0"/>
-              <a:t>. </a:t>
-            </a:r>
-            <a:r>
-              <a:rPr lang="en-US" b="1" dirty="0" err="1"/>
-              <a:t>Github</a:t>
-            </a:r>
-            <a:r>
-              <a:rPr lang="en-US" b="1" dirty="0"/>
-              <a:t> discussions: An exploratory study of early adoption. </a:t>
-            </a:r>
-            <a:r>
-              <a:rPr lang="en-US" dirty="0"/>
-              <a:t>Empirical Software Engineering, 27:1–32, 2022.</a:t>
-            </a:r>
-            <a:endParaRPr lang="en-US" dirty="0">
-              <a:latin typeface="Times New Roman" panose="02020603050405020304" pitchFamily="18" charset="0"/>
-              <a:cs typeface="Times New Roman" panose="02020603050405020304" pitchFamily="18" charset="0"/>
-            </a:endParaRPr>
-          </a:p>
-        </p:txBody>
-      </p:sp>
+        </p:nvPicPr>
+        <p:blipFill rotWithShape="1">
+          <a:blip r:embed="rId2">
+            <a:extLst>
+              <a:ext uri="{28A0092B-C50C-407E-A947-70E740481C1C}">
+                <a14:useLocalDpi xmlns:a14="http://schemas.microsoft.com/office/drawing/2010/main" val="0"/>
+              </a:ext>
+            </a:extLst>
+          </a:blip>
+          <a:srcRect t="18719" b="8421"/>
+          <a:stretch/>
+        </p:blipFill>
+        <p:spPr>
+          <a:xfrm>
+            <a:off x="1417320" y="1260644"/>
+            <a:ext cx="9128760" cy="4988425"/>
+          </a:xfrm>
+        </p:spPr>
+      </p:pic>
       <p:sp>
         <p:nvSpPr>
           <p:cNvPr id="4" name="Date Placeholder 3"/>
@@ -7297,7 +7893,7 @@
           <a:p>
             <a:fld id="{61066859-9ABD-47EE-A13A-7683241B4E0D}" type="datetime1">
               <a:rPr lang="en-US" smtClean="0"/>
-              <a:t>6/11/2023</a:t>
+              <a:t>8/23/2023</a:t>
             </a:fld>
             <a:endParaRPr lang="en-US"/>
           </a:p>
@@ -7329,7 +7925,7 @@
     </p:spTree>
     <p:extLst>
       <p:ext uri="{BB962C8B-B14F-4D97-AF65-F5344CB8AC3E}">
-        <p14:creationId xmlns:p14="http://schemas.microsoft.com/office/powerpoint/2010/main" val="158440558"/>
+        <p14:creationId xmlns:p14="http://schemas.microsoft.com/office/powerpoint/2010/main" val="3166438205"/>
       </p:ext>
     </p:extLst>
   </p:cSld>
@@ -7373,23 +7969,17 @@
             <p:ph type="title"/>
           </p:nvPr>
         </p:nvSpPr>
-        <p:spPr>
-          <a:xfrm>
-            <a:off x="838200" y="2772423"/>
-            <a:ext cx="10515600" cy="1325563"/>
-          </a:xfrm>
-        </p:spPr>
-        <p:txBody>
-          <a:bodyPr/>
-          <a:lstStyle/>
-          <a:p>
-            <a:pPr algn="ctr"/>
+        <p:spPr/>
+        <p:txBody>
+          <a:bodyPr/>
+          <a:lstStyle/>
+          <a:p>
             <a:r>
               <a:rPr lang="en-US" dirty="0" smtClean="0">
                 <a:latin typeface="Times New Roman" panose="02020603050405020304" pitchFamily="18" charset="0"/>
                 <a:cs typeface="Times New Roman" panose="02020603050405020304" pitchFamily="18" charset="0"/>
               </a:rPr>
-              <a:t>Q/A Session</a:t>
+              <a:t>References</a:t>
             </a:r>
             <a:endParaRPr lang="en-US" dirty="0">
               <a:latin typeface="Times New Roman" panose="02020603050405020304" pitchFamily="18" charset="0"/>
@@ -7400,6 +7990,461 @@
       </p:sp>
       <p:sp>
         <p:nvSpPr>
+          <p:cNvPr id="3" name="Content Placeholder 2"/>
+          <p:cNvSpPr>
+            <a:spLocks noGrp="1"/>
+          </p:cNvSpPr>
+          <p:nvPr>
+            <p:ph idx="1"/>
+          </p:nvPr>
+        </p:nvSpPr>
+        <p:spPr/>
+        <p:txBody>
+          <a:bodyPr>
+            <a:normAutofit fontScale="70000" lnSpcReduction="20000"/>
+          </a:bodyPr>
+          <a:lstStyle/>
+          <a:p>
+            <a:r>
+              <a:rPr lang="en-US" dirty="0" smtClean="0"/>
+              <a:t>[1] </a:t>
+            </a:r>
+            <a:r>
+              <a:rPr lang="en-US" dirty="0"/>
+              <a:t>Anton </a:t>
+            </a:r>
+            <a:r>
+              <a:rPr lang="en-US" dirty="0" err="1"/>
+              <a:t>Korshunov</a:t>
+            </a:r>
+            <a:r>
+              <a:rPr lang="en-US" dirty="0"/>
+              <a:t>, Ivan </a:t>
+            </a:r>
+            <a:r>
+              <a:rPr lang="en-US" dirty="0" err="1"/>
+              <a:t>Beloborodov</a:t>
+            </a:r>
+            <a:r>
+              <a:rPr lang="en-US" dirty="0"/>
+              <a:t>, </a:t>
+            </a:r>
+            <a:r>
+              <a:rPr lang="en-US" dirty="0" err="1"/>
+              <a:t>Nazar</a:t>
+            </a:r>
+            <a:r>
+              <a:rPr lang="en-US" dirty="0"/>
+              <a:t> </a:t>
+            </a:r>
+            <a:r>
+              <a:rPr lang="en-US" dirty="0" err="1"/>
+              <a:t>Buzun</a:t>
+            </a:r>
+            <a:r>
+              <a:rPr lang="en-US" dirty="0"/>
+              <a:t>, </a:t>
+            </a:r>
+            <a:r>
+              <a:rPr lang="en-US" dirty="0" err="1"/>
+              <a:t>Valeriy</a:t>
+            </a:r>
+            <a:r>
+              <a:rPr lang="en-US" dirty="0"/>
+              <a:t> </a:t>
+            </a:r>
+            <a:r>
+              <a:rPr lang="en-US" dirty="0" err="1"/>
+              <a:t>Avanesov</a:t>
+            </a:r>
+            <a:r>
+              <a:rPr lang="en-US" dirty="0"/>
+              <a:t>, Roman </a:t>
+            </a:r>
+            <a:r>
+              <a:rPr lang="en-US" dirty="0" err="1"/>
+              <a:t>Pastukhov</a:t>
+            </a:r>
+            <a:r>
+              <a:rPr lang="en-US" dirty="0"/>
+              <a:t>, </a:t>
+            </a:r>
+            <a:r>
+              <a:rPr lang="en-US" dirty="0" err="1"/>
+              <a:t>Kyrylo</a:t>
+            </a:r>
+            <a:r>
+              <a:rPr lang="en-US" dirty="0"/>
+              <a:t> </a:t>
+            </a:r>
+            <a:r>
+              <a:rPr lang="en-US" dirty="0" err="1"/>
+              <a:t>Chykhradze</a:t>
+            </a:r>
+            <a:r>
+              <a:rPr lang="en-US" dirty="0"/>
+              <a:t>, Ilya </a:t>
+            </a:r>
+            <a:r>
+              <a:rPr lang="en-US" dirty="0" err="1"/>
+              <a:t>Kozlov</a:t>
+            </a:r>
+            <a:r>
+              <a:rPr lang="en-US" dirty="0"/>
+              <a:t>, Andrey </a:t>
+            </a:r>
+            <a:r>
+              <a:rPr lang="en-US" dirty="0" err="1"/>
+              <a:t>Gomzin</a:t>
+            </a:r>
+            <a:r>
+              <a:rPr lang="en-US" dirty="0"/>
+              <a:t>, Ivan </a:t>
+            </a:r>
+            <a:r>
+              <a:rPr lang="en-US" dirty="0" err="1"/>
+              <a:t>Andrianov</a:t>
+            </a:r>
+            <a:r>
+              <a:rPr lang="en-US" dirty="0"/>
+              <a:t>, Andrey </a:t>
+            </a:r>
+            <a:r>
+              <a:rPr lang="en-US" dirty="0" err="1"/>
+              <a:t>Sysoev</a:t>
+            </a:r>
+            <a:r>
+              <a:rPr lang="en-US" dirty="0"/>
+              <a:t>, et al</a:t>
+            </a:r>
+            <a:r>
+              <a:rPr lang="en-US" b="1" dirty="0"/>
+              <a:t>. Social network analysis: methods and applications</a:t>
+            </a:r>
+            <a:r>
+              <a:rPr lang="en-US" dirty="0"/>
+              <a:t>. </a:t>
+            </a:r>
+            <a:r>
+              <a:rPr lang="en-US" dirty="0" smtClean="0"/>
+              <a:t>Proceedings </a:t>
+            </a:r>
+            <a:r>
+              <a:rPr lang="en-US" dirty="0"/>
+              <a:t>of the Institute for System Programming of the RAS (Proceedings of ISP RAS), 26(1):439–456, 2014. </a:t>
+            </a:r>
+            <a:endParaRPr lang="en-US" dirty="0" smtClean="0"/>
+          </a:p>
+          <a:p>
+            <a:r>
+              <a:rPr lang="en-US" dirty="0" smtClean="0"/>
+              <a:t>[</a:t>
+            </a:r>
+            <a:r>
+              <a:rPr lang="en-US" dirty="0"/>
+              <a:t>2] Tanja Koch, Charlene Gerber, and Jeremias J De Klerk</a:t>
+            </a:r>
+            <a:r>
+              <a:rPr lang="en-US" b="1" dirty="0"/>
+              <a:t>. The impact of social media on recruitment: Are you </a:t>
+            </a:r>
+            <a:r>
+              <a:rPr lang="en-US" b="1" dirty="0" err="1"/>
+              <a:t>linkedin</a:t>
+            </a:r>
+            <a:r>
+              <a:rPr lang="en-US" b="1" dirty="0"/>
+              <a:t>? </a:t>
+            </a:r>
+            <a:r>
+              <a:rPr lang="en-US" dirty="0"/>
+              <a:t>SA Journal of Human Resource Management, 16(1):1–14, 2018. </a:t>
+            </a:r>
+            <a:endParaRPr lang="en-US" dirty="0" smtClean="0"/>
+          </a:p>
+          <a:p>
+            <a:r>
+              <a:rPr lang="en-US" dirty="0" smtClean="0"/>
+              <a:t>[</a:t>
+            </a:r>
+            <a:r>
+              <a:rPr lang="en-US" dirty="0"/>
+              <a:t>3] </a:t>
+            </a:r>
+            <a:r>
+              <a:rPr lang="en-US" dirty="0" err="1"/>
+              <a:t>Ifeoma</a:t>
+            </a:r>
+            <a:r>
+              <a:rPr lang="en-US" dirty="0"/>
+              <a:t> </a:t>
+            </a:r>
+            <a:r>
+              <a:rPr lang="en-US" dirty="0" err="1"/>
+              <a:t>Adaji</a:t>
+            </a:r>
+            <a:r>
+              <a:rPr lang="en-US" dirty="0"/>
+              <a:t> and </a:t>
+            </a:r>
+            <a:r>
+              <a:rPr lang="en-US" dirty="0" err="1"/>
+              <a:t>Julita</a:t>
+            </a:r>
+            <a:r>
+              <a:rPr lang="en-US" dirty="0"/>
+              <a:t> </a:t>
+            </a:r>
+            <a:r>
+              <a:rPr lang="en-US" dirty="0" err="1"/>
+              <a:t>Vassileva</a:t>
+            </a:r>
+            <a:r>
+              <a:rPr lang="en-US" dirty="0"/>
+              <a:t>. </a:t>
+            </a:r>
+            <a:r>
+              <a:rPr lang="en-US" b="1" dirty="0"/>
+              <a:t>Towards understanding user participation in stack overflow using profile data.</a:t>
+            </a:r>
+            <a:r>
+              <a:rPr lang="en-US" dirty="0"/>
+              <a:t> In Social Informatics: 8th International </a:t>
+            </a:r>
+            <a:r>
+              <a:rPr lang="en-US" dirty="0" smtClean="0"/>
+              <a:t>Conference</a:t>
+            </a:r>
+            <a:r>
+              <a:rPr lang="en-US" dirty="0"/>
+              <a:t>, </a:t>
+            </a:r>
+            <a:r>
+              <a:rPr lang="en-US" dirty="0" err="1"/>
+              <a:t>SocInfo</a:t>
+            </a:r>
+            <a:r>
+              <a:rPr lang="en-US" dirty="0"/>
+              <a:t> 2016, Bellevue, WA, USA, November 11-14, 2016, Proceedings, Part II 8, pages 3–13. Springer, 2016</a:t>
+            </a:r>
+            <a:r>
+              <a:rPr lang="en-US" dirty="0" smtClean="0"/>
+              <a:t>.</a:t>
+            </a:r>
+          </a:p>
+          <a:p>
+            <a:r>
+              <a:rPr lang="en-US" dirty="0" smtClean="0"/>
+              <a:t> </a:t>
+            </a:r>
+            <a:r>
+              <a:rPr lang="en-US" dirty="0"/>
+              <a:t>[4] </a:t>
+            </a:r>
+            <a:r>
+              <a:rPr lang="en-US" dirty="0" err="1"/>
+              <a:t>Dorota</a:t>
+            </a:r>
+            <a:r>
+              <a:rPr lang="en-US" dirty="0"/>
+              <a:t> </a:t>
+            </a:r>
+            <a:r>
+              <a:rPr lang="en-US" dirty="0" err="1"/>
+              <a:t>Celinska</a:t>
+            </a:r>
+            <a:r>
+              <a:rPr lang="en-US" dirty="0"/>
+              <a:t>. </a:t>
+            </a:r>
+            <a:r>
+              <a:rPr lang="en-US" b="1" dirty="0"/>
+              <a:t>Coding together in a social network: collaboration among ´ </a:t>
+            </a:r>
+            <a:r>
+              <a:rPr lang="en-US" b="1" dirty="0" err="1"/>
+              <a:t>github</a:t>
+            </a:r>
+            <a:r>
+              <a:rPr lang="en-US" b="1" dirty="0"/>
+              <a:t> users</a:t>
+            </a:r>
+            <a:r>
+              <a:rPr lang="en-US" dirty="0"/>
+              <a:t>. In Proceedings of the 9th international conference on social media and society, pages 31–40, 2018. </a:t>
+            </a:r>
+            <a:endParaRPr lang="en-US" dirty="0" smtClean="0"/>
+          </a:p>
+          <a:p>
+            <a:r>
+              <a:rPr lang="en-US" dirty="0" smtClean="0"/>
+              <a:t>[</a:t>
+            </a:r>
+            <a:r>
+              <a:rPr lang="en-US" dirty="0"/>
+              <a:t>5] Hideaki </a:t>
+            </a:r>
+            <a:r>
+              <a:rPr lang="en-US" dirty="0" err="1"/>
+              <a:t>Hata</a:t>
+            </a:r>
+            <a:r>
+              <a:rPr lang="en-US" dirty="0"/>
+              <a:t>, Nicole </a:t>
+            </a:r>
+            <a:r>
+              <a:rPr lang="en-US" dirty="0" err="1"/>
+              <a:t>Novielli</a:t>
+            </a:r>
+            <a:r>
+              <a:rPr lang="en-US" dirty="0"/>
+              <a:t>, Sebastian </a:t>
+            </a:r>
+            <a:r>
+              <a:rPr lang="en-US" dirty="0" err="1"/>
+              <a:t>Baltes</a:t>
+            </a:r>
+            <a:r>
+              <a:rPr lang="en-US" dirty="0"/>
+              <a:t>, </a:t>
+            </a:r>
+            <a:r>
+              <a:rPr lang="en-US" dirty="0" err="1"/>
+              <a:t>Raula</a:t>
+            </a:r>
+            <a:r>
+              <a:rPr lang="en-US" dirty="0"/>
+              <a:t> </a:t>
+            </a:r>
+            <a:r>
+              <a:rPr lang="en-US" dirty="0" err="1"/>
+              <a:t>Gaikovina</a:t>
+            </a:r>
+            <a:r>
+              <a:rPr lang="en-US" dirty="0"/>
+              <a:t> Kula, and Christoph </a:t>
+            </a:r>
+            <a:r>
+              <a:rPr lang="en-US" dirty="0" err="1"/>
+              <a:t>Treude</a:t>
+            </a:r>
+            <a:r>
+              <a:rPr lang="en-US" dirty="0"/>
+              <a:t>. </a:t>
+            </a:r>
+            <a:r>
+              <a:rPr lang="en-US" b="1" dirty="0" err="1"/>
+              <a:t>Github</a:t>
+            </a:r>
+            <a:r>
+              <a:rPr lang="en-US" b="1" dirty="0"/>
+              <a:t> discussions: An exploratory study of early adoption. </a:t>
+            </a:r>
+            <a:r>
+              <a:rPr lang="en-US" dirty="0"/>
+              <a:t>Empirical Software Engineering, </a:t>
+            </a:r>
+            <a:r>
+              <a:rPr lang="en-US" dirty="0" smtClean="0"/>
+              <a:t>27:1–32</a:t>
+            </a:r>
+            <a:r>
+              <a:rPr lang="en-US" dirty="0"/>
+              <a:t>, 2022</a:t>
+            </a:r>
+            <a:r>
+              <a:rPr lang="en-US" dirty="0" smtClean="0"/>
+              <a:t>.</a:t>
+            </a:r>
+          </a:p>
+          <a:p>
+            <a:r>
+              <a:rPr lang="en-US" dirty="0" smtClean="0">
+                <a:latin typeface="Times New Roman" panose="02020603050405020304" pitchFamily="18" charset="0"/>
+                <a:cs typeface="Times New Roman" panose="02020603050405020304" pitchFamily="18" charset="0"/>
+              </a:rPr>
+              <a:t>[6] Jose </a:t>
+            </a:r>
+            <a:r>
+              <a:rPr lang="en-US" dirty="0">
+                <a:latin typeface="Times New Roman" panose="02020603050405020304" pitchFamily="18" charset="0"/>
+                <a:cs typeface="Times New Roman" panose="02020603050405020304" pitchFamily="18" charset="0"/>
+              </a:rPr>
+              <a:t>Rolando </a:t>
+            </a:r>
+            <a:r>
+              <a:rPr lang="en-US" dirty="0" err="1">
+                <a:latin typeface="Times New Roman" panose="02020603050405020304" pitchFamily="18" charset="0"/>
+                <a:cs typeface="Times New Roman" panose="02020603050405020304" pitchFamily="18" charset="0"/>
+              </a:rPr>
+              <a:t>Guay</a:t>
+            </a:r>
+            <a:r>
+              <a:rPr lang="en-US" dirty="0">
+                <a:latin typeface="Times New Roman" panose="02020603050405020304" pitchFamily="18" charset="0"/>
+                <a:cs typeface="Times New Roman" panose="02020603050405020304" pitchFamily="18" charset="0"/>
+              </a:rPr>
+              <a:t> Paz and Jos  ́ e Rolando </a:t>
+            </a:r>
+            <a:r>
+              <a:rPr lang="en-US" dirty="0" err="1">
+                <a:latin typeface="Times New Roman" panose="02020603050405020304" pitchFamily="18" charset="0"/>
+                <a:cs typeface="Times New Roman" panose="02020603050405020304" pitchFamily="18" charset="0"/>
+              </a:rPr>
+              <a:t>Guay</a:t>
+            </a:r>
+            <a:r>
+              <a:rPr lang="en-US" dirty="0">
+                <a:latin typeface="Times New Roman" panose="02020603050405020304" pitchFamily="18" charset="0"/>
+                <a:cs typeface="Times New Roman" panose="02020603050405020304" pitchFamily="18" charset="0"/>
+              </a:rPr>
+              <a:t> Paz. Ajax and </a:t>
+            </a:r>
+            <a:r>
+              <a:rPr lang="en-US" dirty="0" err="1">
+                <a:latin typeface="Times New Roman" panose="02020603050405020304" pitchFamily="18" charset="0"/>
+                <a:cs typeface="Times New Roman" panose="02020603050405020304" pitchFamily="18" charset="0"/>
+              </a:rPr>
+              <a:t>jquery</a:t>
+            </a:r>
+            <a:r>
+              <a:rPr lang="en-US" dirty="0">
+                <a:latin typeface="Times New Roman" panose="02020603050405020304" pitchFamily="18" charset="0"/>
+                <a:cs typeface="Times New Roman" panose="02020603050405020304" pitchFamily="18" charset="0"/>
+              </a:rPr>
+              <a:t>.  ́ Beginning</a:t>
+            </a:r>
+          </a:p>
+          <a:p>
+            <a:pPr marL="0" indent="0">
+              <a:buNone/>
+            </a:pPr>
+            <a:r>
+              <a:rPr lang="en-US" dirty="0">
+                <a:latin typeface="Times New Roman" panose="02020603050405020304" pitchFamily="18" charset="0"/>
+                <a:cs typeface="Times New Roman" panose="02020603050405020304" pitchFamily="18" charset="0"/>
+              </a:rPr>
+              <a:t> </a:t>
+            </a:r>
+            <a:r>
+              <a:rPr lang="en-US" dirty="0" smtClean="0">
+                <a:latin typeface="Times New Roman" panose="02020603050405020304" pitchFamily="18" charset="0"/>
+                <a:cs typeface="Times New Roman" panose="02020603050405020304" pitchFamily="18" charset="0"/>
+              </a:rPr>
+              <a:t>   ASP</a:t>
+            </a:r>
+            <a:r>
+              <a:rPr lang="en-US" dirty="0">
+                <a:latin typeface="Times New Roman" panose="02020603050405020304" pitchFamily="18" charset="0"/>
+                <a:cs typeface="Times New Roman" panose="02020603050405020304" pitchFamily="18" charset="0"/>
+              </a:rPr>
+              <a:t>. NET MVC 4, pages 111–138, 2013.</a:t>
+            </a:r>
+          </a:p>
+        </p:txBody>
+      </p:sp>
+      <p:sp>
+        <p:nvSpPr>
           <p:cNvPr id="4" name="Date Placeholder 3"/>
           <p:cNvSpPr>
             <a:spLocks noGrp="1"/>
@@ -7415,7 +8460,7 @@
           <a:p>
             <a:fld id="{61066859-9ABD-47EE-A13A-7683241B4E0D}" type="datetime1">
               <a:rPr lang="en-US" smtClean="0"/>
-              <a:t>6/11/2023</a:t>
+              <a:t>8/23/2023</a:t>
             </a:fld>
             <a:endParaRPr lang="en-US"/>
           </a:p>
@@ -7447,7 +8492,7 @@
     </p:spTree>
     <p:extLst>
       <p:ext uri="{BB962C8B-B14F-4D97-AF65-F5344CB8AC3E}">
-        <p14:creationId xmlns:p14="http://schemas.microsoft.com/office/powerpoint/2010/main" val="728221586"/>
+        <p14:creationId xmlns:p14="http://schemas.microsoft.com/office/powerpoint/2010/main" val="158440558"/>
       </p:ext>
     </p:extLst>
   </p:cSld>
@@ -7493,7 +8538,7 @@
         </p:nvSpPr>
         <p:spPr>
           <a:xfrm>
-            <a:off x="1062135" y="2483174"/>
+            <a:off x="838200" y="2772423"/>
             <a:ext cx="10515600" cy="1325563"/>
           </a:xfrm>
         </p:spPr>
@@ -7501,12 +8546,13 @@
           <a:bodyPr/>
           <a:lstStyle/>
           <a:p>
+            <a:pPr algn="ctr"/>
             <a:r>
               <a:rPr lang="en-US" dirty="0" smtClean="0">
                 <a:latin typeface="Times New Roman" panose="02020603050405020304" pitchFamily="18" charset="0"/>
                 <a:cs typeface="Times New Roman" panose="02020603050405020304" pitchFamily="18" charset="0"/>
               </a:rPr>
-              <a:t>THANK YOU ALL!!!</a:t>
+              <a:t>Thank You</a:t>
             </a:r>
             <a:endParaRPr lang="en-US" dirty="0">
               <a:latin typeface="Times New Roman" panose="02020603050405020304" pitchFamily="18" charset="0"/>
@@ -7532,7 +8578,7 @@
           <a:p>
             <a:fld id="{61066859-9ABD-47EE-A13A-7683241B4E0D}" type="datetime1">
               <a:rPr lang="en-US" smtClean="0"/>
-              <a:t>6/11/2023</a:t>
+              <a:t>8/23/2023</a:t>
             </a:fld>
             <a:endParaRPr lang="en-US"/>
           </a:p>
@@ -7564,7 +8610,7 @@
     </p:spTree>
     <p:extLst>
       <p:ext uri="{BB962C8B-B14F-4D97-AF65-F5344CB8AC3E}">
-        <p14:creationId xmlns:p14="http://schemas.microsoft.com/office/powerpoint/2010/main" val="1911401906"/>
+        <p14:creationId xmlns:p14="http://schemas.microsoft.com/office/powerpoint/2010/main" val="728221586"/>
       </p:ext>
     </p:extLst>
   </p:cSld>
@@ -7654,9 +8700,9 @@
           <a:p>
             <a:r>
               <a:rPr lang="en-US" dirty="0" smtClean="0">
-                <a:latin typeface="Tahoma" panose="020B0604030504040204" pitchFamily="34" charset="0"/>
+                <a:latin typeface="Times New Roman" panose="02020603050405020304" pitchFamily="18" charset="0"/>
                 <a:ea typeface="Tahoma" panose="020B0604030504040204" pitchFamily="34" charset="0"/>
-                <a:cs typeface="Tahoma" panose="020B0604030504040204" pitchFamily="34" charset="0"/>
+                <a:cs typeface="Times New Roman" panose="02020603050405020304" pitchFamily="18" charset="0"/>
               </a:rPr>
               <a:t>Exposure for Newcomers</a:t>
             </a:r>
@@ -7664,9 +8710,9 @@
           <a:p>
             <a:r>
               <a:rPr lang="en-US" dirty="0" smtClean="0">
-                <a:latin typeface="Tahoma" panose="020B0604030504040204" pitchFamily="34" charset="0"/>
+                <a:latin typeface="Times New Roman" panose="02020603050405020304" pitchFamily="18" charset="0"/>
                 <a:ea typeface="Tahoma" panose="020B0604030504040204" pitchFamily="34" charset="0"/>
-                <a:cs typeface="Tahoma" panose="020B0604030504040204" pitchFamily="34" charset="0"/>
+                <a:cs typeface="Times New Roman" panose="02020603050405020304" pitchFamily="18" charset="0"/>
               </a:rPr>
               <a:t>Community Building</a:t>
             </a:r>
@@ -7674,25 +8720,25 @@
           <a:p>
             <a:r>
               <a:rPr lang="en-US" dirty="0" smtClean="0">
-                <a:latin typeface="Tahoma" panose="020B0604030504040204" pitchFamily="34" charset="0"/>
+                <a:latin typeface="Times New Roman" panose="02020603050405020304" pitchFamily="18" charset="0"/>
                 <a:ea typeface="Tahoma" panose="020B0604030504040204" pitchFamily="34" charset="0"/>
-                <a:cs typeface="Tahoma" panose="020B0604030504040204" pitchFamily="34" charset="0"/>
+                <a:cs typeface="Times New Roman" panose="02020603050405020304" pitchFamily="18" charset="0"/>
               </a:rPr>
               <a:t>Knowledge </a:t>
             </a:r>
             <a:r>
               <a:rPr lang="en-US" dirty="0">
-                <a:latin typeface="Tahoma" panose="020B0604030504040204" pitchFamily="34" charset="0"/>
+                <a:latin typeface="Times New Roman" panose="02020603050405020304" pitchFamily="18" charset="0"/>
                 <a:ea typeface="Tahoma" panose="020B0604030504040204" pitchFamily="34" charset="0"/>
-                <a:cs typeface="Tahoma" panose="020B0604030504040204" pitchFamily="34" charset="0"/>
+                <a:cs typeface="Times New Roman" panose="02020603050405020304" pitchFamily="18" charset="0"/>
               </a:rPr>
               <a:t>Sharing and </a:t>
             </a:r>
             <a:r>
               <a:rPr lang="en-US" dirty="0" smtClean="0">
-                <a:latin typeface="Tahoma" panose="020B0604030504040204" pitchFamily="34" charset="0"/>
+                <a:latin typeface="Times New Roman" panose="02020603050405020304" pitchFamily="18" charset="0"/>
                 <a:ea typeface="Tahoma" panose="020B0604030504040204" pitchFamily="34" charset="0"/>
-                <a:cs typeface="Tahoma" panose="020B0604030504040204" pitchFamily="34" charset="0"/>
+                <a:cs typeface="Times New Roman" panose="02020603050405020304" pitchFamily="18" charset="0"/>
               </a:rPr>
               <a:t>Learning</a:t>
             </a:r>
@@ -7700,25 +8746,25 @@
           <a:p>
             <a:r>
               <a:rPr lang="en-US" dirty="0" smtClean="0">
-                <a:latin typeface="Tahoma" panose="020B0604030504040204" pitchFamily="34" charset="0"/>
+                <a:latin typeface="Times New Roman" panose="02020603050405020304" pitchFamily="18" charset="0"/>
                 <a:ea typeface="Tahoma" panose="020B0604030504040204" pitchFamily="34" charset="0"/>
-                <a:cs typeface="Tahoma" panose="020B0604030504040204" pitchFamily="34" charset="0"/>
+                <a:cs typeface="Times New Roman" panose="02020603050405020304" pitchFamily="18" charset="0"/>
               </a:rPr>
               <a:t>Personal </a:t>
             </a:r>
             <a:r>
               <a:rPr lang="en-US" dirty="0">
-                <a:latin typeface="Tahoma" panose="020B0604030504040204" pitchFamily="34" charset="0"/>
+                <a:latin typeface="Times New Roman" panose="02020603050405020304" pitchFamily="18" charset="0"/>
                 <a:ea typeface="Tahoma" panose="020B0604030504040204" pitchFamily="34" charset="0"/>
-                <a:cs typeface="Tahoma" panose="020B0604030504040204" pitchFamily="34" charset="0"/>
+                <a:cs typeface="Times New Roman" panose="02020603050405020304" pitchFamily="18" charset="0"/>
               </a:rPr>
               <a:t>Growth and </a:t>
             </a:r>
             <a:r>
               <a:rPr lang="en-US" dirty="0" smtClean="0">
-                <a:latin typeface="Tahoma" panose="020B0604030504040204" pitchFamily="34" charset="0"/>
+                <a:latin typeface="Times New Roman" panose="02020603050405020304" pitchFamily="18" charset="0"/>
                 <a:ea typeface="Tahoma" panose="020B0604030504040204" pitchFamily="34" charset="0"/>
-                <a:cs typeface="Tahoma" panose="020B0604030504040204" pitchFamily="34" charset="0"/>
+                <a:cs typeface="Times New Roman" panose="02020603050405020304" pitchFamily="18" charset="0"/>
               </a:rPr>
               <a:t>Challenge</a:t>
             </a:r>
@@ -7742,7 +8788,7 @@
           <a:p>
             <a:fld id="{61066859-9ABD-47EE-A13A-7683241B4E0D}" type="datetime1">
               <a:rPr lang="en-US" smtClean="0"/>
-              <a:t>6/11/2023</a:t>
+              <a:t>8/23/2023</a:t>
             </a:fld>
             <a:endParaRPr lang="en-US"/>
           </a:p>
@@ -7828,7 +8874,7 @@
                 <a:latin typeface="Times New Roman" panose="02020603050405020304" pitchFamily="18" charset="0"/>
                 <a:cs typeface="Times New Roman" panose="02020603050405020304" pitchFamily="18" charset="0"/>
               </a:rPr>
-              <a:t>Background</a:t>
+              <a:t>Problem Statement</a:t>
             </a:r>
             <a:endParaRPr lang="en-US" dirty="0">
               <a:latin typeface="Times New Roman" panose="02020603050405020304" pitchFamily="18" charset="0"/>
@@ -7847,92 +8893,101 @@
             <p:ph idx="1"/>
           </p:nvPr>
         </p:nvSpPr>
-        <p:spPr>
-          <a:xfrm>
-            <a:off x="838200" y="1690688"/>
-            <a:ext cx="10515600" cy="4351338"/>
-          </a:xfrm>
-        </p:spPr>
-        <p:txBody>
-          <a:bodyPr/>
-          <a:lstStyle/>
-          <a:p>
-            <a:pPr algn="just"/>
+        <p:spPr/>
+        <p:txBody>
+          <a:bodyPr/>
+          <a:lstStyle/>
+          <a:p>
             <a:r>
               <a:rPr lang="en-US" dirty="0">
                 <a:latin typeface="Times New Roman" panose="02020603050405020304" pitchFamily="18" charset="0"/>
                 <a:cs typeface="Times New Roman" panose="02020603050405020304" pitchFamily="18" charset="0"/>
               </a:rPr>
-              <a:t>The project was conceptualized based on personal </a:t>
+              <a:t>Lack of </a:t>
             </a:r>
             <a:r>
               <a:rPr lang="en-US" dirty="0" smtClean="0">
                 <a:latin typeface="Times New Roman" panose="02020603050405020304" pitchFamily="18" charset="0"/>
                 <a:cs typeface="Times New Roman" panose="02020603050405020304" pitchFamily="18" charset="0"/>
               </a:rPr>
-              <a:t>experiences. </a:t>
-            </a:r>
-          </a:p>
-          <a:p>
-            <a:pPr algn="just"/>
+              <a:t>specific social media for </a:t>
+            </a:r>
+            <a:r>
+              <a:rPr lang="en-US" dirty="0">
+                <a:latin typeface="Times New Roman" panose="02020603050405020304" pitchFamily="18" charset="0"/>
+                <a:cs typeface="Times New Roman" panose="02020603050405020304" pitchFamily="18" charset="0"/>
+              </a:rPr>
+              <a:t>IT enthusiast</a:t>
+            </a:r>
+            <a:endParaRPr lang="en-US" dirty="0" smtClean="0">
+              <a:latin typeface="Times New Roman" panose="02020603050405020304" pitchFamily="18" charset="0"/>
+              <a:cs typeface="Times New Roman" panose="02020603050405020304" pitchFamily="18" charset="0"/>
+            </a:endParaRPr>
+          </a:p>
+          <a:p>
             <a:r>
               <a:rPr lang="en-US" dirty="0" smtClean="0">
                 <a:latin typeface="Times New Roman" panose="02020603050405020304" pitchFamily="18" charset="0"/>
                 <a:cs typeface="Times New Roman" panose="02020603050405020304" pitchFamily="18" charset="0"/>
               </a:rPr>
-              <a:t>Through </a:t>
-            </a:r>
-            <a:r>
-              <a:rPr lang="en-US" dirty="0">
-                <a:latin typeface="Times New Roman" panose="02020603050405020304" pitchFamily="18" charset="0"/>
-                <a:cs typeface="Times New Roman" panose="02020603050405020304" pitchFamily="18" charset="0"/>
-              </a:rPr>
-              <a:t>discussions and research, it became evident that existing social media platforms </a:t>
-            </a:r>
+              <a:t>Limited Facilities for sharing Resume and Projects</a:t>
+            </a:r>
+          </a:p>
+          <a:p>
             <a:r>
               <a:rPr lang="en-US" dirty="0" smtClean="0">
                 <a:latin typeface="Times New Roman" panose="02020603050405020304" pitchFamily="18" charset="0"/>
                 <a:cs typeface="Times New Roman" panose="02020603050405020304" pitchFamily="18" charset="0"/>
               </a:rPr>
-              <a:t>lack on our needs. </a:t>
-            </a:r>
-          </a:p>
-          <a:p>
-            <a:pPr algn="just"/>
+              <a:t>Limited Exposure in other social media </a:t>
+            </a:r>
+            <a:endParaRPr lang="en-US" dirty="0">
+              <a:latin typeface="Times New Roman" panose="02020603050405020304" pitchFamily="18" charset="0"/>
+              <a:cs typeface="Times New Roman" panose="02020603050405020304" pitchFamily="18" charset="0"/>
+            </a:endParaRPr>
+          </a:p>
+          <a:p>
+            <a:pPr lvl="1"/>
             <a:r>
               <a:rPr lang="en-US" dirty="0" smtClean="0">
                 <a:latin typeface="Times New Roman" panose="02020603050405020304" pitchFamily="18" charset="0"/>
                 <a:cs typeface="Times New Roman" panose="02020603050405020304" pitchFamily="18" charset="0"/>
               </a:rPr>
-              <a:t>The </a:t>
-            </a:r>
-            <a:r>
-              <a:rPr lang="en-US" dirty="0">
-                <a:latin typeface="Times New Roman" panose="02020603050405020304" pitchFamily="18" charset="0"/>
-                <a:cs typeface="Times New Roman" panose="02020603050405020304" pitchFamily="18" charset="0"/>
-              </a:rPr>
-              <a:t>project aims to address this gap by creating a dedicated </a:t>
-            </a:r>
-            <a:r>
-              <a:rPr lang="en-US" dirty="0" smtClean="0">
-                <a:latin typeface="Times New Roman" panose="02020603050405020304" pitchFamily="18" charset="0"/>
-                <a:cs typeface="Times New Roman" panose="02020603050405020304" pitchFamily="18" charset="0"/>
-              </a:rPr>
-              <a:t>space for </a:t>
-            </a:r>
-            <a:r>
-              <a:rPr lang="en-US" dirty="0">
-                <a:latin typeface="Times New Roman" panose="02020603050405020304" pitchFamily="18" charset="0"/>
-                <a:cs typeface="Times New Roman" panose="02020603050405020304" pitchFamily="18" charset="0"/>
-              </a:rPr>
-              <a:t>IT enthusiast.</a:t>
-            </a:r>
-          </a:p>
-        </p:txBody>
-      </p:sp>
-      <p:sp>
-        <p:nvSpPr>
-          <p:cNvPr id="4" name="Slide Number Placeholder 3"/>
+              <a:t>Specially for new aspiring developers and designers</a:t>
+            </a:r>
+            <a:endParaRPr lang="en-US" dirty="0">
+              <a:latin typeface="Times New Roman" panose="02020603050405020304" pitchFamily="18" charset="0"/>
+              <a:cs typeface="Times New Roman" panose="02020603050405020304" pitchFamily="18" charset="0"/>
+            </a:endParaRPr>
+          </a:p>
+        </p:txBody>
+      </p:sp>
+      <p:sp>
+        <p:nvSpPr>
+          <p:cNvPr id="4" name="Date Placeholder 3"/>
+          <p:cNvSpPr>
+            <a:spLocks noGrp="1"/>
+          </p:cNvSpPr>
+          <p:nvPr>
+            <p:ph type="dt" sz="half" idx="10"/>
+          </p:nvPr>
+        </p:nvSpPr>
+        <p:spPr/>
+        <p:txBody>
+          <a:bodyPr/>
+          <a:lstStyle/>
+          <a:p>
+            <a:fld id="{61066859-9ABD-47EE-A13A-7683241B4E0D}" type="datetime1">
+              <a:rPr lang="en-US" smtClean="0"/>
+              <a:t>8/23/2023</a:t>
+            </a:fld>
+            <a:endParaRPr lang="en-US"/>
+          </a:p>
+        </p:txBody>
+      </p:sp>
+      <p:sp>
+        <p:nvSpPr>
+          <p:cNvPr id="5" name="Slide Number Placeholder 4"/>
           <p:cNvSpPr>
             <a:spLocks noGrp="1"/>
           </p:cNvSpPr>
@@ -7948,29 +9003,6 @@
             <a:fld id="{EC5C04CC-AAE0-4DA8-BE54-D7078AB31EEA}" type="slidenum">
               <a:rPr lang="en-US" smtClean="0"/>
               <a:t>3</a:t>
-            </a:fld>
-            <a:endParaRPr lang="en-US" dirty="0"/>
-          </a:p>
-        </p:txBody>
-      </p:sp>
-      <p:sp>
-        <p:nvSpPr>
-          <p:cNvPr id="5" name="Date Placeholder 4"/>
-          <p:cNvSpPr>
-            <a:spLocks noGrp="1"/>
-          </p:cNvSpPr>
-          <p:nvPr>
-            <p:ph type="dt" sz="half" idx="10"/>
-          </p:nvPr>
-        </p:nvSpPr>
-        <p:spPr/>
-        <p:txBody>
-          <a:bodyPr/>
-          <a:lstStyle/>
-          <a:p>
-            <a:fld id="{EDC2E9A8-9B6C-49D4-8298-F9AA7E468CBB}" type="datetime1">
-              <a:rPr lang="en-US" smtClean="0"/>
-              <a:t>6/11/2023</a:t>
             </a:fld>
             <a:endParaRPr lang="en-US"/>
           </a:p>
@@ -7979,7 +9011,7 @@
     </p:spTree>
     <p:extLst>
       <p:ext uri="{BB962C8B-B14F-4D97-AF65-F5344CB8AC3E}">
-        <p14:creationId xmlns:p14="http://schemas.microsoft.com/office/powerpoint/2010/main" val="4178703044"/>
+        <p14:creationId xmlns:p14="http://schemas.microsoft.com/office/powerpoint/2010/main" val="1954468852"/>
       </p:ext>
     </p:extLst>
   </p:cSld>
@@ -8033,7 +9065,7 @@
                 <a:latin typeface="Times New Roman" panose="02020603050405020304" pitchFamily="18" charset="0"/>
                 <a:cs typeface="Times New Roman" panose="02020603050405020304" pitchFamily="18" charset="0"/>
               </a:rPr>
-              <a:t>Problem Statement</a:t>
+              <a:t>Objectives</a:t>
             </a:r>
             <a:endParaRPr lang="en-US" dirty="0">
               <a:latin typeface="Times New Roman" panose="02020603050405020304" pitchFamily="18" charset="0"/>
@@ -8054,70 +9086,54 @@
         </p:nvSpPr>
         <p:spPr/>
         <p:txBody>
-          <a:bodyPr/>
-          <a:lstStyle/>
-          <a:p>
+          <a:bodyPr>
+            <a:normAutofit/>
+          </a:bodyPr>
+          <a:lstStyle/>
+          <a:p>
+            <a:pPr algn="just"/>
+            <a:r>
+              <a:rPr lang="en-US" dirty="0" smtClean="0">
+                <a:latin typeface="Times New Roman" panose="02020603050405020304" pitchFamily="18" charset="0"/>
+                <a:cs typeface="Times New Roman" panose="02020603050405020304" pitchFamily="18" charset="0"/>
+              </a:rPr>
+              <a:t>To develop </a:t>
+            </a:r>
             <a:r>
               <a:rPr lang="en-US" dirty="0">
                 <a:latin typeface="Times New Roman" panose="02020603050405020304" pitchFamily="18" charset="0"/>
                 <a:cs typeface="Times New Roman" panose="02020603050405020304" pitchFamily="18" charset="0"/>
               </a:rPr>
-              <a:t>Lack of </a:t>
+              <a:t>a user-friendly </a:t>
             </a:r>
             <a:r>
               <a:rPr lang="en-US" dirty="0" smtClean="0">
                 <a:latin typeface="Times New Roman" panose="02020603050405020304" pitchFamily="18" charset="0"/>
                 <a:cs typeface="Times New Roman" panose="02020603050405020304" pitchFamily="18" charset="0"/>
               </a:rPr>
-              <a:t>specific social media for </a:t>
+              <a:t>social </a:t>
             </a:r>
             <a:r>
               <a:rPr lang="en-US" dirty="0">
                 <a:latin typeface="Times New Roman" panose="02020603050405020304" pitchFamily="18" charset="0"/>
                 <a:cs typeface="Times New Roman" panose="02020603050405020304" pitchFamily="18" charset="0"/>
               </a:rPr>
-              <a:t>IT enthusiast</a:t>
-            </a:r>
-            <a:endParaRPr lang="en-US" dirty="0" smtClean="0">
-              <a:latin typeface="Times New Roman" panose="02020603050405020304" pitchFamily="18" charset="0"/>
-              <a:cs typeface="Times New Roman" panose="02020603050405020304" pitchFamily="18" charset="0"/>
-            </a:endParaRPr>
-          </a:p>
-          <a:p>
+              <a:t>media web app specifically tailored </a:t>
+            </a:r>
             <a:r>
               <a:rPr lang="en-US" dirty="0" smtClean="0">
                 <a:latin typeface="Times New Roman" panose="02020603050405020304" pitchFamily="18" charset="0"/>
                 <a:cs typeface="Times New Roman" panose="02020603050405020304" pitchFamily="18" charset="0"/>
               </a:rPr>
-              <a:t>Limited Facilities for sharing Resume and Projects</a:t>
-            </a:r>
-          </a:p>
-          <a:p>
-            <a:r>
-              <a:rPr lang="en-US" dirty="0" smtClean="0">
-                <a:latin typeface="Times New Roman" panose="02020603050405020304" pitchFamily="18" charset="0"/>
-                <a:cs typeface="Times New Roman" panose="02020603050405020304" pitchFamily="18" charset="0"/>
-              </a:rPr>
-              <a:t>Limited Exposure in other social media </a:t>
-            </a:r>
-            <a:endParaRPr lang="en-US" dirty="0">
-              <a:latin typeface="Times New Roman" panose="02020603050405020304" pitchFamily="18" charset="0"/>
-              <a:cs typeface="Times New Roman" panose="02020603050405020304" pitchFamily="18" charset="0"/>
-            </a:endParaRPr>
-          </a:p>
-          <a:p>
-            <a:pPr lvl="1"/>
-            <a:r>
-              <a:rPr lang="en-US" dirty="0" smtClean="0">
-                <a:latin typeface="Times New Roman" panose="02020603050405020304" pitchFamily="18" charset="0"/>
-                <a:cs typeface="Times New Roman" panose="02020603050405020304" pitchFamily="18" charset="0"/>
-              </a:rPr>
-              <a:t>Specially for new aspiring developers and designers</a:t>
-            </a:r>
-            <a:endParaRPr lang="en-US" dirty="0">
-              <a:latin typeface="Times New Roman" panose="02020603050405020304" pitchFamily="18" charset="0"/>
-              <a:cs typeface="Times New Roman" panose="02020603050405020304" pitchFamily="18" charset="0"/>
-            </a:endParaRPr>
+              <a:t>to </a:t>
+            </a:r>
+            <a:r>
+              <a:rPr lang="en-US" dirty="0">
+                <a:latin typeface="Times New Roman" panose="02020603050405020304" pitchFamily="18" charset="0"/>
+                <a:cs typeface="Times New Roman" panose="02020603050405020304" pitchFamily="18" charset="0"/>
+              </a:rPr>
+              <a:t>IT enthusiast.</a:t>
+            </a:r>
           </a:p>
         </p:txBody>
       </p:sp>
@@ -8138,7 +9154,7 @@
           <a:p>
             <a:fld id="{61066859-9ABD-47EE-A13A-7683241B4E0D}" type="datetime1">
               <a:rPr lang="en-US" smtClean="0"/>
-              <a:t>6/11/2023</a:t>
+              <a:t>8/23/2023</a:t>
             </a:fld>
             <a:endParaRPr lang="en-US"/>
           </a:p>
@@ -8170,7 +9186,7 @@
     </p:spTree>
     <p:extLst>
       <p:ext uri="{BB962C8B-B14F-4D97-AF65-F5344CB8AC3E}">
-        <p14:creationId xmlns:p14="http://schemas.microsoft.com/office/powerpoint/2010/main" val="1954468852"/>
+        <p14:creationId xmlns:p14="http://schemas.microsoft.com/office/powerpoint/2010/main" val="1278958902"/>
       </p:ext>
     </p:extLst>
   </p:cSld>
@@ -8224,7 +9240,7 @@
                 <a:latin typeface="Times New Roman" panose="02020603050405020304" pitchFamily="18" charset="0"/>
                 <a:cs typeface="Times New Roman" panose="02020603050405020304" pitchFamily="18" charset="0"/>
               </a:rPr>
-              <a:t>Objectives</a:t>
+              <a:t>Scope</a:t>
             </a:r>
             <a:endParaRPr lang="en-US" dirty="0">
               <a:latin typeface="Times New Roman" panose="02020603050405020304" pitchFamily="18" charset="0"/>
@@ -8250,27 +9266,44 @@
           </a:bodyPr>
           <a:lstStyle/>
           <a:p>
-            <a:pPr algn="just"/>
-            <a:r>
-              <a:rPr lang="en-US" dirty="0"/>
-              <a:t>Develop a user-friendly </a:t>
-            </a:r>
-            <a:r>
-              <a:rPr lang="en-US" dirty="0" smtClean="0"/>
-              <a:t>social </a:t>
-            </a:r>
-            <a:r>
-              <a:rPr lang="en-US" dirty="0"/>
-              <a:t>media web app specifically tailored </a:t>
-            </a:r>
-            <a:r>
-              <a:rPr lang="en-US" dirty="0" smtClean="0"/>
-              <a:t>to </a:t>
-            </a:r>
-            <a:r>
-              <a:rPr lang="en-US" dirty="0"/>
-              <a:t>IT enthusiast.</a:t>
-            </a:r>
+            <a:r>
+              <a:rPr lang="en-US" dirty="0" smtClean="0">
+                <a:latin typeface="Times New Roman" panose="02020603050405020304" pitchFamily="18" charset="0"/>
+                <a:cs typeface="Times New Roman" panose="02020603050405020304" pitchFamily="18" charset="0"/>
+              </a:rPr>
+              <a:t>Discussion/ Collaboration</a:t>
+            </a:r>
+          </a:p>
+          <a:p>
+            <a:r>
+              <a:rPr lang="en-US" dirty="0" smtClean="0">
+                <a:latin typeface="Times New Roman" panose="02020603050405020304" pitchFamily="18" charset="0"/>
+                <a:cs typeface="Times New Roman" panose="02020603050405020304" pitchFamily="18" charset="0"/>
+              </a:rPr>
+              <a:t>Messaging</a:t>
+            </a:r>
+          </a:p>
+          <a:p>
+            <a:r>
+              <a:rPr lang="en-US" dirty="0" smtClean="0">
+                <a:latin typeface="Times New Roman" panose="02020603050405020304" pitchFamily="18" charset="0"/>
+                <a:cs typeface="Times New Roman" panose="02020603050405020304" pitchFamily="18" charset="0"/>
+              </a:rPr>
+              <a:t>Showcase</a:t>
+            </a:r>
+          </a:p>
+          <a:p>
+            <a:r>
+              <a:rPr lang="en-US" dirty="0" smtClean="0">
+                <a:latin typeface="Times New Roman" panose="02020603050405020304" pitchFamily="18" charset="0"/>
+                <a:cs typeface="Times New Roman" panose="02020603050405020304" pitchFamily="18" charset="0"/>
+              </a:rPr>
+              <a:t>Connection</a:t>
+            </a:r>
+            <a:endParaRPr lang="en-US" dirty="0">
+              <a:latin typeface="Times New Roman" panose="02020603050405020304" pitchFamily="18" charset="0"/>
+              <a:cs typeface="Times New Roman" panose="02020603050405020304" pitchFamily="18" charset="0"/>
+            </a:endParaRPr>
           </a:p>
         </p:txBody>
       </p:sp>
@@ -8291,7 +9324,7 @@
           <a:p>
             <a:fld id="{61066859-9ABD-47EE-A13A-7683241B4E0D}" type="datetime1">
               <a:rPr lang="en-US" smtClean="0"/>
-              <a:t>6/11/2023</a:t>
+              <a:t>8/23/2023</a:t>
             </a:fld>
             <a:endParaRPr lang="en-US"/>
           </a:p>
@@ -8323,7 +9356,7 @@
     </p:spTree>
     <p:extLst>
       <p:ext uri="{BB962C8B-B14F-4D97-AF65-F5344CB8AC3E}">
-        <p14:creationId xmlns:p14="http://schemas.microsoft.com/office/powerpoint/2010/main" val="1278958902"/>
+        <p14:creationId xmlns:p14="http://schemas.microsoft.com/office/powerpoint/2010/main" val="3693853024"/>
       </p:ext>
     </p:extLst>
   </p:cSld>
@@ -8377,7 +9410,7 @@
                 <a:latin typeface="Times New Roman" panose="02020603050405020304" pitchFamily="18" charset="0"/>
                 <a:cs typeface="Times New Roman" panose="02020603050405020304" pitchFamily="18" charset="0"/>
               </a:rPr>
-              <a:t>Scope</a:t>
+              <a:t>Originality</a:t>
             </a:r>
             <a:endParaRPr lang="en-US" dirty="0">
               <a:latin typeface="Times New Roman" panose="02020603050405020304" pitchFamily="18" charset="0"/>
@@ -8398,47 +9431,64 @@
         </p:nvSpPr>
         <p:spPr/>
         <p:txBody>
-          <a:bodyPr>
-            <a:normAutofit/>
-          </a:bodyPr>
-          <a:lstStyle/>
-          <a:p>
+          <a:bodyPr/>
+          <a:lstStyle/>
+          <a:p>
+            <a:r>
+              <a:rPr lang="en-US" dirty="0">
+                <a:latin typeface="Times New Roman" panose="02020603050405020304" pitchFamily="18" charset="0"/>
+                <a:ea typeface="Tahoma" panose="020B0604030504040204" pitchFamily="34" charset="0"/>
+                <a:cs typeface="Times New Roman" panose="02020603050405020304" pitchFamily="18" charset="0"/>
+              </a:rPr>
+              <a:t>Specialized </a:t>
+            </a:r>
             <a:r>
               <a:rPr lang="en-US" dirty="0" smtClean="0">
                 <a:latin typeface="Times New Roman" panose="02020603050405020304" pitchFamily="18" charset="0"/>
-                <a:cs typeface="Times New Roman" panose="02020603050405020304" pitchFamily="18" charset="0"/>
-              </a:rPr>
-              <a:t>Discussion/ Collaboration</a:t>
+                <a:ea typeface="Tahoma" panose="020B0604030504040204" pitchFamily="34" charset="0"/>
+                <a:cs typeface="Times New Roman" panose="02020603050405020304" pitchFamily="18" charset="0"/>
+              </a:rPr>
+              <a:t>Platform</a:t>
             </a:r>
           </a:p>
           <a:p>
             <a:r>
               <a:rPr lang="en-US" dirty="0" smtClean="0">
                 <a:latin typeface="Times New Roman" panose="02020603050405020304" pitchFamily="18" charset="0"/>
-                <a:cs typeface="Times New Roman" panose="02020603050405020304" pitchFamily="18" charset="0"/>
-              </a:rPr>
-              <a:t>Messaging</a:t>
-            </a:r>
-          </a:p>
-          <a:p>
+                <a:ea typeface="Tahoma" panose="020B0604030504040204" pitchFamily="34" charset="0"/>
+                <a:cs typeface="Times New Roman" panose="02020603050405020304" pitchFamily="18" charset="0"/>
+              </a:rPr>
+              <a:t>Career </a:t>
+            </a:r>
             <a:r>
               <a:rPr lang="en-US" dirty="0" smtClean="0">
                 <a:latin typeface="Times New Roman" panose="02020603050405020304" pitchFamily="18" charset="0"/>
-                <a:cs typeface="Times New Roman" panose="02020603050405020304" pitchFamily="18" charset="0"/>
-              </a:rPr>
-              <a:t>Showcase</a:t>
-            </a:r>
-          </a:p>
-          <a:p>
+                <a:ea typeface="Tahoma" panose="020B0604030504040204" pitchFamily="34" charset="0"/>
+                <a:cs typeface="Times New Roman" panose="02020603050405020304" pitchFamily="18" charset="0"/>
+              </a:rPr>
+              <a:t>Enhancement</a:t>
+            </a:r>
+          </a:p>
+          <a:p>
+            <a:r>
+              <a:rPr lang="en-US" dirty="0">
+                <a:latin typeface="Times New Roman" panose="02020603050405020304" pitchFamily="18" charset="0"/>
+                <a:ea typeface="Tahoma" panose="020B0604030504040204" pitchFamily="34" charset="0"/>
+                <a:cs typeface="Times New Roman" panose="02020603050405020304" pitchFamily="18" charset="0"/>
+              </a:rPr>
+              <a:t>Empowerment and </a:t>
+            </a:r>
             <a:r>
               <a:rPr lang="en-US" dirty="0" smtClean="0">
                 <a:latin typeface="Times New Roman" panose="02020603050405020304" pitchFamily="18" charset="0"/>
-                <a:cs typeface="Times New Roman" panose="02020603050405020304" pitchFamily="18" charset="0"/>
-              </a:rPr>
-              <a:t>Connection</a:t>
+                <a:ea typeface="Tahoma" panose="020B0604030504040204" pitchFamily="34" charset="0"/>
+                <a:cs typeface="Times New Roman" panose="02020603050405020304" pitchFamily="18" charset="0"/>
+              </a:rPr>
+              <a:t>Growth</a:t>
             </a:r>
             <a:endParaRPr lang="en-US" dirty="0">
               <a:latin typeface="Times New Roman" panose="02020603050405020304" pitchFamily="18" charset="0"/>
+              <a:ea typeface="Tahoma" panose="020B0604030504040204" pitchFamily="34" charset="0"/>
               <a:cs typeface="Times New Roman" panose="02020603050405020304" pitchFamily="18" charset="0"/>
             </a:endParaRPr>
           </a:p>
@@ -8461,7 +9511,7 @@
           <a:p>
             <a:fld id="{61066859-9ABD-47EE-A13A-7683241B4E0D}" type="datetime1">
               <a:rPr lang="en-US" smtClean="0"/>
-              <a:t>6/11/2023</a:t>
+              <a:t>8/23/2023</a:t>
             </a:fld>
             <a:endParaRPr lang="en-US"/>
           </a:p>
@@ -8493,20 +9543,13 @@
     </p:spTree>
     <p:extLst>
       <p:ext uri="{BB962C8B-B14F-4D97-AF65-F5344CB8AC3E}">
-        <p14:creationId xmlns:p14="http://schemas.microsoft.com/office/powerpoint/2010/main" val="3693853024"/>
+        <p14:creationId xmlns:p14="http://schemas.microsoft.com/office/powerpoint/2010/main" val="77573922"/>
       </p:ext>
     </p:extLst>
   </p:cSld>
   <p:clrMapOvr>
     <a:masterClrMapping/>
   </p:clrMapOvr>
-  <p:timing>
-    <p:tnLst>
-      <p:par>
-        <p:cTn id="1" dur="indefinite" restart="never" nodeType="tmRoot"/>
-      </p:par>
-    </p:tnLst>
-  </p:timing>
 </p:sld>
 </file>
 
@@ -8547,7 +9590,7 @@
                 <a:latin typeface="Times New Roman" panose="02020603050405020304" pitchFamily="18" charset="0"/>
                 <a:cs typeface="Times New Roman" panose="02020603050405020304" pitchFamily="18" charset="0"/>
               </a:rPr>
-              <a:t>Applications</a:t>
+              <a:t>Background</a:t>
             </a:r>
             <a:endParaRPr lang="en-US" dirty="0">
               <a:latin typeface="Times New Roman" panose="02020603050405020304" pitchFamily="18" charset="0"/>
@@ -8566,69 +9609,115 @@
             <p:ph idx="1"/>
           </p:nvPr>
         </p:nvSpPr>
-        <p:spPr/>
-        <p:txBody>
-          <a:bodyPr/>
-          <a:lstStyle/>
-          <a:p>
+        <p:spPr>
+          <a:xfrm>
+            <a:off x="838200" y="1690688"/>
+            <a:ext cx="10515600" cy="4351338"/>
+          </a:xfrm>
+        </p:spPr>
+        <p:txBody>
+          <a:bodyPr/>
+          <a:lstStyle/>
+          <a:p>
+            <a:pPr algn="just"/>
+            <a:r>
+              <a:rPr lang="en-US" dirty="0">
+                <a:latin typeface="Times New Roman" panose="02020603050405020304" pitchFamily="18" charset="0"/>
+                <a:cs typeface="Times New Roman" panose="02020603050405020304" pitchFamily="18" charset="0"/>
+              </a:rPr>
+              <a:t>The project was conceptualized based on personal </a:t>
+            </a:r>
             <a:r>
               <a:rPr lang="en-US" dirty="0" smtClean="0">
                 <a:latin typeface="Times New Roman" panose="02020603050405020304" pitchFamily="18" charset="0"/>
                 <a:cs typeface="Times New Roman" panose="02020603050405020304" pitchFamily="18" charset="0"/>
               </a:rPr>
-              <a:t>Useful for new programmers, designers or other in IT.</a:t>
-            </a:r>
-          </a:p>
-          <a:p>
+              <a:t>experiences. </a:t>
+            </a:r>
+          </a:p>
+          <a:p>
+            <a:pPr algn="just"/>
             <a:r>
               <a:rPr lang="en-US" dirty="0" smtClean="0">
                 <a:latin typeface="Times New Roman" panose="02020603050405020304" pitchFamily="18" charset="0"/>
                 <a:cs typeface="Times New Roman" panose="02020603050405020304" pitchFamily="18" charset="0"/>
               </a:rPr>
-              <a:t>Social Networking among </a:t>
+              <a:t>Through </a:t>
             </a:r>
             <a:r>
               <a:rPr lang="en-US" dirty="0">
                 <a:latin typeface="Times New Roman" panose="02020603050405020304" pitchFamily="18" charset="0"/>
                 <a:cs typeface="Times New Roman" panose="02020603050405020304" pitchFamily="18" charset="0"/>
               </a:rPr>
-              <a:t>IT enthusiast </a:t>
+              <a:t>discussions and research, it became evident that existing social media platforms </a:t>
             </a:r>
             <a:r>
               <a:rPr lang="en-US" dirty="0" smtClean="0">
                 <a:latin typeface="Times New Roman" panose="02020603050405020304" pitchFamily="18" charset="0"/>
                 <a:cs typeface="Times New Roman" panose="02020603050405020304" pitchFamily="18" charset="0"/>
               </a:rPr>
-              <a:t>.</a:t>
-            </a:r>
-          </a:p>
-          <a:p>
+              <a:t>lack on our needs. </a:t>
+            </a:r>
+          </a:p>
+          <a:p>
+            <a:pPr algn="just"/>
             <a:r>
               <a:rPr lang="en-US" dirty="0" smtClean="0">
                 <a:latin typeface="Times New Roman" panose="02020603050405020304" pitchFamily="18" charset="0"/>
                 <a:cs typeface="Times New Roman" panose="02020603050405020304" pitchFamily="18" charset="0"/>
               </a:rPr>
-              <a:t>Discussion</a:t>
-            </a:r>
-          </a:p>
-          <a:p>
+              <a:t>The </a:t>
+            </a:r>
+            <a:r>
+              <a:rPr lang="en-US" dirty="0">
+                <a:latin typeface="Times New Roman" panose="02020603050405020304" pitchFamily="18" charset="0"/>
+                <a:cs typeface="Times New Roman" panose="02020603050405020304" pitchFamily="18" charset="0"/>
+              </a:rPr>
+              <a:t>project aims to address this gap by creating a dedicated </a:t>
+            </a:r>
             <a:r>
               <a:rPr lang="en-US" dirty="0" smtClean="0">
                 <a:latin typeface="Times New Roman" panose="02020603050405020304" pitchFamily="18" charset="0"/>
                 <a:cs typeface="Times New Roman" panose="02020603050405020304" pitchFamily="18" charset="0"/>
               </a:rPr>
-              <a:t>Achievement Sharing</a:t>
-            </a:r>
-            <a:endParaRPr lang="en-US" dirty="0">
-              <a:latin typeface="Times New Roman" panose="02020603050405020304" pitchFamily="18" charset="0"/>
-              <a:cs typeface="Times New Roman" panose="02020603050405020304" pitchFamily="18" charset="0"/>
-            </a:endParaRPr>
-          </a:p>
-        </p:txBody>
-      </p:sp>
-      <p:sp>
-        <p:nvSpPr>
-          <p:cNvPr id="4" name="Date Placeholder 3"/>
+              <a:t>space for </a:t>
+            </a:r>
+            <a:r>
+              <a:rPr lang="en-US" dirty="0">
+                <a:latin typeface="Times New Roman" panose="02020603050405020304" pitchFamily="18" charset="0"/>
+                <a:cs typeface="Times New Roman" panose="02020603050405020304" pitchFamily="18" charset="0"/>
+              </a:rPr>
+              <a:t>IT enthusiast.</a:t>
+            </a:r>
+          </a:p>
+        </p:txBody>
+      </p:sp>
+      <p:sp>
+        <p:nvSpPr>
+          <p:cNvPr id="4" name="Slide Number Placeholder 3"/>
+          <p:cNvSpPr>
+            <a:spLocks noGrp="1"/>
+          </p:cNvSpPr>
+          <p:nvPr>
+            <p:ph type="sldNum" sz="quarter" idx="12"/>
+          </p:nvPr>
+        </p:nvSpPr>
+        <p:spPr/>
+        <p:txBody>
+          <a:bodyPr/>
+          <a:lstStyle/>
+          <a:p>
+            <a:fld id="{EC5C04CC-AAE0-4DA8-BE54-D7078AB31EEA}" type="slidenum">
+              <a:rPr lang="en-US" smtClean="0"/>
+              <a:t>7</a:t>
+            </a:fld>
+            <a:endParaRPr lang="en-US" dirty="0"/>
+          </a:p>
+        </p:txBody>
+      </p:sp>
+      <p:sp>
+        <p:nvSpPr>
+          <p:cNvPr id="5" name="Date Placeholder 4"/>
           <p:cNvSpPr>
             <a:spLocks noGrp="1"/>
           </p:cNvSpPr>
@@ -8641,32 +9730,9 @@
           <a:bodyPr/>
           <a:lstStyle/>
           <a:p>
-            <a:fld id="{61066859-9ABD-47EE-A13A-7683241B4E0D}" type="datetime1">
-              <a:rPr lang="en-US" smtClean="0"/>
-              <a:t>6/11/2023</a:t>
-            </a:fld>
-            <a:endParaRPr lang="en-US"/>
-          </a:p>
-        </p:txBody>
-      </p:sp>
-      <p:sp>
-        <p:nvSpPr>
-          <p:cNvPr id="5" name="Slide Number Placeholder 4"/>
-          <p:cNvSpPr>
-            <a:spLocks noGrp="1"/>
-          </p:cNvSpPr>
-          <p:nvPr>
-            <p:ph type="sldNum" sz="quarter" idx="12"/>
-          </p:nvPr>
-        </p:nvSpPr>
-        <p:spPr/>
-        <p:txBody>
-          <a:bodyPr/>
-          <a:lstStyle/>
-          <a:p>
-            <a:fld id="{EC5C04CC-AAE0-4DA8-BE54-D7078AB31EEA}" type="slidenum">
-              <a:rPr lang="en-US" smtClean="0"/>
-              <a:t>7</a:t>
+            <a:fld id="{EDC2E9A8-9B6C-49D4-8298-F9AA7E468CBB}" type="datetime1">
+              <a:rPr lang="en-US" smtClean="0"/>
+              <a:t>8/23/2023</a:t>
             </a:fld>
             <a:endParaRPr lang="en-US"/>
           </a:p>
@@ -8675,7 +9741,7 @@
     </p:spTree>
     <p:extLst>
       <p:ext uri="{BB962C8B-B14F-4D97-AF65-F5344CB8AC3E}">
-        <p14:creationId xmlns:p14="http://schemas.microsoft.com/office/powerpoint/2010/main" val="1919207736"/>
+        <p14:creationId xmlns:p14="http://schemas.microsoft.com/office/powerpoint/2010/main" val="4178703044"/>
       </p:ext>
     </p:extLst>
   </p:cSld>
@@ -8729,7 +9795,7 @@
                 <a:latin typeface="Times New Roman" panose="02020603050405020304" pitchFamily="18" charset="0"/>
                 <a:cs typeface="Times New Roman" panose="02020603050405020304" pitchFamily="18" charset="0"/>
               </a:rPr>
-              <a:t>System Design (Architecture)</a:t>
+              <a:t>Literature Review</a:t>
             </a:r>
             <a:endParaRPr lang="en-US" dirty="0">
               <a:latin typeface="Times New Roman" panose="02020603050405020304" pitchFamily="18" charset="0"/>
@@ -8738,35 +9804,86 @@
           </a:p>
         </p:txBody>
       </p:sp>
-      <p:pic>
-        <p:nvPicPr>
-          <p:cNvPr id="6" name="Content Placeholder 5"/>
-          <p:cNvPicPr>
-            <a:picLocks noGrp="1" noChangeAspect="1"/>
-          </p:cNvPicPr>
+      <p:sp>
+        <p:nvSpPr>
+          <p:cNvPr id="3" name="Content Placeholder 2"/>
+          <p:cNvSpPr>
+            <a:spLocks noGrp="1"/>
+          </p:cNvSpPr>
           <p:nvPr>
             <p:ph idx="1"/>
           </p:nvPr>
-        </p:nvPicPr>
-        <p:blipFill>
-          <a:blip r:embed="rId2">
-            <a:extLst>
-              <a:ext uri="{28A0092B-C50C-407E-A947-70E740481C1C}">
-                <a14:useLocalDpi xmlns:a14="http://schemas.microsoft.com/office/drawing/2010/main" val="0"/>
-              </a:ext>
-            </a:extLst>
-          </a:blip>
-          <a:stretch>
-            <a:fillRect/>
-          </a:stretch>
-        </p:blipFill>
-        <p:spPr>
-          <a:xfrm>
-            <a:off x="2878591" y="1968759"/>
-            <a:ext cx="6129812" cy="3370797"/>
-          </a:xfrm>
-        </p:spPr>
-      </p:pic>
+        </p:nvSpPr>
+        <p:spPr/>
+        <p:txBody>
+          <a:bodyPr>
+            <a:normAutofit/>
+          </a:bodyPr>
+          <a:lstStyle/>
+          <a:p>
+            <a:r>
+              <a:rPr lang="en-US" dirty="0">
+                <a:latin typeface="Times New Roman" panose="02020603050405020304" pitchFamily="18" charset="0"/>
+                <a:cs typeface="Times New Roman" panose="02020603050405020304" pitchFamily="18" charset="0"/>
+              </a:rPr>
+              <a:t>Social networks are like groups of people who know each other and interact with each other</a:t>
+            </a:r>
+            <a:r>
+              <a:rPr lang="en-US" dirty="0" smtClean="0">
+                <a:latin typeface="Times New Roman" panose="02020603050405020304" pitchFamily="18" charset="0"/>
+                <a:cs typeface="Times New Roman" panose="02020603050405020304" pitchFamily="18" charset="0"/>
+              </a:rPr>
+              <a:t>.[1] </a:t>
+            </a:r>
+          </a:p>
+          <a:p>
+            <a:r>
+              <a:rPr lang="en-US" dirty="0">
+                <a:latin typeface="Times New Roman" panose="02020603050405020304" pitchFamily="18" charset="0"/>
+                <a:cs typeface="Times New Roman" panose="02020603050405020304" pitchFamily="18" charset="0"/>
+              </a:rPr>
+              <a:t>LinkedIn is the preferred social media platform for recruiters, while Twitter and Facebook are less</a:t>
+            </a:r>
+            <a:r>
+              <a:rPr lang="en-US" dirty="0" smtClean="0">
+                <a:latin typeface="Times New Roman" panose="02020603050405020304" pitchFamily="18" charset="0"/>
+                <a:cs typeface="Times New Roman" panose="02020603050405020304" pitchFamily="18" charset="0"/>
+              </a:rPr>
+              <a:t>.[2]</a:t>
+            </a:r>
+          </a:p>
+          <a:p>
+            <a:r>
+              <a:rPr lang="en-US" dirty="0">
+                <a:latin typeface="Times New Roman" panose="02020603050405020304" pitchFamily="18" charset="0"/>
+                <a:cs typeface="Times New Roman" panose="02020603050405020304" pitchFamily="18" charset="0"/>
+              </a:rPr>
+              <a:t>Complete profiles in Stack Overflow lead to </a:t>
+            </a:r>
+            <a:r>
+              <a:rPr lang="en-US" dirty="0" smtClean="0">
+                <a:latin typeface="Times New Roman" panose="02020603050405020304" pitchFamily="18" charset="0"/>
+                <a:cs typeface="Times New Roman" panose="02020603050405020304" pitchFamily="18" charset="0"/>
+              </a:rPr>
+              <a:t>better </a:t>
+            </a:r>
+            <a:r>
+              <a:rPr lang="en-US" dirty="0">
+                <a:latin typeface="Times New Roman" panose="02020603050405020304" pitchFamily="18" charset="0"/>
+                <a:cs typeface="Times New Roman" panose="02020603050405020304" pitchFamily="18" charset="0"/>
+              </a:rPr>
+              <a:t>quality posts</a:t>
+            </a:r>
+            <a:r>
+              <a:rPr lang="en-US" dirty="0" smtClean="0">
+                <a:latin typeface="Times New Roman" panose="02020603050405020304" pitchFamily="18" charset="0"/>
+                <a:cs typeface="Times New Roman" panose="02020603050405020304" pitchFamily="18" charset="0"/>
+              </a:rPr>
+              <a:t>.[3]</a:t>
+            </a:r>
+          </a:p>
+        </p:txBody>
+      </p:sp>
       <p:sp>
         <p:nvSpPr>
           <p:cNvPr id="4" name="Date Placeholder 3"/>
@@ -8784,7 +9901,7 @@
           <a:p>
             <a:fld id="{61066859-9ABD-47EE-A13A-7683241B4E0D}" type="datetime1">
               <a:rPr lang="en-US" smtClean="0"/>
-              <a:t>6/11/2023</a:t>
+              <a:t>8/23/2023</a:t>
             </a:fld>
             <a:endParaRPr lang="en-US"/>
           </a:p>
@@ -8816,7 +9933,7 @@
     </p:spTree>
     <p:extLst>
       <p:ext uri="{BB962C8B-B14F-4D97-AF65-F5344CB8AC3E}">
-        <p14:creationId xmlns:p14="http://schemas.microsoft.com/office/powerpoint/2010/main" val="3023833490"/>
+        <p14:creationId xmlns:p14="http://schemas.microsoft.com/office/powerpoint/2010/main" val="41453864"/>
       </p:ext>
     </p:extLst>
   </p:cSld>
